--- a/pizarra.pptx
+++ b/pizarra.pptx
@@ -19,6 +19,15 @@
     <p:sldId id="267" r:id="rId13"/>
     <p:sldId id="268" r:id="rId14"/>
     <p:sldId id="269" r:id="rId15"/>
+    <p:sldId id="270" r:id="rId16"/>
+    <p:sldId id="271" r:id="rId17"/>
+    <p:sldId id="272" r:id="rId18"/>
+    <p:sldId id="273" r:id="rId19"/>
+    <p:sldId id="274" r:id="rId20"/>
+    <p:sldId id="275" r:id="rId21"/>
+    <p:sldId id="276" r:id="rId22"/>
+    <p:sldId id="277" r:id="rId23"/>
+    <p:sldId id="278" r:id="rId24"/>
   </p:sldIdLst>
   <p:sldSz cx="9144000" cy="6858000" type="screen4x3"/>
   <p:notesSz cx="6858000" cy="9144000"/>
@@ -302,7 +311,7 @@
             <a:fld id="{7A847CFC-816F-41D0-AAC0-9BF4FEBC753E}" type="datetimeFigureOut">
               <a:rPr lang="es-ES" smtClean="0"/>
               <a:pPr/>
-              <a:t>10/04/2025</a:t>
+              <a:t>22/04/2025</a:t>
             </a:fld>
             <a:endParaRPr lang="es-ES"/>
           </a:p>
@@ -469,7 +478,7 @@
             <a:fld id="{7A847CFC-816F-41D0-AAC0-9BF4FEBC753E}" type="datetimeFigureOut">
               <a:rPr lang="es-ES" smtClean="0"/>
               <a:pPr/>
-              <a:t>10/04/2025</a:t>
+              <a:t>22/04/2025</a:t>
             </a:fld>
             <a:endParaRPr lang="es-ES"/>
           </a:p>
@@ -646,7 +655,7 @@
             <a:fld id="{7A847CFC-816F-41D0-AAC0-9BF4FEBC753E}" type="datetimeFigureOut">
               <a:rPr lang="es-ES" smtClean="0"/>
               <a:pPr/>
-              <a:t>10/04/2025</a:t>
+              <a:t>22/04/2025</a:t>
             </a:fld>
             <a:endParaRPr lang="es-ES"/>
           </a:p>
@@ -813,7 +822,7 @@
             <a:fld id="{7A847CFC-816F-41D0-AAC0-9BF4FEBC753E}" type="datetimeFigureOut">
               <a:rPr lang="es-ES" smtClean="0"/>
               <a:pPr/>
-              <a:t>10/04/2025</a:t>
+              <a:t>22/04/2025</a:t>
             </a:fld>
             <a:endParaRPr lang="es-ES"/>
           </a:p>
@@ -1056,7 +1065,7 @@
             <a:fld id="{7A847CFC-816F-41D0-AAC0-9BF4FEBC753E}" type="datetimeFigureOut">
               <a:rPr lang="es-ES" smtClean="0"/>
               <a:pPr/>
-              <a:t>10/04/2025</a:t>
+              <a:t>22/04/2025</a:t>
             </a:fld>
             <a:endParaRPr lang="es-ES"/>
           </a:p>
@@ -1341,7 +1350,7 @@
             <a:fld id="{7A847CFC-816F-41D0-AAC0-9BF4FEBC753E}" type="datetimeFigureOut">
               <a:rPr lang="es-ES" smtClean="0"/>
               <a:pPr/>
-              <a:t>10/04/2025</a:t>
+              <a:t>22/04/2025</a:t>
             </a:fld>
             <a:endParaRPr lang="es-ES"/>
           </a:p>
@@ -1760,7 +1769,7 @@
             <a:fld id="{7A847CFC-816F-41D0-AAC0-9BF4FEBC753E}" type="datetimeFigureOut">
               <a:rPr lang="es-ES" smtClean="0"/>
               <a:pPr/>
-              <a:t>10/04/2025</a:t>
+              <a:t>22/04/2025</a:t>
             </a:fld>
             <a:endParaRPr lang="es-ES"/>
           </a:p>
@@ -1875,7 +1884,7 @@
             <a:fld id="{7A847CFC-816F-41D0-AAC0-9BF4FEBC753E}" type="datetimeFigureOut">
               <a:rPr lang="es-ES" smtClean="0"/>
               <a:pPr/>
-              <a:t>10/04/2025</a:t>
+              <a:t>22/04/2025</a:t>
             </a:fld>
             <a:endParaRPr lang="es-ES"/>
           </a:p>
@@ -1967,7 +1976,7 @@
             <a:fld id="{7A847CFC-816F-41D0-AAC0-9BF4FEBC753E}" type="datetimeFigureOut">
               <a:rPr lang="es-ES" smtClean="0"/>
               <a:pPr/>
-              <a:t>10/04/2025</a:t>
+              <a:t>22/04/2025</a:t>
             </a:fld>
             <a:endParaRPr lang="es-ES"/>
           </a:p>
@@ -2241,7 +2250,7 @@
             <a:fld id="{7A847CFC-816F-41D0-AAC0-9BF4FEBC753E}" type="datetimeFigureOut">
               <a:rPr lang="es-ES" smtClean="0"/>
               <a:pPr/>
-              <a:t>10/04/2025</a:t>
+              <a:t>22/04/2025</a:t>
             </a:fld>
             <a:endParaRPr lang="es-ES"/>
           </a:p>
@@ -2491,7 +2500,7 @@
             <a:fld id="{7A847CFC-816F-41D0-AAC0-9BF4FEBC753E}" type="datetimeFigureOut">
               <a:rPr lang="es-ES" smtClean="0"/>
               <a:pPr/>
-              <a:t>10/04/2025</a:t>
+              <a:t>22/04/2025</a:t>
             </a:fld>
             <a:endParaRPr lang="es-ES"/>
           </a:p>
@@ -2701,7 +2710,7 @@
             <a:fld id="{7A847CFC-816F-41D0-AAC0-9BF4FEBC753E}" type="datetimeFigureOut">
               <a:rPr lang="es-ES" smtClean="0"/>
               <a:pPr/>
-              <a:t>10/04/2025</a:t>
+              <a:t>22/04/2025</a:t>
             </a:fld>
             <a:endParaRPr lang="es-ES"/>
           </a:p>
@@ -3410,7 +3419,6 @@
               <a:rPr lang="es-ES" dirty="0" smtClean="0"/>
               <a:t>	//instrucciones si se cumple condición</a:t>
             </a:r>
-            <a:endParaRPr lang="es-ES" dirty="0" smtClean="0"/>
           </a:p>
           <a:p>
             <a:r>
@@ -3431,7 +3439,6 @@
               <a:rPr lang="es-ES" dirty="0" smtClean="0"/>
               <a:t>	//instrucciones si no se cumple condición</a:t>
             </a:r>
-            <a:endParaRPr lang="es-ES" dirty="0" smtClean="0"/>
           </a:p>
           <a:p>
             <a:r>
@@ -3744,10 +3751,58 @@
               <a:rPr lang="es-ES" dirty="0" smtClean="0"/>
               <a:t>[i]);</a:t>
             </a:r>
+          </a:p>
+          <a:p>
+            <a:r>
+              <a:rPr lang="es-ES" dirty="0" smtClean="0"/>
+              <a:t>}</a:t>
+            </a:r>
+          </a:p>
+          <a:p>
             <a:endParaRPr lang="es-ES" dirty="0" smtClean="0"/>
           </a:p>
           <a:p>
             <a:r>
+              <a:rPr lang="es-ES" dirty="0" err="1" smtClean="0"/>
+              <a:t>for</a:t>
+            </a:r>
+            <a:r>
+              <a:rPr lang="es-ES" dirty="0" smtClean="0"/>
+              <a:t>(</a:t>
+            </a:r>
+            <a:r>
+              <a:rPr lang="es-ES" dirty="0" err="1" smtClean="0"/>
+              <a:t>let</a:t>
+            </a:r>
+            <a:r>
+              <a:rPr lang="es-ES" dirty="0" smtClean="0"/>
+              <a:t> i=0;i&lt;</a:t>
+            </a:r>
+            <a:r>
+              <a:rPr lang="es-ES" dirty="0" err="1" smtClean="0"/>
+              <a:t>nums.length;i</a:t>
+            </a:r>
+            <a:r>
+              <a:rPr lang="es-ES" dirty="0" smtClean="0"/>
+              <a:t>++){</a:t>
+            </a:r>
+          </a:p>
+          <a:p>
+            <a:r>
+              <a:rPr lang="es-ES" dirty="0" smtClean="0"/>
+              <a:t>	console.log(</a:t>
+            </a:r>
+            <a:r>
+              <a:rPr lang="es-ES" dirty="0" err="1" smtClean="0"/>
+              <a:t>nums</a:t>
+            </a:r>
+            <a:r>
+              <a:rPr lang="es-ES" dirty="0" smtClean="0"/>
+              <a:t>[i]);</a:t>
+            </a:r>
+          </a:p>
+          <a:p>
+            <a:r>
               <a:rPr lang="es-ES" dirty="0" smtClean="0"/>
               <a:t>}</a:t>
             </a:r>
@@ -3770,25 +3825,7 @@
             </a:r>
             <a:r>
               <a:rPr lang="es-ES" dirty="0" smtClean="0"/>
-              <a:t> </a:t>
-            </a:r>
-            <a:r>
-              <a:rPr lang="es-ES" dirty="0" smtClean="0"/>
-              <a:t>i=0;i&lt;</a:t>
-            </a:r>
-            <a:r>
-              <a:rPr lang="es-ES" dirty="0" err="1" smtClean="0"/>
-              <a:t>nums.length;i</a:t>
-            </a:r>
-            <a:r>
-              <a:rPr lang="es-ES" dirty="0" smtClean="0"/>
-              <a:t>++){</a:t>
-            </a:r>
-          </a:p>
-          <a:p>
-            <a:r>
-              <a:rPr lang="es-ES" dirty="0" smtClean="0"/>
-              <a:t>	console.log(</a:t>
+              <a:t> n of </a:t>
             </a:r>
             <a:r>
               <a:rPr lang="es-ES" dirty="0" err="1" smtClean="0"/>
@@ -3796,7 +3833,13 @@
             </a:r>
             <a:r>
               <a:rPr lang="es-ES" dirty="0" smtClean="0"/>
-              <a:t>[i]);</a:t>
+              <a:t>){</a:t>
+            </a:r>
+          </a:p>
+          <a:p>
+            <a:r>
+              <a:rPr lang="es-ES" dirty="0" smtClean="0"/>
+              <a:t>	console.log(n);</a:t>
             </a:r>
           </a:p>
           <a:p>
@@ -3804,49 +3847,6 @@
               <a:rPr lang="es-ES" dirty="0" smtClean="0"/>
               <a:t>}</a:t>
             </a:r>
-          </a:p>
-          <a:p>
-            <a:endParaRPr lang="es-ES" dirty="0" smtClean="0"/>
-          </a:p>
-          <a:p>
-            <a:r>
-              <a:rPr lang="es-ES" dirty="0" err="1" smtClean="0"/>
-              <a:t>for</a:t>
-            </a:r>
-            <a:r>
-              <a:rPr lang="es-ES" dirty="0" smtClean="0"/>
-              <a:t>(</a:t>
-            </a:r>
-            <a:r>
-              <a:rPr lang="es-ES" dirty="0" err="1" smtClean="0"/>
-              <a:t>let</a:t>
-            </a:r>
-            <a:r>
-              <a:rPr lang="es-ES" dirty="0" smtClean="0"/>
-              <a:t> n of </a:t>
-            </a:r>
-            <a:r>
-              <a:rPr lang="es-ES" dirty="0" err="1" smtClean="0"/>
-              <a:t>nums</a:t>
-            </a:r>
-            <a:r>
-              <a:rPr lang="es-ES" dirty="0" smtClean="0"/>
-              <a:t>){</a:t>
-            </a:r>
-          </a:p>
-          <a:p>
-            <a:r>
-              <a:rPr lang="es-ES" dirty="0" smtClean="0"/>
-              <a:t>	console.log(n);</a:t>
-            </a:r>
-            <a:endParaRPr lang="es-ES" dirty="0" smtClean="0"/>
-          </a:p>
-          <a:p>
-            <a:r>
-              <a:rPr lang="es-ES" dirty="0" smtClean="0"/>
-              <a:t>}</a:t>
-            </a:r>
-            <a:endParaRPr lang="es-ES" dirty="0" smtClean="0"/>
           </a:p>
           <a:p>
             <a:endParaRPr lang="es-ES" dirty="0"/>
@@ -4140,11 +4140,7 @@
           <a:p>
             <a:r>
               <a:rPr lang="es-ES" dirty="0" smtClean="0"/>
-              <a:t>}</a:t>
-            </a:r>
-            <a:r>
-              <a:rPr lang="es-ES" dirty="0" smtClean="0"/>
-              <a:t> </a:t>
+              <a:t>} </a:t>
             </a:r>
             <a:r>
               <a:rPr lang="es-ES" dirty="0" err="1" smtClean="0"/>
@@ -4378,25 +4374,125 @@
           <a:p>
             <a:r>
               <a:rPr lang="es-ES" dirty="0" smtClean="0"/>
+              <a:t>   &lt;h1&gt;Titulo grande&lt;/h1&gt;</a:t>
+            </a:r>
+          </a:p>
+          <a:p>
+            <a:r>
+              <a:rPr lang="es-ES" dirty="0" smtClean="0"/>
+              <a:t>   &lt;</a:t>
+            </a:r>
+            <a:r>
+              <a:rPr lang="es-ES" dirty="0" err="1" smtClean="0"/>
+              <a:t>button</a:t>
+            </a:r>
+            <a:r>
+              <a:rPr lang="es-ES" dirty="0" smtClean="0"/>
               <a:t> </a:t>
             </a:r>
             <a:r>
-              <a:rPr lang="es-ES" dirty="0" smtClean="0"/>
-              <a:t>  &lt;h1&gt;Titulo grande&lt;/h1&gt;</a:t>
-            </a:r>
-          </a:p>
-          <a:p>
+              <a:rPr lang="es-ES" dirty="0" err="1" smtClean="0"/>
+              <a:t>onclick</a:t>
+            </a:r>
+            <a:r>
+              <a:rPr lang="es-ES" dirty="0" smtClean="0"/>
+              <a:t>="</a:t>
+            </a:r>
+            <a:r>
+              <a:rPr lang="es-ES" dirty="0" err="1" smtClean="0"/>
+              <a:t>mitarea</a:t>
+            </a:r>
+            <a:r>
+              <a:rPr lang="es-ES" dirty="0" smtClean="0"/>
+              <a:t>()"&gt;…&lt;/</a:t>
+            </a:r>
+            <a:r>
+              <a:rPr lang="es-ES" dirty="0" err="1" smtClean="0"/>
+              <a:t>button</a:t>
+            </a:r>
+            <a:r>
+              <a:rPr lang="es-ES" dirty="0" smtClean="0"/>
+              <a:t>&gt;</a:t>
+            </a:r>
+          </a:p>
+          <a:p>
+            <a:r>
+              <a:rPr lang="es-ES" dirty="0" smtClean="0"/>
+              <a:t>   &lt;input </a:t>
+            </a:r>
+            <a:r>
+              <a:rPr lang="es-ES" dirty="0" err="1" smtClean="0"/>
+              <a:t>type</a:t>
+            </a:r>
+            <a:r>
+              <a:rPr lang="es-ES" dirty="0" smtClean="0"/>
+              <a:t>="</a:t>
+            </a:r>
+            <a:r>
+              <a:rPr lang="es-ES" dirty="0" err="1" smtClean="0"/>
+              <a:t>text</a:t>
+            </a:r>
+            <a:r>
+              <a:rPr lang="es-ES" dirty="0" smtClean="0"/>
+              <a:t>"     id="</a:t>
+            </a:r>
+            <a:r>
+              <a:rPr lang="es-ES" dirty="0" err="1" smtClean="0"/>
+              <a:t>micaja</a:t>
+            </a:r>
+            <a:r>
+              <a:rPr lang="es-ES" dirty="0" smtClean="0"/>
+              <a:t>"&gt;</a:t>
+            </a:r>
+          </a:p>
+          <a:p>
+            <a:endParaRPr lang="es-ES" dirty="0" smtClean="0"/>
+          </a:p>
+          <a:p>
+            <a:endParaRPr lang="es-ES" dirty="0" smtClean="0"/>
+          </a:p>
+          <a:p>
+            <a:endParaRPr lang="es-ES" dirty="0" smtClean="0"/>
+          </a:p>
+          <a:p>
+            <a:r>
+              <a:rPr lang="es-ES" dirty="0" smtClean="0"/>
+              <a:t>   &lt;script&gt;</a:t>
+            </a:r>
+          </a:p>
+          <a:p>
+            <a:r>
+              <a:rPr lang="es-ES" dirty="0" smtClean="0"/>
+              <a:t>   </a:t>
+            </a:r>
+            <a:r>
+              <a:rPr lang="es-ES" dirty="0" err="1" smtClean="0"/>
+              <a:t>function</a:t>
+            </a:r>
             <a:r>
               <a:rPr lang="es-ES" dirty="0" smtClean="0"/>
               <a:t> </a:t>
             </a:r>
             <a:r>
-              <a:rPr lang="es-ES" dirty="0" smtClean="0"/>
-              <a:t>  &lt;</a:t>
-            </a:r>
-            <a:r>
-              <a:rPr lang="es-ES" dirty="0" err="1" smtClean="0"/>
-              <a:t>button</a:t>
+              <a:rPr lang="es-ES" dirty="0" err="1" smtClean="0"/>
+              <a:t>mitarea</a:t>
+            </a:r>
+            <a:r>
+              <a:rPr lang="es-ES" dirty="0" smtClean="0"/>
+              <a:t>(){</a:t>
+            </a:r>
+          </a:p>
+          <a:p>
+            <a:endParaRPr lang="es-ES" dirty="0" smtClean="0"/>
+          </a:p>
+          <a:p>
+            <a:r>
+              <a:rPr lang="es-ES" dirty="0" smtClean="0"/>
+              <a:t>	</a:t>
+            </a:r>
+            <a:r>
+              <a:rPr lang="es-ES" dirty="0" err="1" smtClean="0"/>
+              <a:t>let</a:t>
             </a:r>
             <a:r>
               <a:rPr lang="es-ES" dirty="0" smtClean="0"/>
@@ -4404,62 +4500,65 @@
             </a:r>
             <a:r>
               <a:rPr lang="es-ES" dirty="0" err="1" smtClean="0"/>
-              <a:t>onclick</a:t>
-            </a:r>
-            <a:r>
-              <a:rPr lang="es-ES" dirty="0" smtClean="0"/>
-              <a:t>="</a:t>
-            </a:r>
-            <a:r>
-              <a:rPr lang="es-ES" dirty="0" err="1" smtClean="0"/>
-              <a:t>mitarea</a:t>
-            </a:r>
-            <a:r>
-              <a:rPr lang="es-ES" dirty="0" smtClean="0"/>
-              <a:t>()"&gt;…&lt;/</a:t>
-            </a:r>
-            <a:r>
-              <a:rPr lang="es-ES" dirty="0" err="1" smtClean="0"/>
-              <a:t>button</a:t>
-            </a:r>
-            <a:r>
-              <a:rPr lang="es-ES" dirty="0" smtClean="0"/>
-              <a:t>&gt;</a:t>
-            </a:r>
+              <a:t>inputCaja</a:t>
+            </a:r>
+            <a:r>
+              <a:rPr lang="es-ES" dirty="0" smtClean="0"/>
+              <a:t>=</a:t>
+            </a:r>
+            <a:r>
+              <a:rPr lang="es-ES" dirty="0" err="1" smtClean="0"/>
+              <a:t>document.getElementById</a:t>
+            </a:r>
+            <a:r>
+              <a:rPr lang="es-ES" dirty="0" smtClean="0"/>
+              <a:t>("</a:t>
+            </a:r>
+            <a:r>
+              <a:rPr lang="es-ES" dirty="0" err="1" smtClean="0"/>
+              <a:t>micaja</a:t>
+            </a:r>
+            <a:r>
+              <a:rPr lang="es-ES" dirty="0" smtClean="0"/>
+              <a:t>");</a:t>
+            </a:r>
+          </a:p>
+          <a:p>
+            <a:r>
+              <a:rPr lang="es-ES" dirty="0" smtClean="0"/>
+              <a:t>	</a:t>
+            </a:r>
+            <a:r>
+              <a:rPr lang="es-ES" dirty="0" err="1" smtClean="0"/>
+              <a:t>let</a:t>
+            </a:r>
+            <a:r>
+              <a:rPr lang="es-ES" dirty="0" smtClean="0"/>
+              <a:t> texto=</a:t>
+            </a:r>
+            <a:r>
+              <a:rPr lang="es-ES" dirty="0" err="1" smtClean="0"/>
+              <a:t>inputCaja.value</a:t>
+            </a:r>
+            <a:r>
+              <a:rPr lang="es-ES" dirty="0" smtClean="0"/>
+              <a:t>;</a:t>
+            </a:r>
+          </a:p>
+          <a:p>
+            <a:r>
+              <a:rPr lang="es-ES" dirty="0" smtClean="0"/>
+              <a:t>   }</a:t>
+            </a:r>
+          </a:p>
+          <a:p>
+            <a:endParaRPr lang="es-ES" dirty="0" smtClean="0"/>
           </a:p>
           <a:p>
             <a:r>
               <a:rPr lang="es-ES" dirty="0" smtClean="0"/>
               <a:t> </a:t>
             </a:r>
-            <a:r>
-              <a:rPr lang="es-ES" dirty="0" smtClean="0"/>
-              <a:t>  &lt;input </a:t>
-            </a:r>
-            <a:r>
-              <a:rPr lang="es-ES" dirty="0" err="1" smtClean="0"/>
-              <a:t>type</a:t>
-            </a:r>
-            <a:r>
-              <a:rPr lang="es-ES" dirty="0" smtClean="0"/>
-              <a:t>="</a:t>
-            </a:r>
-            <a:r>
-              <a:rPr lang="es-ES" dirty="0" err="1" smtClean="0"/>
-              <a:t>text</a:t>
-            </a:r>
-            <a:r>
-              <a:rPr lang="es-ES" dirty="0" smtClean="0"/>
-              <a:t>"     id="</a:t>
-            </a:r>
-            <a:r>
-              <a:rPr lang="es-ES" dirty="0" err="1" smtClean="0"/>
-              <a:t>micaja</a:t>
-            </a:r>
-            <a:r>
-              <a:rPr lang="es-ES" dirty="0" smtClean="0"/>
-              <a:t>"&gt;</a:t>
-            </a:r>
           </a:p>
           <a:p>
             <a:endParaRPr lang="es-ES" dirty="0" smtClean="0"/>
@@ -4468,130 +4567,6 @@
             <a:endParaRPr lang="es-ES" dirty="0" smtClean="0"/>
           </a:p>
           <a:p>
-            <a:endParaRPr lang="es-ES" dirty="0" smtClean="0"/>
-          </a:p>
-          <a:p>
-            <a:r>
-              <a:rPr lang="es-ES" dirty="0" smtClean="0"/>
-              <a:t> </a:t>
-            </a:r>
-            <a:r>
-              <a:rPr lang="es-ES" dirty="0" smtClean="0"/>
-              <a:t>  &lt;script&gt;</a:t>
-            </a:r>
-          </a:p>
-          <a:p>
-            <a:r>
-              <a:rPr lang="es-ES" dirty="0" smtClean="0"/>
-              <a:t>   </a:t>
-            </a:r>
-            <a:r>
-              <a:rPr lang="es-ES" dirty="0" err="1" smtClean="0"/>
-              <a:t>function</a:t>
-            </a:r>
-            <a:r>
-              <a:rPr lang="es-ES" dirty="0" smtClean="0"/>
-              <a:t> </a:t>
-            </a:r>
-            <a:r>
-              <a:rPr lang="es-ES" dirty="0" err="1" smtClean="0"/>
-              <a:t>mitarea</a:t>
-            </a:r>
-            <a:r>
-              <a:rPr lang="es-ES" dirty="0" smtClean="0"/>
-              <a:t>(){</a:t>
-            </a:r>
-          </a:p>
-          <a:p>
-            <a:endParaRPr lang="es-ES" dirty="0" smtClean="0"/>
-          </a:p>
-          <a:p>
-            <a:r>
-              <a:rPr lang="es-ES" dirty="0" smtClean="0"/>
-              <a:t>	</a:t>
-            </a:r>
-            <a:r>
-              <a:rPr lang="es-ES" dirty="0" err="1" smtClean="0"/>
-              <a:t>let</a:t>
-            </a:r>
-            <a:r>
-              <a:rPr lang="es-ES" dirty="0" smtClean="0"/>
-              <a:t> </a:t>
-            </a:r>
-            <a:r>
-              <a:rPr lang="es-ES" dirty="0" err="1" smtClean="0"/>
-              <a:t>inputCaja</a:t>
-            </a:r>
-            <a:r>
-              <a:rPr lang="es-ES" dirty="0" smtClean="0"/>
-              <a:t>=</a:t>
-            </a:r>
-            <a:r>
-              <a:rPr lang="es-ES" dirty="0" err="1" smtClean="0"/>
-              <a:t>document.getElementById</a:t>
-            </a:r>
-            <a:r>
-              <a:rPr lang="es-ES" dirty="0" smtClean="0"/>
-              <a:t>("</a:t>
-            </a:r>
-            <a:r>
-              <a:rPr lang="es-ES" dirty="0" err="1" smtClean="0"/>
-              <a:t>micaja</a:t>
-            </a:r>
-            <a:r>
-              <a:rPr lang="es-ES" dirty="0" smtClean="0"/>
-              <a:t>");</a:t>
-            </a:r>
-          </a:p>
-          <a:p>
-            <a:r>
-              <a:rPr lang="es-ES" dirty="0" smtClean="0"/>
-              <a:t>	</a:t>
-            </a:r>
-            <a:r>
-              <a:rPr lang="es-ES" dirty="0" err="1" smtClean="0"/>
-              <a:t>let</a:t>
-            </a:r>
-            <a:r>
-              <a:rPr lang="es-ES" dirty="0" smtClean="0"/>
-              <a:t> texto=</a:t>
-            </a:r>
-            <a:r>
-              <a:rPr lang="es-ES" dirty="0" err="1" smtClean="0"/>
-              <a:t>inputCaja.value</a:t>
-            </a:r>
-            <a:r>
-              <a:rPr lang="es-ES" dirty="0" smtClean="0"/>
-              <a:t>;</a:t>
-            </a:r>
-          </a:p>
-          <a:p>
-            <a:r>
-              <a:rPr lang="es-ES" dirty="0" smtClean="0"/>
-              <a:t> </a:t>
-            </a:r>
-            <a:r>
-              <a:rPr lang="es-ES" dirty="0" smtClean="0"/>
-              <a:t>  }</a:t>
-            </a:r>
-          </a:p>
-          <a:p>
-            <a:endParaRPr lang="es-ES" dirty="0" smtClean="0"/>
-          </a:p>
-          <a:p>
-            <a:r>
-              <a:rPr lang="es-ES" dirty="0" smtClean="0"/>
-              <a:t> </a:t>
-            </a:r>
-            <a:endParaRPr lang="es-ES" dirty="0" smtClean="0"/>
-          </a:p>
-          <a:p>
-            <a:endParaRPr lang="es-ES" dirty="0" smtClean="0"/>
-          </a:p>
-          <a:p>
-            <a:endParaRPr lang="es-ES" dirty="0" smtClean="0"/>
-          </a:p>
-          <a:p>
             <a:r>
               <a:rPr lang="es-ES" dirty="0" smtClean="0"/>
               <a:t>   &lt;/script&gt;</a:t>
@@ -4600,11 +4575,7 @@
           <a:p>
             <a:r>
               <a:rPr lang="es-ES" dirty="0" smtClean="0"/>
-              <a:t> </a:t>
-            </a:r>
-            <a:r>
-              <a:rPr lang="es-ES" dirty="0" smtClean="0"/>
-              <a:t>   </a:t>
+              <a:t>    </a:t>
             </a:r>
           </a:p>
           <a:p>
@@ -4887,6 +4858,1545 @@
 </p:sld>
 </file>
 
+<file path=ppt/slides/slide15.xml><?xml version="1.0" encoding="utf-8"?>
+<p:sld xmlns:a="http://schemas.openxmlformats.org/drawingml/2006/main" xmlns:r="http://schemas.openxmlformats.org/officeDocument/2006/relationships" xmlns:p="http://schemas.openxmlformats.org/presentationml/2006/main">
+  <p:cSld>
+    <p:spTree>
+      <p:nvGrpSpPr>
+        <p:cNvPr id="1" name=""/>
+        <p:cNvGrpSpPr/>
+        <p:nvPr/>
+      </p:nvGrpSpPr>
+      <p:grpSpPr>
+        <a:xfrm>
+          <a:off x="0" y="0"/>
+          <a:ext cx="0" cy="0"/>
+          <a:chOff x="0" y="0"/>
+          <a:chExt cx="0" cy="0"/>
+        </a:xfrm>
+      </p:grpSpPr>
+      <p:sp>
+        <p:nvSpPr>
+          <p:cNvPr id="2" name="1 CuadroTexto"/>
+          <p:cNvSpPr txBox="1"/>
+          <p:nvPr/>
+        </p:nvSpPr>
+        <p:spPr>
+          <a:xfrm>
+            <a:off x="1187624" y="332656"/>
+            <a:ext cx="2448272" cy="369332"/>
+          </a:xfrm>
+          <a:prstGeom prst="rect">
+            <a:avLst/>
+          </a:prstGeom>
+          <a:noFill/>
+        </p:spPr>
+        <p:txBody>
+          <a:bodyPr wrap="square" rtlCol="0">
+            <a:spAutoFit/>
+          </a:bodyPr>
+          <a:lstStyle/>
+          <a:p>
+            <a:r>
+              <a:rPr lang="es-ES" dirty="0" smtClean="0"/>
+              <a:t>Saldo inicial:</a:t>
+            </a:r>
+            <a:endParaRPr lang="es-ES" dirty="0"/>
+          </a:p>
+        </p:txBody>
+      </p:sp>
+      <p:sp>
+        <p:nvSpPr>
+          <p:cNvPr id="3" name="2 Rectángulo"/>
+          <p:cNvSpPr/>
+          <p:nvPr/>
+        </p:nvSpPr>
+        <p:spPr>
+          <a:xfrm>
+            <a:off x="2627784" y="332656"/>
+            <a:ext cx="1224136" cy="360040"/>
+          </a:xfrm>
+          <a:prstGeom prst="rect">
+            <a:avLst/>
+          </a:prstGeom>
+          <a:noFill/>
+        </p:spPr>
+        <p:style>
+          <a:lnRef idx="2">
+            <a:schemeClr val="accent1">
+              <a:shade val="50000"/>
+            </a:schemeClr>
+          </a:lnRef>
+          <a:fillRef idx="1">
+            <a:schemeClr val="accent1"/>
+          </a:fillRef>
+          <a:effectRef idx="0">
+            <a:schemeClr val="accent1"/>
+          </a:effectRef>
+          <a:fontRef idx="minor">
+            <a:schemeClr val="lt1"/>
+          </a:fontRef>
+        </p:style>
+        <p:txBody>
+          <a:bodyPr rtlCol="0" anchor="ctr"/>
+          <a:lstStyle/>
+          <a:p>
+            <a:pPr algn="ctr"/>
+            <a:endParaRPr lang="es-ES"/>
+          </a:p>
+        </p:txBody>
+      </p:sp>
+      <p:sp>
+        <p:nvSpPr>
+          <p:cNvPr id="4" name="3 Rectángulo redondeado"/>
+          <p:cNvSpPr/>
+          <p:nvPr/>
+        </p:nvSpPr>
+        <p:spPr>
+          <a:xfrm>
+            <a:off x="4283968" y="332656"/>
+            <a:ext cx="1296144" cy="360040"/>
+          </a:xfrm>
+          <a:prstGeom prst="roundRect">
+            <a:avLst/>
+          </a:prstGeom>
+          <a:solidFill>
+            <a:schemeClr val="bg1">
+              <a:lumMod val="85000"/>
+            </a:schemeClr>
+          </a:solidFill>
+        </p:spPr>
+        <p:style>
+          <a:lnRef idx="2">
+            <a:schemeClr val="accent1">
+              <a:shade val="50000"/>
+            </a:schemeClr>
+          </a:lnRef>
+          <a:fillRef idx="1">
+            <a:schemeClr val="accent1"/>
+          </a:fillRef>
+          <a:effectRef idx="0">
+            <a:schemeClr val="accent1"/>
+          </a:effectRef>
+          <a:fontRef idx="minor">
+            <a:schemeClr val="lt1"/>
+          </a:fontRef>
+        </p:style>
+        <p:txBody>
+          <a:bodyPr rtlCol="0" anchor="ctr"/>
+          <a:lstStyle/>
+          <a:p>
+            <a:pPr algn="ctr"/>
+            <a:endParaRPr lang="es-ES"/>
+          </a:p>
+        </p:txBody>
+      </p:sp>
+      <p:sp>
+        <p:nvSpPr>
+          <p:cNvPr id="5" name="4 CuadroTexto"/>
+          <p:cNvSpPr txBox="1"/>
+          <p:nvPr/>
+        </p:nvSpPr>
+        <p:spPr>
+          <a:xfrm>
+            <a:off x="4427984" y="332656"/>
+            <a:ext cx="1152128" cy="369332"/>
+          </a:xfrm>
+          <a:prstGeom prst="rect">
+            <a:avLst/>
+          </a:prstGeom>
+          <a:noFill/>
+        </p:spPr>
+        <p:txBody>
+          <a:bodyPr wrap="square" rtlCol="0">
+            <a:spAutoFit/>
+          </a:bodyPr>
+          <a:lstStyle/>
+          <a:p>
+            <a:r>
+              <a:rPr lang="es-ES" dirty="0" smtClean="0"/>
+              <a:t>Grabar</a:t>
+            </a:r>
+            <a:endParaRPr lang="es-ES" dirty="0"/>
+          </a:p>
+        </p:txBody>
+      </p:sp>
+      <p:sp>
+        <p:nvSpPr>
+          <p:cNvPr id="6" name="5 Rectángulo redondeado"/>
+          <p:cNvSpPr/>
+          <p:nvPr/>
+        </p:nvSpPr>
+        <p:spPr>
+          <a:xfrm>
+            <a:off x="1259632" y="1700808"/>
+            <a:ext cx="1296144" cy="360040"/>
+          </a:xfrm>
+          <a:prstGeom prst="roundRect">
+            <a:avLst/>
+          </a:prstGeom>
+          <a:solidFill>
+            <a:schemeClr val="bg1">
+              <a:lumMod val="85000"/>
+            </a:schemeClr>
+          </a:solidFill>
+        </p:spPr>
+        <p:style>
+          <a:lnRef idx="2">
+            <a:schemeClr val="accent1">
+              <a:shade val="50000"/>
+            </a:schemeClr>
+          </a:lnRef>
+          <a:fillRef idx="1">
+            <a:schemeClr val="accent1"/>
+          </a:fillRef>
+          <a:effectRef idx="0">
+            <a:schemeClr val="accent1"/>
+          </a:effectRef>
+          <a:fontRef idx="minor">
+            <a:schemeClr val="lt1"/>
+          </a:fontRef>
+        </p:style>
+        <p:txBody>
+          <a:bodyPr rtlCol="0" anchor="ctr"/>
+          <a:lstStyle/>
+          <a:p>
+            <a:pPr algn="ctr"/>
+            <a:endParaRPr lang="es-ES"/>
+          </a:p>
+        </p:txBody>
+      </p:sp>
+      <p:sp>
+        <p:nvSpPr>
+          <p:cNvPr id="7" name="6 CuadroTexto"/>
+          <p:cNvSpPr txBox="1"/>
+          <p:nvPr/>
+        </p:nvSpPr>
+        <p:spPr>
+          <a:xfrm>
+            <a:off x="1403648" y="1700808"/>
+            <a:ext cx="1152128" cy="369332"/>
+          </a:xfrm>
+          <a:prstGeom prst="rect">
+            <a:avLst/>
+          </a:prstGeom>
+          <a:noFill/>
+        </p:spPr>
+        <p:txBody>
+          <a:bodyPr wrap="square" rtlCol="0">
+            <a:spAutoFit/>
+          </a:bodyPr>
+          <a:lstStyle/>
+          <a:p>
+            <a:r>
+              <a:rPr lang="es-ES" dirty="0" smtClean="0"/>
+              <a:t>Ingresar</a:t>
+            </a:r>
+            <a:endParaRPr lang="es-ES" dirty="0"/>
+          </a:p>
+        </p:txBody>
+      </p:sp>
+      <p:sp>
+        <p:nvSpPr>
+          <p:cNvPr id="8" name="7 Rectángulo redondeado"/>
+          <p:cNvSpPr/>
+          <p:nvPr/>
+        </p:nvSpPr>
+        <p:spPr>
+          <a:xfrm>
+            <a:off x="1259632" y="2492896"/>
+            <a:ext cx="1296144" cy="360040"/>
+          </a:xfrm>
+          <a:prstGeom prst="roundRect">
+            <a:avLst/>
+          </a:prstGeom>
+          <a:solidFill>
+            <a:schemeClr val="bg1">
+              <a:lumMod val="85000"/>
+            </a:schemeClr>
+          </a:solidFill>
+        </p:spPr>
+        <p:style>
+          <a:lnRef idx="2">
+            <a:schemeClr val="accent1">
+              <a:shade val="50000"/>
+            </a:schemeClr>
+          </a:lnRef>
+          <a:fillRef idx="1">
+            <a:schemeClr val="accent1"/>
+          </a:fillRef>
+          <a:effectRef idx="0">
+            <a:schemeClr val="accent1"/>
+          </a:effectRef>
+          <a:fontRef idx="minor">
+            <a:schemeClr val="lt1"/>
+          </a:fontRef>
+        </p:style>
+        <p:txBody>
+          <a:bodyPr rtlCol="0" anchor="ctr"/>
+          <a:lstStyle/>
+          <a:p>
+            <a:pPr algn="ctr"/>
+            <a:endParaRPr lang="es-ES"/>
+          </a:p>
+        </p:txBody>
+      </p:sp>
+      <p:sp>
+        <p:nvSpPr>
+          <p:cNvPr id="9" name="8 CuadroTexto"/>
+          <p:cNvSpPr txBox="1"/>
+          <p:nvPr/>
+        </p:nvSpPr>
+        <p:spPr>
+          <a:xfrm>
+            <a:off x="1403648" y="2492896"/>
+            <a:ext cx="1152128" cy="369332"/>
+          </a:xfrm>
+          <a:prstGeom prst="rect">
+            <a:avLst/>
+          </a:prstGeom>
+          <a:noFill/>
+        </p:spPr>
+        <p:txBody>
+          <a:bodyPr wrap="square" rtlCol="0">
+            <a:spAutoFit/>
+          </a:bodyPr>
+          <a:lstStyle/>
+          <a:p>
+            <a:r>
+              <a:rPr lang="es-ES" dirty="0" smtClean="0"/>
+              <a:t>Extraer</a:t>
+            </a:r>
+            <a:endParaRPr lang="es-ES" dirty="0"/>
+          </a:p>
+        </p:txBody>
+      </p:sp>
+      <p:sp>
+        <p:nvSpPr>
+          <p:cNvPr id="10" name="9 Rectángulo"/>
+          <p:cNvSpPr/>
+          <p:nvPr/>
+        </p:nvSpPr>
+        <p:spPr>
+          <a:xfrm>
+            <a:off x="3275856" y="2132856"/>
+            <a:ext cx="1224136" cy="360040"/>
+          </a:xfrm>
+          <a:prstGeom prst="rect">
+            <a:avLst/>
+          </a:prstGeom>
+          <a:noFill/>
+        </p:spPr>
+        <p:style>
+          <a:lnRef idx="2">
+            <a:schemeClr val="accent1">
+              <a:shade val="50000"/>
+            </a:schemeClr>
+          </a:lnRef>
+          <a:fillRef idx="1">
+            <a:schemeClr val="accent1"/>
+          </a:fillRef>
+          <a:effectRef idx="0">
+            <a:schemeClr val="accent1"/>
+          </a:effectRef>
+          <a:fontRef idx="minor">
+            <a:schemeClr val="lt1"/>
+          </a:fontRef>
+        </p:style>
+        <p:txBody>
+          <a:bodyPr rtlCol="0" anchor="ctr"/>
+          <a:lstStyle/>
+          <a:p>
+            <a:pPr algn="ctr"/>
+            <a:endParaRPr lang="es-ES"/>
+          </a:p>
+        </p:txBody>
+      </p:sp>
+      <p:sp>
+        <p:nvSpPr>
+          <p:cNvPr id="11" name="10 CuadroTexto"/>
+          <p:cNvSpPr txBox="1"/>
+          <p:nvPr/>
+        </p:nvSpPr>
+        <p:spPr>
+          <a:xfrm>
+            <a:off x="3419872" y="1772816"/>
+            <a:ext cx="1296144" cy="369332"/>
+          </a:xfrm>
+          <a:prstGeom prst="rect">
+            <a:avLst/>
+          </a:prstGeom>
+          <a:noFill/>
+        </p:spPr>
+        <p:txBody>
+          <a:bodyPr wrap="square" rtlCol="0">
+            <a:spAutoFit/>
+          </a:bodyPr>
+          <a:lstStyle/>
+          <a:p>
+            <a:r>
+              <a:rPr lang="es-ES" dirty="0" smtClean="0"/>
+              <a:t>cantidad:</a:t>
+            </a:r>
+            <a:endParaRPr lang="es-ES" dirty="0"/>
+          </a:p>
+        </p:txBody>
+      </p:sp>
+      <p:sp>
+        <p:nvSpPr>
+          <p:cNvPr id="12" name="11 Rectángulo redondeado"/>
+          <p:cNvSpPr/>
+          <p:nvPr/>
+        </p:nvSpPr>
+        <p:spPr>
+          <a:xfrm>
+            <a:off x="2699791" y="3429000"/>
+            <a:ext cx="3312369" cy="360040"/>
+          </a:xfrm>
+          <a:prstGeom prst="roundRect">
+            <a:avLst/>
+          </a:prstGeom>
+          <a:solidFill>
+            <a:schemeClr val="bg1">
+              <a:lumMod val="85000"/>
+            </a:schemeClr>
+          </a:solidFill>
+        </p:spPr>
+        <p:style>
+          <a:lnRef idx="2">
+            <a:schemeClr val="accent1">
+              <a:shade val="50000"/>
+            </a:schemeClr>
+          </a:lnRef>
+          <a:fillRef idx="1">
+            <a:schemeClr val="accent1"/>
+          </a:fillRef>
+          <a:effectRef idx="0">
+            <a:schemeClr val="accent1"/>
+          </a:effectRef>
+          <a:fontRef idx="minor">
+            <a:schemeClr val="lt1"/>
+          </a:fontRef>
+        </p:style>
+        <p:txBody>
+          <a:bodyPr rtlCol="0" anchor="ctr"/>
+          <a:lstStyle/>
+          <a:p>
+            <a:pPr algn="ctr"/>
+            <a:endParaRPr lang="es-ES"/>
+          </a:p>
+        </p:txBody>
+      </p:sp>
+      <p:sp>
+        <p:nvSpPr>
+          <p:cNvPr id="13" name="12 CuadroTexto"/>
+          <p:cNvSpPr txBox="1"/>
+          <p:nvPr/>
+        </p:nvSpPr>
+        <p:spPr>
+          <a:xfrm>
+            <a:off x="2843808" y="3429000"/>
+            <a:ext cx="2592288" cy="369332"/>
+          </a:xfrm>
+          <a:prstGeom prst="rect">
+            <a:avLst/>
+          </a:prstGeom>
+          <a:noFill/>
+        </p:spPr>
+        <p:txBody>
+          <a:bodyPr wrap="square" rtlCol="0">
+            <a:spAutoFit/>
+          </a:bodyPr>
+          <a:lstStyle/>
+          <a:p>
+            <a:r>
+              <a:rPr lang="es-ES" dirty="0" smtClean="0"/>
+              <a:t>Saldo y movimientos</a:t>
+            </a:r>
+            <a:endParaRPr lang="es-ES" dirty="0"/>
+          </a:p>
+        </p:txBody>
+      </p:sp>
+      <p:sp>
+        <p:nvSpPr>
+          <p:cNvPr id="14" name="13 Rectángulo"/>
+          <p:cNvSpPr/>
+          <p:nvPr/>
+        </p:nvSpPr>
+        <p:spPr>
+          <a:xfrm>
+            <a:off x="1835696" y="4365104"/>
+            <a:ext cx="4896544" cy="2016224"/>
+          </a:xfrm>
+          <a:prstGeom prst="rect">
+            <a:avLst/>
+          </a:prstGeom>
+          <a:noFill/>
+          <a:ln>
+            <a:prstDash val="dash"/>
+          </a:ln>
+        </p:spPr>
+        <p:style>
+          <a:lnRef idx="2">
+            <a:schemeClr val="accent1">
+              <a:shade val="50000"/>
+            </a:schemeClr>
+          </a:lnRef>
+          <a:fillRef idx="1">
+            <a:schemeClr val="accent1"/>
+          </a:fillRef>
+          <a:effectRef idx="0">
+            <a:schemeClr val="accent1"/>
+          </a:effectRef>
+          <a:fontRef idx="minor">
+            <a:schemeClr val="lt1"/>
+          </a:fontRef>
+        </p:style>
+        <p:txBody>
+          <a:bodyPr rtlCol="0" anchor="ctr"/>
+          <a:lstStyle/>
+          <a:p>
+            <a:pPr algn="ctr"/>
+            <a:endParaRPr lang="es-ES"/>
+          </a:p>
+        </p:txBody>
+      </p:sp>
+      <p:sp>
+        <p:nvSpPr>
+          <p:cNvPr id="15" name="14 CuadroTexto"/>
+          <p:cNvSpPr txBox="1"/>
+          <p:nvPr/>
+        </p:nvSpPr>
+        <p:spPr>
+          <a:xfrm>
+            <a:off x="2555776" y="4581128"/>
+            <a:ext cx="1368152" cy="369332"/>
+          </a:xfrm>
+          <a:prstGeom prst="rect">
+            <a:avLst/>
+          </a:prstGeom>
+          <a:noFill/>
+        </p:spPr>
+        <p:txBody>
+          <a:bodyPr wrap="square" rtlCol="0">
+            <a:spAutoFit/>
+          </a:bodyPr>
+          <a:lstStyle/>
+          <a:p>
+            <a:r>
+              <a:rPr lang="es-ES" dirty="0" smtClean="0"/>
+              <a:t>Saldo: ------</a:t>
+            </a:r>
+            <a:endParaRPr lang="es-ES" dirty="0"/>
+          </a:p>
+        </p:txBody>
+      </p:sp>
+      <p:sp>
+        <p:nvSpPr>
+          <p:cNvPr id="16" name="15 CuadroTexto"/>
+          <p:cNvSpPr txBox="1"/>
+          <p:nvPr/>
+        </p:nvSpPr>
+        <p:spPr>
+          <a:xfrm>
+            <a:off x="2483768" y="5013176"/>
+            <a:ext cx="1656184" cy="923330"/>
+          </a:xfrm>
+          <a:prstGeom prst="rect">
+            <a:avLst/>
+          </a:prstGeom>
+          <a:noFill/>
+        </p:spPr>
+        <p:txBody>
+          <a:bodyPr wrap="square" rtlCol="0">
+            <a:spAutoFit/>
+          </a:bodyPr>
+          <a:lstStyle/>
+          <a:p>
+            <a:r>
+              <a:rPr lang="es-ES" dirty="0" smtClean="0"/>
+              <a:t>Ingreso 20</a:t>
+            </a:r>
+          </a:p>
+          <a:p>
+            <a:r>
+              <a:rPr lang="es-ES" dirty="0" smtClean="0"/>
+              <a:t>Ingreso 30</a:t>
+            </a:r>
+          </a:p>
+          <a:p>
+            <a:r>
+              <a:rPr lang="es-ES" dirty="0" smtClean="0"/>
+              <a:t>Extracción 25</a:t>
+            </a:r>
+          </a:p>
+        </p:txBody>
+      </p:sp>
+      <p:cxnSp>
+        <p:nvCxnSpPr>
+          <p:cNvPr id="18" name="17 Conector recto"/>
+          <p:cNvCxnSpPr/>
+          <p:nvPr/>
+        </p:nvCxnSpPr>
+        <p:spPr>
+          <a:xfrm>
+            <a:off x="611560" y="1196752"/>
+            <a:ext cx="7272808" cy="0"/>
+          </a:xfrm>
+          <a:prstGeom prst="line">
+            <a:avLst/>
+          </a:prstGeom>
+        </p:spPr>
+        <p:style>
+          <a:lnRef idx="1">
+            <a:schemeClr val="accent1"/>
+          </a:lnRef>
+          <a:fillRef idx="0">
+            <a:schemeClr val="accent1"/>
+          </a:fillRef>
+          <a:effectRef idx="0">
+            <a:schemeClr val="accent1"/>
+          </a:effectRef>
+          <a:fontRef idx="minor">
+            <a:schemeClr val="tx1"/>
+          </a:fontRef>
+        </p:style>
+      </p:cxnSp>
+    </p:spTree>
+  </p:cSld>
+  <p:clrMapOvr>
+    <a:masterClrMapping/>
+  </p:clrMapOvr>
+</p:sld>
+</file>
+
+<file path=ppt/slides/slide16.xml><?xml version="1.0" encoding="utf-8"?>
+<p:sld xmlns:a="http://schemas.openxmlformats.org/drawingml/2006/main" xmlns:r="http://schemas.openxmlformats.org/officeDocument/2006/relationships" xmlns:p="http://schemas.openxmlformats.org/presentationml/2006/main">
+  <p:cSld>
+    <p:spTree>
+      <p:nvGrpSpPr>
+        <p:cNvPr id="1" name=""/>
+        <p:cNvGrpSpPr/>
+        <p:nvPr/>
+      </p:nvGrpSpPr>
+      <p:grpSpPr>
+        <a:xfrm>
+          <a:off x="0" y="0"/>
+          <a:ext cx="0" cy="0"/>
+          <a:chOff x="0" y="0"/>
+          <a:chExt cx="0" cy="0"/>
+        </a:xfrm>
+      </p:grpSpPr>
+      <p:sp>
+        <p:nvSpPr>
+          <p:cNvPr id="2" name="1 CuadroTexto"/>
+          <p:cNvSpPr txBox="1"/>
+          <p:nvPr/>
+        </p:nvSpPr>
+        <p:spPr>
+          <a:xfrm>
+            <a:off x="899592" y="188640"/>
+            <a:ext cx="7488832" cy="646331"/>
+          </a:xfrm>
+          <a:prstGeom prst="rect">
+            <a:avLst/>
+          </a:prstGeom>
+          <a:noFill/>
+        </p:spPr>
+        <p:txBody>
+          <a:bodyPr wrap="square" rtlCol="0">
+            <a:spAutoFit/>
+          </a:bodyPr>
+          <a:lstStyle/>
+          <a:p>
+            <a:r>
+              <a:rPr lang="es-ES" sz="3600" dirty="0" err="1" smtClean="0"/>
+              <a:t>JavaScript</a:t>
+            </a:r>
+            <a:r>
+              <a:rPr lang="es-ES" sz="3600" dirty="0" smtClean="0"/>
+              <a:t> </a:t>
+            </a:r>
+            <a:r>
+              <a:rPr lang="es-ES" sz="3600" dirty="0" err="1" smtClean="0"/>
+              <a:t>Object</a:t>
+            </a:r>
+            <a:r>
+              <a:rPr lang="es-ES" sz="3600" dirty="0" smtClean="0"/>
+              <a:t> </a:t>
+            </a:r>
+            <a:r>
+              <a:rPr lang="es-ES" sz="3600" dirty="0" err="1" smtClean="0"/>
+              <a:t>Notation</a:t>
+            </a:r>
+            <a:r>
+              <a:rPr lang="es-ES" sz="3600" dirty="0" smtClean="0"/>
+              <a:t> (JSON)</a:t>
+            </a:r>
+            <a:endParaRPr lang="es-ES" sz="3600" dirty="0"/>
+          </a:p>
+        </p:txBody>
+      </p:sp>
+      <p:sp>
+        <p:nvSpPr>
+          <p:cNvPr id="3" name="2 CuadroTexto"/>
+          <p:cNvSpPr txBox="1"/>
+          <p:nvPr/>
+        </p:nvSpPr>
+        <p:spPr>
+          <a:xfrm>
+            <a:off x="611560" y="1268760"/>
+            <a:ext cx="7128792" cy="646331"/>
+          </a:xfrm>
+          <a:prstGeom prst="rect">
+            <a:avLst/>
+          </a:prstGeom>
+          <a:noFill/>
+        </p:spPr>
+        <p:txBody>
+          <a:bodyPr wrap="square" rtlCol="0">
+            <a:spAutoFit/>
+          </a:bodyPr>
+          <a:lstStyle/>
+          <a:p>
+            <a:r>
+              <a:rPr lang="es-ES" dirty="0" smtClean="0"/>
+              <a:t>Forma de representar objetos que agrupan datos de una misma entidad, como una persona, un alumno, un empleado…</a:t>
+            </a:r>
+            <a:endParaRPr lang="es-ES" dirty="0"/>
+          </a:p>
+        </p:txBody>
+      </p:sp>
+      <p:pic>
+        <p:nvPicPr>
+          <p:cNvPr id="1026" name="Picture 2" descr="Imagen generada"/>
+          <p:cNvPicPr>
+            <a:picLocks noChangeAspect="1" noChangeArrowheads="1"/>
+          </p:cNvPicPr>
+          <p:nvPr/>
+        </p:nvPicPr>
+        <p:blipFill>
+          <a:blip r:embed="rId2" cstate="print"/>
+          <a:srcRect/>
+          <a:stretch>
+            <a:fillRect/>
+          </a:stretch>
+        </p:blipFill>
+        <p:spPr bwMode="auto">
+          <a:xfrm>
+            <a:off x="467544" y="2708920"/>
+            <a:ext cx="2736304" cy="2736304"/>
+          </a:xfrm>
+          <a:prstGeom prst="rect">
+            <a:avLst/>
+          </a:prstGeom>
+          <a:noFill/>
+        </p:spPr>
+      </p:pic>
+      <p:sp>
+        <p:nvSpPr>
+          <p:cNvPr id="5" name="4 CuadroTexto"/>
+          <p:cNvSpPr txBox="1"/>
+          <p:nvPr/>
+        </p:nvSpPr>
+        <p:spPr>
+          <a:xfrm>
+            <a:off x="611560" y="2276872"/>
+            <a:ext cx="2232248" cy="369332"/>
+          </a:xfrm>
+          <a:prstGeom prst="rect">
+            <a:avLst/>
+          </a:prstGeom>
+          <a:noFill/>
+        </p:spPr>
+        <p:txBody>
+          <a:bodyPr wrap="square" rtlCol="0">
+            <a:spAutoFit/>
+          </a:bodyPr>
+          <a:lstStyle/>
+          <a:p>
+            <a:r>
+              <a:rPr lang="es-ES" dirty="0" smtClean="0"/>
+              <a:t>objeto persona</a:t>
+            </a:r>
+            <a:endParaRPr lang="es-ES" dirty="0"/>
+          </a:p>
+        </p:txBody>
+      </p:sp>
+      <p:sp>
+        <p:nvSpPr>
+          <p:cNvPr id="6" name="5 Flecha derecha"/>
+          <p:cNvSpPr/>
+          <p:nvPr/>
+        </p:nvSpPr>
+        <p:spPr>
+          <a:xfrm>
+            <a:off x="3635896" y="3356992"/>
+            <a:ext cx="936104" cy="288032"/>
+          </a:xfrm>
+          <a:prstGeom prst="rightArrow">
+            <a:avLst/>
+          </a:prstGeom>
+          <a:solidFill>
+            <a:schemeClr val="bg1">
+              <a:lumMod val="95000"/>
+            </a:schemeClr>
+          </a:solidFill>
+          <a:ln>
+            <a:solidFill>
+              <a:schemeClr val="bg1">
+                <a:lumMod val="85000"/>
+              </a:schemeClr>
+            </a:solidFill>
+          </a:ln>
+        </p:spPr>
+        <p:style>
+          <a:lnRef idx="2">
+            <a:schemeClr val="accent1">
+              <a:shade val="50000"/>
+            </a:schemeClr>
+          </a:lnRef>
+          <a:fillRef idx="1">
+            <a:schemeClr val="accent1"/>
+          </a:fillRef>
+          <a:effectRef idx="0">
+            <a:schemeClr val="accent1"/>
+          </a:effectRef>
+          <a:fontRef idx="minor">
+            <a:schemeClr val="lt1"/>
+          </a:fontRef>
+        </p:style>
+        <p:txBody>
+          <a:bodyPr rtlCol="0" anchor="ctr"/>
+          <a:lstStyle/>
+          <a:p>
+            <a:pPr algn="ctr"/>
+            <a:endParaRPr lang="es-ES"/>
+          </a:p>
+        </p:txBody>
+      </p:sp>
+      <p:sp>
+        <p:nvSpPr>
+          <p:cNvPr id="7" name="6 CuadroTexto"/>
+          <p:cNvSpPr txBox="1"/>
+          <p:nvPr/>
+        </p:nvSpPr>
+        <p:spPr>
+          <a:xfrm>
+            <a:off x="4644008" y="2996952"/>
+            <a:ext cx="3096344" cy="1477328"/>
+          </a:xfrm>
+          <a:prstGeom prst="rect">
+            <a:avLst/>
+          </a:prstGeom>
+          <a:noFill/>
+        </p:spPr>
+        <p:txBody>
+          <a:bodyPr wrap="square" rtlCol="0">
+            <a:spAutoFit/>
+          </a:bodyPr>
+          <a:lstStyle/>
+          <a:p>
+            <a:r>
+              <a:rPr lang="es-ES" dirty="0" err="1" smtClean="0"/>
+              <a:t>let</a:t>
+            </a:r>
+            <a:r>
+              <a:rPr lang="es-ES" dirty="0" smtClean="0"/>
+              <a:t> persona={</a:t>
+            </a:r>
+          </a:p>
+          <a:p>
+            <a:r>
+              <a:rPr lang="es-ES" dirty="0" smtClean="0"/>
+              <a:t>  "nombre":"Juan",</a:t>
+            </a:r>
+          </a:p>
+          <a:p>
+            <a:r>
+              <a:rPr lang="es-ES" dirty="0" smtClean="0"/>
+              <a:t>  "email":"juan@gmail.com",</a:t>
+            </a:r>
+          </a:p>
+          <a:p>
+            <a:r>
+              <a:rPr lang="es-ES" dirty="0" smtClean="0"/>
+              <a:t>  "edad":50</a:t>
+            </a:r>
+          </a:p>
+          <a:p>
+            <a:r>
+              <a:rPr lang="es-ES" dirty="0" smtClean="0"/>
+              <a:t>};</a:t>
+            </a:r>
+            <a:endParaRPr lang="es-ES" dirty="0"/>
+          </a:p>
+        </p:txBody>
+      </p:sp>
+      <p:sp>
+        <p:nvSpPr>
+          <p:cNvPr id="8" name="7 Flecha abajo"/>
+          <p:cNvSpPr/>
+          <p:nvPr/>
+        </p:nvSpPr>
+        <p:spPr>
+          <a:xfrm>
+            <a:off x="5292080" y="4797152"/>
+            <a:ext cx="432048" cy="504056"/>
+          </a:xfrm>
+          <a:prstGeom prst="downArrow">
+            <a:avLst/>
+          </a:prstGeom>
+          <a:solidFill>
+            <a:schemeClr val="bg1">
+              <a:lumMod val="95000"/>
+            </a:schemeClr>
+          </a:solidFill>
+          <a:ln>
+            <a:solidFill>
+              <a:schemeClr val="bg1">
+                <a:lumMod val="85000"/>
+              </a:schemeClr>
+            </a:solidFill>
+          </a:ln>
+        </p:spPr>
+        <p:style>
+          <a:lnRef idx="2">
+            <a:schemeClr val="accent1">
+              <a:shade val="50000"/>
+            </a:schemeClr>
+          </a:lnRef>
+          <a:fillRef idx="1">
+            <a:schemeClr val="accent1"/>
+          </a:fillRef>
+          <a:effectRef idx="0">
+            <a:schemeClr val="accent1"/>
+          </a:effectRef>
+          <a:fontRef idx="minor">
+            <a:schemeClr val="lt1"/>
+          </a:fontRef>
+        </p:style>
+        <p:txBody>
+          <a:bodyPr rtlCol="0" anchor="ctr"/>
+          <a:lstStyle/>
+          <a:p>
+            <a:pPr algn="ctr"/>
+            <a:endParaRPr lang="es-ES"/>
+          </a:p>
+        </p:txBody>
+      </p:sp>
+      <p:sp>
+        <p:nvSpPr>
+          <p:cNvPr id="9" name="8 CuadroTexto"/>
+          <p:cNvSpPr txBox="1"/>
+          <p:nvPr/>
+        </p:nvSpPr>
+        <p:spPr>
+          <a:xfrm>
+            <a:off x="5796136" y="4869160"/>
+            <a:ext cx="1944216" cy="276999"/>
+          </a:xfrm>
+          <a:prstGeom prst="rect">
+            <a:avLst/>
+          </a:prstGeom>
+          <a:noFill/>
+        </p:spPr>
+        <p:txBody>
+          <a:bodyPr wrap="square" rtlCol="0">
+            <a:spAutoFit/>
+          </a:bodyPr>
+          <a:lstStyle/>
+          <a:p>
+            <a:r>
+              <a:rPr lang="es-ES" sz="1200" dirty="0" smtClean="0"/>
+              <a:t>Mostrar los datos</a:t>
+            </a:r>
+            <a:endParaRPr lang="es-ES" sz="1200" dirty="0"/>
+          </a:p>
+        </p:txBody>
+      </p:sp>
+      <p:sp>
+        <p:nvSpPr>
+          <p:cNvPr id="10" name="9 CuadroTexto"/>
+          <p:cNvSpPr txBox="1"/>
+          <p:nvPr/>
+        </p:nvSpPr>
+        <p:spPr>
+          <a:xfrm>
+            <a:off x="4211960" y="5373216"/>
+            <a:ext cx="4392488" cy="1169551"/>
+          </a:xfrm>
+          <a:prstGeom prst="rect">
+            <a:avLst/>
+          </a:prstGeom>
+          <a:noFill/>
+        </p:spPr>
+        <p:txBody>
+          <a:bodyPr wrap="square" rtlCol="0">
+            <a:spAutoFit/>
+          </a:bodyPr>
+          <a:lstStyle/>
+          <a:p>
+            <a:r>
+              <a:rPr lang="es-ES" sz="1400" dirty="0" smtClean="0"/>
+              <a:t>console.log(</a:t>
+            </a:r>
+            <a:r>
+              <a:rPr lang="es-ES" sz="1400" dirty="0" err="1" smtClean="0"/>
+              <a:t>persona.nombre</a:t>
+            </a:r>
+            <a:r>
+              <a:rPr lang="es-ES" sz="1400" dirty="0" smtClean="0"/>
+              <a:t>);// Juan</a:t>
+            </a:r>
+          </a:p>
+          <a:p>
+            <a:r>
+              <a:rPr lang="es-ES" sz="1400" dirty="0" smtClean="0"/>
+              <a:t>console.log(</a:t>
+            </a:r>
+            <a:r>
+              <a:rPr lang="es-ES" sz="1400" dirty="0" err="1" smtClean="0"/>
+              <a:t>persona.email</a:t>
+            </a:r>
+            <a:r>
+              <a:rPr lang="es-ES" sz="1400" dirty="0" smtClean="0"/>
+              <a:t>);// juan@gmail.com</a:t>
+            </a:r>
+          </a:p>
+          <a:p>
+            <a:r>
+              <a:rPr lang="es-ES" sz="1400" dirty="0" smtClean="0"/>
+              <a:t>console.log(</a:t>
+            </a:r>
+            <a:r>
+              <a:rPr lang="es-ES" sz="1400" dirty="0" err="1" smtClean="0"/>
+              <a:t>persona.edad</a:t>
+            </a:r>
+            <a:r>
+              <a:rPr lang="es-ES" sz="1400" dirty="0" smtClean="0"/>
+              <a:t>);// 50</a:t>
+            </a:r>
+          </a:p>
+          <a:p>
+            <a:endParaRPr lang="es-ES" sz="1400" dirty="0" smtClean="0"/>
+          </a:p>
+          <a:p>
+            <a:endParaRPr lang="es-ES" sz="1400" dirty="0"/>
+          </a:p>
+        </p:txBody>
+      </p:sp>
+    </p:spTree>
+  </p:cSld>
+  <p:clrMapOvr>
+    <a:masterClrMapping/>
+  </p:clrMapOvr>
+</p:sld>
+</file>
+
+<file path=ppt/slides/slide17.xml><?xml version="1.0" encoding="utf-8"?>
+<p:sld xmlns:a="http://schemas.openxmlformats.org/drawingml/2006/main" xmlns:r="http://schemas.openxmlformats.org/officeDocument/2006/relationships" xmlns:p="http://schemas.openxmlformats.org/presentationml/2006/main">
+  <p:cSld>
+    <p:spTree>
+      <p:nvGrpSpPr>
+        <p:cNvPr id="1" name=""/>
+        <p:cNvGrpSpPr/>
+        <p:nvPr/>
+      </p:nvGrpSpPr>
+      <p:grpSpPr>
+        <a:xfrm>
+          <a:off x="0" y="0"/>
+          <a:ext cx="0" cy="0"/>
+          <a:chOff x="0" y="0"/>
+          <a:chExt cx="0" cy="0"/>
+        </a:xfrm>
+      </p:grpSpPr>
+      <p:sp>
+        <p:nvSpPr>
+          <p:cNvPr id="2" name="1 CuadroTexto"/>
+          <p:cNvSpPr txBox="1"/>
+          <p:nvPr/>
+        </p:nvSpPr>
+        <p:spPr>
+          <a:xfrm>
+            <a:off x="683568" y="836712"/>
+            <a:ext cx="2232248" cy="369332"/>
+          </a:xfrm>
+          <a:prstGeom prst="rect">
+            <a:avLst/>
+          </a:prstGeom>
+          <a:noFill/>
+        </p:spPr>
+        <p:txBody>
+          <a:bodyPr wrap="square" rtlCol="0">
+            <a:spAutoFit/>
+          </a:bodyPr>
+          <a:lstStyle/>
+          <a:p>
+            <a:r>
+              <a:rPr lang="es-ES" dirty="0" smtClean="0"/>
+              <a:t>"200"</a:t>
+            </a:r>
+            <a:endParaRPr lang="es-ES" dirty="0"/>
+          </a:p>
+        </p:txBody>
+      </p:sp>
+      <p:sp>
+        <p:nvSpPr>
+          <p:cNvPr id="3" name="2 Flecha derecha"/>
+          <p:cNvSpPr/>
+          <p:nvPr/>
+        </p:nvSpPr>
+        <p:spPr>
+          <a:xfrm>
+            <a:off x="2267744" y="908720"/>
+            <a:ext cx="1512168" cy="288032"/>
+          </a:xfrm>
+          <a:prstGeom prst="rightArrow">
+            <a:avLst/>
+          </a:prstGeom>
+        </p:spPr>
+        <p:style>
+          <a:lnRef idx="2">
+            <a:schemeClr val="accent1">
+              <a:shade val="50000"/>
+            </a:schemeClr>
+          </a:lnRef>
+          <a:fillRef idx="1">
+            <a:schemeClr val="accent1"/>
+          </a:fillRef>
+          <a:effectRef idx="0">
+            <a:schemeClr val="accent1"/>
+          </a:effectRef>
+          <a:fontRef idx="minor">
+            <a:schemeClr val="lt1"/>
+          </a:fontRef>
+        </p:style>
+        <p:txBody>
+          <a:bodyPr rtlCol="0" anchor="ctr"/>
+          <a:lstStyle/>
+          <a:p>
+            <a:pPr algn="ctr"/>
+            <a:endParaRPr lang="es-ES"/>
+          </a:p>
+        </p:txBody>
+      </p:sp>
+      <p:sp>
+        <p:nvSpPr>
+          <p:cNvPr id="4" name="3 CuadroTexto"/>
+          <p:cNvSpPr txBox="1"/>
+          <p:nvPr/>
+        </p:nvSpPr>
+        <p:spPr>
+          <a:xfrm>
+            <a:off x="5004048" y="908720"/>
+            <a:ext cx="1152128" cy="369332"/>
+          </a:xfrm>
+          <a:prstGeom prst="rect">
+            <a:avLst/>
+          </a:prstGeom>
+          <a:noFill/>
+        </p:spPr>
+        <p:txBody>
+          <a:bodyPr wrap="square" rtlCol="0">
+            <a:spAutoFit/>
+          </a:bodyPr>
+          <a:lstStyle/>
+          <a:p>
+            <a:r>
+              <a:rPr lang="es-ES" dirty="0" smtClean="0"/>
+              <a:t>200</a:t>
+            </a:r>
+            <a:endParaRPr lang="es-ES" dirty="0"/>
+          </a:p>
+        </p:txBody>
+      </p:sp>
+      <p:sp>
+        <p:nvSpPr>
+          <p:cNvPr id="5" name="4 CuadroTexto"/>
+          <p:cNvSpPr txBox="1"/>
+          <p:nvPr/>
+        </p:nvSpPr>
+        <p:spPr>
+          <a:xfrm>
+            <a:off x="2051720" y="548680"/>
+            <a:ext cx="2664296" cy="369332"/>
+          </a:xfrm>
+          <a:prstGeom prst="rect">
+            <a:avLst/>
+          </a:prstGeom>
+          <a:noFill/>
+        </p:spPr>
+        <p:txBody>
+          <a:bodyPr wrap="square" rtlCol="0">
+            <a:spAutoFit/>
+          </a:bodyPr>
+          <a:lstStyle/>
+          <a:p>
+            <a:r>
+              <a:rPr lang="es-ES" dirty="0" err="1" smtClean="0"/>
+              <a:t>parseInt</a:t>
+            </a:r>
+            <a:r>
+              <a:rPr lang="es-ES" dirty="0" smtClean="0"/>
+              <a:t> o </a:t>
+            </a:r>
+            <a:r>
+              <a:rPr lang="es-ES" dirty="0" err="1" smtClean="0"/>
+              <a:t>parseFloat</a:t>
+            </a:r>
+            <a:endParaRPr lang="es-ES" dirty="0"/>
+          </a:p>
+        </p:txBody>
+      </p:sp>
+    </p:spTree>
+  </p:cSld>
+  <p:clrMapOvr>
+    <a:masterClrMapping/>
+  </p:clrMapOvr>
+</p:sld>
+</file>
+
+<file path=ppt/slides/slide18.xml><?xml version="1.0" encoding="utf-8"?>
+<p:sld xmlns:a="http://schemas.openxmlformats.org/drawingml/2006/main" xmlns:r="http://schemas.openxmlformats.org/officeDocument/2006/relationships" xmlns:p="http://schemas.openxmlformats.org/presentationml/2006/main">
+  <p:cSld>
+    <p:spTree>
+      <p:nvGrpSpPr>
+        <p:cNvPr id="1" name=""/>
+        <p:cNvGrpSpPr/>
+        <p:nvPr/>
+      </p:nvGrpSpPr>
+      <p:grpSpPr>
+        <a:xfrm>
+          <a:off x="0" y="0"/>
+          <a:ext cx="0" cy="0"/>
+          <a:chOff x="0" y="0"/>
+          <a:chExt cx="0" cy="0"/>
+        </a:xfrm>
+      </p:grpSpPr>
+      <p:sp>
+        <p:nvSpPr>
+          <p:cNvPr id="2" name="1 CuadroTexto"/>
+          <p:cNvSpPr txBox="1"/>
+          <p:nvPr/>
+        </p:nvSpPr>
+        <p:spPr>
+          <a:xfrm>
+            <a:off x="1115616" y="620688"/>
+            <a:ext cx="5616624" cy="2031325"/>
+          </a:xfrm>
+          <a:prstGeom prst="rect">
+            <a:avLst/>
+          </a:prstGeom>
+          <a:noFill/>
+        </p:spPr>
+        <p:txBody>
+          <a:bodyPr wrap="square" rtlCol="0">
+            <a:spAutoFit/>
+          </a:bodyPr>
+          <a:lstStyle/>
+          <a:p>
+            <a:r>
+              <a:rPr lang="es-ES" dirty="0" smtClean="0"/>
+              <a:t>Nueva versión de agenda de contactos:</a:t>
+            </a:r>
+          </a:p>
+          <a:p>
+            <a:endParaRPr lang="es-ES" dirty="0" smtClean="0"/>
+          </a:p>
+          <a:p>
+            <a:endParaRPr lang="es-ES" dirty="0" smtClean="0"/>
+          </a:p>
+          <a:p>
+            <a:endParaRPr lang="es-ES" dirty="0" smtClean="0"/>
+          </a:p>
+          <a:p>
+            <a:r>
+              <a:rPr lang="es-ES" dirty="0" smtClean="0"/>
+              <a:t>-Un contacto debe tener: nombre, email y teléfono</a:t>
+            </a:r>
+          </a:p>
+          <a:p>
+            <a:r>
+              <a:rPr lang="es-ES" dirty="0" smtClean="0"/>
+              <a:t>-A la hora de visualizarlos, se deben ver los tres datos de cada contacto</a:t>
+            </a:r>
+            <a:endParaRPr lang="es-ES" dirty="0"/>
+          </a:p>
+        </p:txBody>
+      </p:sp>
+    </p:spTree>
+  </p:cSld>
+  <p:clrMapOvr>
+    <a:masterClrMapping/>
+  </p:clrMapOvr>
+</p:sld>
+</file>
+
+<file path=ppt/slides/slide19.xml><?xml version="1.0" encoding="utf-8"?>
+<p:sld xmlns:a="http://schemas.openxmlformats.org/drawingml/2006/main" xmlns:r="http://schemas.openxmlformats.org/officeDocument/2006/relationships" xmlns:p="http://schemas.openxmlformats.org/presentationml/2006/main">
+  <p:cSld>
+    <p:spTree>
+      <p:nvGrpSpPr>
+        <p:cNvPr id="1" name=""/>
+        <p:cNvGrpSpPr/>
+        <p:nvPr/>
+      </p:nvGrpSpPr>
+      <p:grpSpPr>
+        <a:xfrm>
+          <a:off x="0" y="0"/>
+          <a:ext cx="0" cy="0"/>
+          <a:chOff x="0" y="0"/>
+          <a:chExt cx="0" cy="0"/>
+        </a:xfrm>
+      </p:grpSpPr>
+      <p:sp>
+        <p:nvSpPr>
+          <p:cNvPr id="2" name="1 CuadroTexto"/>
+          <p:cNvSpPr txBox="1"/>
+          <p:nvPr/>
+        </p:nvSpPr>
+        <p:spPr>
+          <a:xfrm>
+            <a:off x="1691680" y="1124744"/>
+            <a:ext cx="5472608" cy="369332"/>
+          </a:xfrm>
+          <a:prstGeom prst="rect">
+            <a:avLst/>
+          </a:prstGeom>
+          <a:noFill/>
+        </p:spPr>
+        <p:txBody>
+          <a:bodyPr wrap="square" rtlCol="0">
+            <a:spAutoFit/>
+          </a:bodyPr>
+          <a:lstStyle/>
+          <a:p>
+            <a:r>
+              <a:rPr lang="es-ES" dirty="0" err="1" smtClean="0"/>
+              <a:t>Arrays</a:t>
+            </a:r>
+            <a:r>
+              <a:rPr lang="es-ES" dirty="0" smtClean="0"/>
+              <a:t>/listas (cada elemento tiene una posición)</a:t>
+            </a:r>
+            <a:endParaRPr lang="es-ES" dirty="0"/>
+          </a:p>
+        </p:txBody>
+      </p:sp>
+      <p:sp>
+        <p:nvSpPr>
+          <p:cNvPr id="3" name="2 CuadroTexto"/>
+          <p:cNvSpPr txBox="1"/>
+          <p:nvPr/>
+        </p:nvSpPr>
+        <p:spPr>
+          <a:xfrm>
+            <a:off x="1691680" y="476672"/>
+            <a:ext cx="5400600" cy="584775"/>
+          </a:xfrm>
+          <a:prstGeom prst="rect">
+            <a:avLst/>
+          </a:prstGeom>
+          <a:noFill/>
+        </p:spPr>
+        <p:txBody>
+          <a:bodyPr wrap="square" rtlCol="0">
+            <a:spAutoFit/>
+          </a:bodyPr>
+          <a:lstStyle/>
+          <a:p>
+            <a:r>
+              <a:rPr lang="es-ES" sz="3200" dirty="0" smtClean="0"/>
+              <a:t>Almacenar grupos de datos</a:t>
+            </a:r>
+            <a:endParaRPr lang="es-ES" sz="3200" dirty="0"/>
+          </a:p>
+        </p:txBody>
+      </p:sp>
+      <p:sp>
+        <p:nvSpPr>
+          <p:cNvPr id="4" name="3 CuadroTexto"/>
+          <p:cNvSpPr txBox="1"/>
+          <p:nvPr/>
+        </p:nvSpPr>
+        <p:spPr>
+          <a:xfrm>
+            <a:off x="1691680" y="2204864"/>
+            <a:ext cx="5472608" cy="369332"/>
+          </a:xfrm>
+          <a:prstGeom prst="rect">
+            <a:avLst/>
+          </a:prstGeom>
+          <a:noFill/>
+        </p:spPr>
+        <p:txBody>
+          <a:bodyPr wrap="square" rtlCol="0">
+            <a:spAutoFit/>
+          </a:bodyPr>
+          <a:lstStyle/>
+          <a:p>
+            <a:r>
+              <a:rPr lang="es-ES" dirty="0" smtClean="0"/>
+              <a:t>Conjuntos (no hay </a:t>
+            </a:r>
+            <a:r>
+              <a:rPr lang="es-ES" dirty="0" err="1" smtClean="0"/>
+              <a:t>posiciones,no</a:t>
+            </a:r>
+            <a:r>
+              <a:rPr lang="es-ES" dirty="0" smtClean="0"/>
+              <a:t> permite duplicar)</a:t>
+            </a:r>
+            <a:endParaRPr lang="es-ES" dirty="0"/>
+          </a:p>
+        </p:txBody>
+      </p:sp>
+      <p:sp>
+        <p:nvSpPr>
+          <p:cNvPr id="5" name="4 CuadroTexto"/>
+          <p:cNvSpPr txBox="1"/>
+          <p:nvPr/>
+        </p:nvSpPr>
+        <p:spPr>
+          <a:xfrm>
+            <a:off x="2339752" y="1412776"/>
+            <a:ext cx="2448272" cy="646331"/>
+          </a:xfrm>
+          <a:prstGeom prst="rect">
+            <a:avLst/>
+          </a:prstGeom>
+          <a:noFill/>
+        </p:spPr>
+        <p:txBody>
+          <a:bodyPr wrap="square" rtlCol="0">
+            <a:spAutoFit/>
+          </a:bodyPr>
+          <a:lstStyle/>
+          <a:p>
+            <a:r>
+              <a:rPr lang="es-ES" dirty="0" err="1" smtClean="0"/>
+              <a:t>let</a:t>
+            </a:r>
+            <a:r>
+              <a:rPr lang="es-ES" dirty="0" smtClean="0"/>
+              <a:t> m=[];</a:t>
+            </a:r>
+          </a:p>
+          <a:p>
+            <a:r>
+              <a:rPr lang="es-ES" dirty="0" err="1" smtClean="0"/>
+              <a:t>m.push</a:t>
+            </a:r>
+            <a:r>
+              <a:rPr lang="es-ES" dirty="0" smtClean="0"/>
+              <a:t>(20);</a:t>
+            </a:r>
+            <a:endParaRPr lang="es-ES" dirty="0"/>
+          </a:p>
+        </p:txBody>
+      </p:sp>
+      <p:sp>
+        <p:nvSpPr>
+          <p:cNvPr id="6" name="5 CuadroTexto"/>
+          <p:cNvSpPr txBox="1"/>
+          <p:nvPr/>
+        </p:nvSpPr>
+        <p:spPr>
+          <a:xfrm>
+            <a:off x="2411760" y="2564904"/>
+            <a:ext cx="4824536" cy="2308324"/>
+          </a:xfrm>
+          <a:prstGeom prst="rect">
+            <a:avLst/>
+          </a:prstGeom>
+          <a:noFill/>
+        </p:spPr>
+        <p:txBody>
+          <a:bodyPr wrap="square" rtlCol="0">
+            <a:spAutoFit/>
+          </a:bodyPr>
+          <a:lstStyle/>
+          <a:p>
+            <a:r>
+              <a:rPr lang="es-ES" dirty="0" err="1" smtClean="0"/>
+              <a:t>let</a:t>
+            </a:r>
+            <a:r>
+              <a:rPr lang="es-ES" dirty="0" smtClean="0"/>
+              <a:t> conjunto=new Set();</a:t>
+            </a:r>
+          </a:p>
+          <a:p>
+            <a:r>
+              <a:rPr lang="es-ES" dirty="0" smtClean="0"/>
+              <a:t>conjunto.add(30);</a:t>
+            </a:r>
+          </a:p>
+          <a:p>
+            <a:r>
+              <a:rPr lang="es-ES" dirty="0" smtClean="0"/>
+              <a:t>conjunto.add(30);</a:t>
+            </a:r>
+          </a:p>
+          <a:p>
+            <a:r>
+              <a:rPr lang="es-ES" dirty="0" smtClean="0"/>
+              <a:t>console.log(</a:t>
+            </a:r>
+            <a:r>
+              <a:rPr lang="es-ES" dirty="0" err="1" smtClean="0"/>
+              <a:t>conjunto.size</a:t>
+            </a:r>
+            <a:r>
+              <a:rPr lang="es-ES" dirty="0" smtClean="0"/>
+              <a:t>()); //1</a:t>
+            </a:r>
+          </a:p>
+          <a:p>
+            <a:endParaRPr lang="es-ES" dirty="0" smtClean="0"/>
+          </a:p>
+          <a:p>
+            <a:r>
+              <a:rPr lang="es-ES" dirty="0" err="1" smtClean="0"/>
+              <a:t>for</a:t>
+            </a:r>
+            <a:r>
+              <a:rPr lang="es-ES" dirty="0" smtClean="0"/>
+              <a:t>(</a:t>
+            </a:r>
+            <a:r>
+              <a:rPr lang="es-ES" dirty="0" err="1" smtClean="0"/>
+              <a:t>let</a:t>
+            </a:r>
+            <a:r>
+              <a:rPr lang="es-ES" dirty="0" smtClean="0"/>
+              <a:t> n of conjunto){</a:t>
+            </a:r>
+          </a:p>
+          <a:p>
+            <a:r>
+              <a:rPr lang="es-ES" dirty="0" smtClean="0"/>
+              <a:t>	console.log(n);</a:t>
+            </a:r>
+          </a:p>
+          <a:p>
+            <a:r>
+              <a:rPr lang="es-ES" dirty="0" smtClean="0"/>
+              <a:t>} </a:t>
+            </a:r>
+            <a:endParaRPr lang="es-ES" dirty="0"/>
+          </a:p>
+        </p:txBody>
+      </p:sp>
+    </p:spTree>
+  </p:cSld>
+  <p:clrMapOvr>
+    <a:masterClrMapping/>
+  </p:clrMapOvr>
+</p:sld>
+</file>
+
 <file path=ppt/slides/slide2.xml><?xml version="1.0" encoding="utf-8"?>
 <p:sld xmlns:a="http://schemas.openxmlformats.org/drawingml/2006/main" xmlns:r="http://schemas.openxmlformats.org/officeDocument/2006/relationships" xmlns:p="http://schemas.openxmlformats.org/presentationml/2006/main">
   <p:cSld>
@@ -5103,6 +6613,2153 @@
           </a:fontRef>
         </p:style>
       </p:cxnSp>
+    </p:spTree>
+  </p:cSld>
+  <p:clrMapOvr>
+    <a:masterClrMapping/>
+  </p:clrMapOvr>
+</p:sld>
+</file>
+
+<file path=ppt/slides/slide20.xml><?xml version="1.0" encoding="utf-8"?>
+<p:sld xmlns:a="http://schemas.openxmlformats.org/drawingml/2006/main" xmlns:r="http://schemas.openxmlformats.org/officeDocument/2006/relationships" xmlns:p="http://schemas.openxmlformats.org/presentationml/2006/main">
+  <p:cSld>
+    <p:spTree>
+      <p:nvGrpSpPr>
+        <p:cNvPr id="1" name=""/>
+        <p:cNvGrpSpPr/>
+        <p:nvPr/>
+      </p:nvGrpSpPr>
+      <p:grpSpPr>
+        <a:xfrm>
+          <a:off x="0" y="0"/>
+          <a:ext cx="0" cy="0"/>
+          <a:chOff x="0" y="0"/>
+          <a:chExt cx="0" cy="0"/>
+        </a:xfrm>
+      </p:grpSpPr>
+      <p:sp>
+        <p:nvSpPr>
+          <p:cNvPr id="2" name="1 CuadroTexto"/>
+          <p:cNvSpPr txBox="1"/>
+          <p:nvPr/>
+        </p:nvSpPr>
+        <p:spPr>
+          <a:xfrm>
+            <a:off x="1835696" y="404664"/>
+            <a:ext cx="5472608" cy="369332"/>
+          </a:xfrm>
+          <a:prstGeom prst="rect">
+            <a:avLst/>
+          </a:prstGeom>
+          <a:noFill/>
+        </p:spPr>
+        <p:txBody>
+          <a:bodyPr wrap="square" rtlCol="0">
+            <a:spAutoFit/>
+          </a:bodyPr>
+          <a:lstStyle/>
+          <a:p>
+            <a:r>
+              <a:rPr lang="es-ES" dirty="0" smtClean="0"/>
+              <a:t>Buscador nueva versión</a:t>
+            </a:r>
+            <a:endParaRPr lang="es-ES" dirty="0"/>
+          </a:p>
+        </p:txBody>
+      </p:sp>
+      <p:sp>
+        <p:nvSpPr>
+          <p:cNvPr id="3" name="2 Rectángulo"/>
+          <p:cNvSpPr/>
+          <p:nvPr/>
+        </p:nvSpPr>
+        <p:spPr>
+          <a:xfrm>
+            <a:off x="611560" y="1556792"/>
+            <a:ext cx="7488832" cy="4680520"/>
+          </a:xfrm>
+          <a:prstGeom prst="rect">
+            <a:avLst/>
+          </a:prstGeom>
+          <a:noFill/>
+        </p:spPr>
+        <p:style>
+          <a:lnRef idx="2">
+            <a:schemeClr val="accent1">
+              <a:shade val="50000"/>
+            </a:schemeClr>
+          </a:lnRef>
+          <a:fillRef idx="1">
+            <a:schemeClr val="accent1"/>
+          </a:fillRef>
+          <a:effectRef idx="0">
+            <a:schemeClr val="accent1"/>
+          </a:effectRef>
+          <a:fontRef idx="minor">
+            <a:schemeClr val="lt1"/>
+          </a:fontRef>
+        </p:style>
+        <p:txBody>
+          <a:bodyPr rtlCol="0" anchor="ctr"/>
+          <a:lstStyle/>
+          <a:p>
+            <a:pPr algn="ctr"/>
+            <a:endParaRPr lang="es-ES"/>
+          </a:p>
+        </p:txBody>
+      </p:sp>
+      <p:sp>
+        <p:nvSpPr>
+          <p:cNvPr id="4" name="3 CuadroTexto"/>
+          <p:cNvSpPr txBox="1"/>
+          <p:nvPr/>
+        </p:nvSpPr>
+        <p:spPr>
+          <a:xfrm>
+            <a:off x="1979712" y="1772816"/>
+            <a:ext cx="2736304" cy="369332"/>
+          </a:xfrm>
+          <a:prstGeom prst="rect">
+            <a:avLst/>
+          </a:prstGeom>
+          <a:noFill/>
+        </p:spPr>
+        <p:txBody>
+          <a:bodyPr wrap="square" rtlCol="0">
+            <a:spAutoFit/>
+          </a:bodyPr>
+          <a:lstStyle/>
+          <a:p>
+            <a:r>
+              <a:rPr lang="es-ES" dirty="0" smtClean="0"/>
+              <a:t>Seleccione temática:</a:t>
+            </a:r>
+            <a:endParaRPr lang="es-ES" dirty="0"/>
+          </a:p>
+        </p:txBody>
+      </p:sp>
+      <p:sp>
+        <p:nvSpPr>
+          <p:cNvPr id="5" name="4 Rectángulo"/>
+          <p:cNvSpPr/>
+          <p:nvPr/>
+        </p:nvSpPr>
+        <p:spPr>
+          <a:xfrm>
+            <a:off x="2051720" y="2132856"/>
+            <a:ext cx="2088232" cy="360040"/>
+          </a:xfrm>
+          <a:prstGeom prst="rect">
+            <a:avLst/>
+          </a:prstGeom>
+          <a:noFill/>
+        </p:spPr>
+        <p:style>
+          <a:lnRef idx="2">
+            <a:schemeClr val="accent1">
+              <a:shade val="50000"/>
+            </a:schemeClr>
+          </a:lnRef>
+          <a:fillRef idx="1">
+            <a:schemeClr val="accent1"/>
+          </a:fillRef>
+          <a:effectRef idx="0">
+            <a:schemeClr val="accent1"/>
+          </a:effectRef>
+          <a:fontRef idx="minor">
+            <a:schemeClr val="lt1"/>
+          </a:fontRef>
+        </p:style>
+        <p:txBody>
+          <a:bodyPr rtlCol="0" anchor="ctr"/>
+          <a:lstStyle/>
+          <a:p>
+            <a:pPr algn="ctr"/>
+            <a:endParaRPr lang="es-ES"/>
+          </a:p>
+        </p:txBody>
+      </p:sp>
+      <p:cxnSp>
+        <p:nvCxnSpPr>
+          <p:cNvPr id="7" name="6 Conector recto"/>
+          <p:cNvCxnSpPr/>
+          <p:nvPr/>
+        </p:nvCxnSpPr>
+        <p:spPr>
+          <a:xfrm>
+            <a:off x="3707904" y="2132856"/>
+            <a:ext cx="0" cy="360040"/>
+          </a:xfrm>
+          <a:prstGeom prst="line">
+            <a:avLst/>
+          </a:prstGeom>
+        </p:spPr>
+        <p:style>
+          <a:lnRef idx="1">
+            <a:schemeClr val="accent1"/>
+          </a:lnRef>
+          <a:fillRef idx="0">
+            <a:schemeClr val="accent1"/>
+          </a:fillRef>
+          <a:effectRef idx="0">
+            <a:schemeClr val="accent1"/>
+          </a:effectRef>
+          <a:fontRef idx="minor">
+            <a:schemeClr val="tx1"/>
+          </a:fontRef>
+        </p:style>
+      </p:cxnSp>
+      <p:cxnSp>
+        <p:nvCxnSpPr>
+          <p:cNvPr id="9" name="8 Conector recto de flecha"/>
+          <p:cNvCxnSpPr/>
+          <p:nvPr/>
+        </p:nvCxnSpPr>
+        <p:spPr>
+          <a:xfrm>
+            <a:off x="3923928" y="2204864"/>
+            <a:ext cx="0" cy="216024"/>
+          </a:xfrm>
+          <a:prstGeom prst="straightConnector1">
+            <a:avLst/>
+          </a:prstGeom>
+          <a:ln>
+            <a:tailEnd type="triangle"/>
+          </a:ln>
+        </p:spPr>
+        <p:style>
+          <a:lnRef idx="1">
+            <a:schemeClr val="accent1"/>
+          </a:lnRef>
+          <a:fillRef idx="0">
+            <a:schemeClr val="accent1"/>
+          </a:fillRef>
+          <a:effectRef idx="0">
+            <a:schemeClr val="accent1"/>
+          </a:effectRef>
+          <a:fontRef idx="minor">
+            <a:schemeClr val="tx1"/>
+          </a:fontRef>
+        </p:style>
+      </p:cxnSp>
+      <p:sp>
+        <p:nvSpPr>
+          <p:cNvPr id="10" name="9 CuadroTexto"/>
+          <p:cNvSpPr txBox="1"/>
+          <p:nvPr/>
+        </p:nvSpPr>
+        <p:spPr>
+          <a:xfrm>
+            <a:off x="2195736" y="2564904"/>
+            <a:ext cx="1296144" cy="646331"/>
+          </a:xfrm>
+          <a:prstGeom prst="rect">
+            <a:avLst/>
+          </a:prstGeom>
+          <a:noFill/>
+        </p:spPr>
+        <p:txBody>
+          <a:bodyPr wrap="square" rtlCol="0">
+            <a:spAutoFit/>
+          </a:bodyPr>
+          <a:lstStyle/>
+          <a:p>
+            <a:r>
+              <a:rPr lang="es-ES" dirty="0" smtClean="0"/>
+              <a:t>libros</a:t>
+            </a:r>
+          </a:p>
+          <a:p>
+            <a:r>
+              <a:rPr lang="es-ES" dirty="0" smtClean="0"/>
+              <a:t>juegos</a:t>
+            </a:r>
+            <a:endParaRPr lang="es-ES" dirty="0"/>
+          </a:p>
+        </p:txBody>
+      </p:sp>
+      <p:sp>
+        <p:nvSpPr>
+          <p:cNvPr id="11" name="10 Rectángulo"/>
+          <p:cNvSpPr/>
+          <p:nvPr/>
+        </p:nvSpPr>
+        <p:spPr>
+          <a:xfrm>
+            <a:off x="1763688" y="4149080"/>
+            <a:ext cx="2448272" cy="1512168"/>
+          </a:xfrm>
+          <a:prstGeom prst="rect">
+            <a:avLst/>
+          </a:prstGeom>
+          <a:noFill/>
+        </p:spPr>
+        <p:style>
+          <a:lnRef idx="2">
+            <a:schemeClr val="accent1">
+              <a:shade val="50000"/>
+            </a:schemeClr>
+          </a:lnRef>
+          <a:fillRef idx="1">
+            <a:schemeClr val="accent1"/>
+          </a:fillRef>
+          <a:effectRef idx="0">
+            <a:schemeClr val="accent1"/>
+          </a:effectRef>
+          <a:fontRef idx="minor">
+            <a:schemeClr val="lt1"/>
+          </a:fontRef>
+        </p:style>
+        <p:txBody>
+          <a:bodyPr rtlCol="0" anchor="ctr"/>
+          <a:lstStyle/>
+          <a:p>
+            <a:pPr algn="ctr"/>
+            <a:endParaRPr lang="es-ES"/>
+          </a:p>
+        </p:txBody>
+      </p:sp>
+      <p:cxnSp>
+        <p:nvCxnSpPr>
+          <p:cNvPr id="13" name="12 Conector recto"/>
+          <p:cNvCxnSpPr/>
+          <p:nvPr/>
+        </p:nvCxnSpPr>
+        <p:spPr>
+          <a:xfrm>
+            <a:off x="2915816" y="4149080"/>
+            <a:ext cx="0" cy="1512168"/>
+          </a:xfrm>
+          <a:prstGeom prst="line">
+            <a:avLst/>
+          </a:prstGeom>
+        </p:spPr>
+        <p:style>
+          <a:lnRef idx="1">
+            <a:schemeClr val="accent1"/>
+          </a:lnRef>
+          <a:fillRef idx="0">
+            <a:schemeClr val="accent1"/>
+          </a:fillRef>
+          <a:effectRef idx="0">
+            <a:schemeClr val="accent1"/>
+          </a:effectRef>
+          <a:fontRef idx="minor">
+            <a:schemeClr val="tx1"/>
+          </a:fontRef>
+        </p:style>
+      </p:cxnSp>
+      <p:cxnSp>
+        <p:nvCxnSpPr>
+          <p:cNvPr id="14" name="13 Conector recto"/>
+          <p:cNvCxnSpPr/>
+          <p:nvPr/>
+        </p:nvCxnSpPr>
+        <p:spPr>
+          <a:xfrm>
+            <a:off x="4211960" y="4149080"/>
+            <a:ext cx="0" cy="1512168"/>
+          </a:xfrm>
+          <a:prstGeom prst="line">
+            <a:avLst/>
+          </a:prstGeom>
+        </p:spPr>
+        <p:style>
+          <a:lnRef idx="1">
+            <a:schemeClr val="accent1"/>
+          </a:lnRef>
+          <a:fillRef idx="0">
+            <a:schemeClr val="accent1"/>
+          </a:fillRef>
+          <a:effectRef idx="0">
+            <a:schemeClr val="accent1"/>
+          </a:effectRef>
+          <a:fontRef idx="minor">
+            <a:schemeClr val="tx1"/>
+          </a:fontRef>
+        </p:style>
+      </p:cxnSp>
+      <p:cxnSp>
+        <p:nvCxnSpPr>
+          <p:cNvPr id="16" name="15 Conector recto"/>
+          <p:cNvCxnSpPr/>
+          <p:nvPr/>
+        </p:nvCxnSpPr>
+        <p:spPr>
+          <a:xfrm>
+            <a:off x="1763688" y="4437112"/>
+            <a:ext cx="2448272" cy="0"/>
+          </a:xfrm>
+          <a:prstGeom prst="line">
+            <a:avLst/>
+          </a:prstGeom>
+        </p:spPr>
+        <p:style>
+          <a:lnRef idx="1">
+            <a:schemeClr val="accent1"/>
+          </a:lnRef>
+          <a:fillRef idx="0">
+            <a:schemeClr val="accent1"/>
+          </a:fillRef>
+          <a:effectRef idx="0">
+            <a:schemeClr val="accent1"/>
+          </a:effectRef>
+          <a:fontRef idx="minor">
+            <a:schemeClr val="tx1"/>
+          </a:fontRef>
+        </p:style>
+      </p:cxnSp>
+      <p:sp>
+        <p:nvSpPr>
+          <p:cNvPr id="18" name="17 CuadroTexto"/>
+          <p:cNvSpPr txBox="1"/>
+          <p:nvPr/>
+        </p:nvSpPr>
+        <p:spPr>
+          <a:xfrm>
+            <a:off x="1855948" y="4120202"/>
+            <a:ext cx="1152128" cy="369332"/>
+          </a:xfrm>
+          <a:prstGeom prst="rect">
+            <a:avLst/>
+          </a:prstGeom>
+          <a:noFill/>
+        </p:spPr>
+        <p:txBody>
+          <a:bodyPr wrap="square" rtlCol="0">
+            <a:spAutoFit/>
+          </a:bodyPr>
+          <a:lstStyle/>
+          <a:p>
+            <a:r>
+              <a:rPr lang="es-ES" dirty="0" smtClean="0"/>
+              <a:t>temática</a:t>
+            </a:r>
+            <a:endParaRPr lang="es-ES" dirty="0"/>
+          </a:p>
+        </p:txBody>
+      </p:sp>
+      <p:sp>
+        <p:nvSpPr>
+          <p:cNvPr id="19" name="18 CuadroTexto"/>
+          <p:cNvSpPr txBox="1"/>
+          <p:nvPr/>
+        </p:nvSpPr>
+        <p:spPr>
+          <a:xfrm>
+            <a:off x="2987824" y="4111576"/>
+            <a:ext cx="1152128" cy="369332"/>
+          </a:xfrm>
+          <a:prstGeom prst="rect">
+            <a:avLst/>
+          </a:prstGeom>
+          <a:noFill/>
+        </p:spPr>
+        <p:txBody>
+          <a:bodyPr wrap="square" rtlCol="0">
+            <a:spAutoFit/>
+          </a:bodyPr>
+          <a:lstStyle/>
+          <a:p>
+            <a:r>
+              <a:rPr lang="es-ES" dirty="0" err="1" smtClean="0"/>
+              <a:t>direccion</a:t>
+            </a:r>
+            <a:endParaRPr lang="es-ES" dirty="0"/>
+          </a:p>
+        </p:txBody>
+      </p:sp>
+      <p:cxnSp>
+        <p:nvCxnSpPr>
+          <p:cNvPr id="21" name="20 Conector recto"/>
+          <p:cNvCxnSpPr/>
+          <p:nvPr/>
+        </p:nvCxnSpPr>
+        <p:spPr>
+          <a:xfrm>
+            <a:off x="2051720" y="2492896"/>
+            <a:ext cx="0" cy="936104"/>
+          </a:xfrm>
+          <a:prstGeom prst="line">
+            <a:avLst/>
+          </a:prstGeom>
+        </p:spPr>
+        <p:style>
+          <a:lnRef idx="1">
+            <a:schemeClr val="accent1"/>
+          </a:lnRef>
+          <a:fillRef idx="0">
+            <a:schemeClr val="accent1"/>
+          </a:fillRef>
+          <a:effectRef idx="0">
+            <a:schemeClr val="accent1"/>
+          </a:effectRef>
+          <a:fontRef idx="minor">
+            <a:schemeClr val="tx1"/>
+          </a:fontRef>
+        </p:style>
+      </p:cxnSp>
+      <p:cxnSp>
+        <p:nvCxnSpPr>
+          <p:cNvPr id="23" name="22 Conector recto"/>
+          <p:cNvCxnSpPr/>
+          <p:nvPr/>
+        </p:nvCxnSpPr>
+        <p:spPr>
+          <a:xfrm>
+            <a:off x="2051720" y="3429000"/>
+            <a:ext cx="1224136" cy="0"/>
+          </a:xfrm>
+          <a:prstGeom prst="line">
+            <a:avLst/>
+          </a:prstGeom>
+        </p:spPr>
+        <p:style>
+          <a:lnRef idx="1">
+            <a:schemeClr val="accent1"/>
+          </a:lnRef>
+          <a:fillRef idx="0">
+            <a:schemeClr val="accent1"/>
+          </a:fillRef>
+          <a:effectRef idx="0">
+            <a:schemeClr val="accent1"/>
+          </a:effectRef>
+          <a:fontRef idx="minor">
+            <a:schemeClr val="tx1"/>
+          </a:fontRef>
+        </p:style>
+      </p:cxnSp>
+      <p:cxnSp>
+        <p:nvCxnSpPr>
+          <p:cNvPr id="25" name="24 Conector recto"/>
+          <p:cNvCxnSpPr/>
+          <p:nvPr/>
+        </p:nvCxnSpPr>
+        <p:spPr>
+          <a:xfrm flipV="1">
+            <a:off x="3275856" y="2492896"/>
+            <a:ext cx="0" cy="936104"/>
+          </a:xfrm>
+          <a:prstGeom prst="line">
+            <a:avLst/>
+          </a:prstGeom>
+        </p:spPr>
+        <p:style>
+          <a:lnRef idx="1">
+            <a:schemeClr val="accent1"/>
+          </a:lnRef>
+          <a:fillRef idx="0">
+            <a:schemeClr val="accent1"/>
+          </a:fillRef>
+          <a:effectRef idx="0">
+            <a:schemeClr val="accent1"/>
+          </a:effectRef>
+          <a:fontRef idx="minor">
+            <a:schemeClr val="tx1"/>
+          </a:fontRef>
+        </p:style>
+      </p:cxnSp>
+      <p:cxnSp>
+        <p:nvCxnSpPr>
+          <p:cNvPr id="27" name="26 Conector recto"/>
+          <p:cNvCxnSpPr/>
+          <p:nvPr/>
+        </p:nvCxnSpPr>
+        <p:spPr>
+          <a:xfrm>
+            <a:off x="1763688" y="4725144"/>
+            <a:ext cx="2448272" cy="0"/>
+          </a:xfrm>
+          <a:prstGeom prst="line">
+            <a:avLst/>
+          </a:prstGeom>
+        </p:spPr>
+        <p:style>
+          <a:lnRef idx="1">
+            <a:schemeClr val="accent1"/>
+          </a:lnRef>
+          <a:fillRef idx="0">
+            <a:schemeClr val="accent1"/>
+          </a:fillRef>
+          <a:effectRef idx="0">
+            <a:schemeClr val="accent1"/>
+          </a:effectRef>
+          <a:fontRef idx="minor">
+            <a:schemeClr val="tx1"/>
+          </a:fontRef>
+        </p:style>
+      </p:cxnSp>
+      <p:cxnSp>
+        <p:nvCxnSpPr>
+          <p:cNvPr id="28" name="27 Conector recto"/>
+          <p:cNvCxnSpPr/>
+          <p:nvPr/>
+        </p:nvCxnSpPr>
+        <p:spPr>
+          <a:xfrm>
+            <a:off x="1763688" y="5157192"/>
+            <a:ext cx="2448272" cy="0"/>
+          </a:xfrm>
+          <a:prstGeom prst="line">
+            <a:avLst/>
+          </a:prstGeom>
+        </p:spPr>
+        <p:style>
+          <a:lnRef idx="1">
+            <a:schemeClr val="accent1"/>
+          </a:lnRef>
+          <a:fillRef idx="0">
+            <a:schemeClr val="accent1"/>
+          </a:fillRef>
+          <a:effectRef idx="0">
+            <a:schemeClr val="accent1"/>
+          </a:effectRef>
+          <a:fontRef idx="minor">
+            <a:schemeClr val="tx1"/>
+          </a:fontRef>
+        </p:style>
+      </p:cxnSp>
+    </p:spTree>
+  </p:cSld>
+  <p:clrMapOvr>
+    <a:masterClrMapping/>
+  </p:clrMapOvr>
+</p:sld>
+</file>
+
+<file path=ppt/slides/slide21.xml><?xml version="1.0" encoding="utf-8"?>
+<p:sld xmlns:a="http://schemas.openxmlformats.org/drawingml/2006/main" xmlns:r="http://schemas.openxmlformats.org/officeDocument/2006/relationships" xmlns:p="http://schemas.openxmlformats.org/presentationml/2006/main">
+  <p:cSld>
+    <p:spTree>
+      <p:nvGrpSpPr>
+        <p:cNvPr id="1" name=""/>
+        <p:cNvGrpSpPr/>
+        <p:nvPr/>
+      </p:nvGrpSpPr>
+      <p:grpSpPr>
+        <a:xfrm>
+          <a:off x="0" y="0"/>
+          <a:ext cx="0" cy="0"/>
+          <a:chOff x="0" y="0"/>
+          <a:chExt cx="0" cy="0"/>
+        </a:xfrm>
+      </p:grpSpPr>
+      <p:sp>
+        <p:nvSpPr>
+          <p:cNvPr id="3" name="2 CuadroTexto"/>
+          <p:cNvSpPr txBox="1"/>
+          <p:nvPr/>
+        </p:nvSpPr>
+        <p:spPr>
+          <a:xfrm>
+            <a:off x="467544" y="476672"/>
+            <a:ext cx="7344816" cy="400110"/>
+          </a:xfrm>
+          <a:prstGeom prst="rect">
+            <a:avLst/>
+          </a:prstGeom>
+          <a:noFill/>
+        </p:spPr>
+        <p:txBody>
+          <a:bodyPr wrap="square" rtlCol="0">
+            <a:spAutoFit/>
+          </a:bodyPr>
+          <a:lstStyle/>
+          <a:p>
+            <a:r>
+              <a:rPr lang="es-ES" sz="2000" b="1" dirty="0" smtClean="0"/>
+              <a:t>Funciones/métodos que reciben como parámetro otras funciones</a:t>
+            </a:r>
+            <a:endParaRPr lang="es-ES" sz="2000" b="1" dirty="0"/>
+          </a:p>
+        </p:txBody>
+      </p:sp>
+      <p:sp>
+        <p:nvSpPr>
+          <p:cNvPr id="4" name="3 CuadroTexto"/>
+          <p:cNvSpPr txBox="1"/>
+          <p:nvPr/>
+        </p:nvSpPr>
+        <p:spPr>
+          <a:xfrm>
+            <a:off x="827584" y="980728"/>
+            <a:ext cx="6552728" cy="2862322"/>
+          </a:xfrm>
+          <a:prstGeom prst="rect">
+            <a:avLst/>
+          </a:prstGeom>
+          <a:noFill/>
+        </p:spPr>
+        <p:txBody>
+          <a:bodyPr wrap="square" rtlCol="0">
+            <a:spAutoFit/>
+          </a:bodyPr>
+          <a:lstStyle/>
+          <a:p>
+            <a:r>
+              <a:rPr lang="es-ES" dirty="0" smtClean="0"/>
+              <a:t>&lt;</a:t>
+            </a:r>
+            <a:r>
+              <a:rPr lang="es-ES" dirty="0" err="1" smtClean="0"/>
+              <a:t>button</a:t>
+            </a:r>
+            <a:r>
+              <a:rPr lang="es-ES" dirty="0" smtClean="0"/>
+              <a:t> </a:t>
+            </a:r>
+            <a:r>
+              <a:rPr lang="es-ES" dirty="0" err="1" smtClean="0"/>
+              <a:t>onclick</a:t>
+            </a:r>
+            <a:r>
+              <a:rPr lang="es-ES" dirty="0" smtClean="0"/>
+              <a:t>="mostrar();"&gt;Pulsar&lt;</a:t>
+            </a:r>
+            <a:r>
+              <a:rPr lang="es-ES" dirty="0" err="1" smtClean="0"/>
+              <a:t>button</a:t>
+            </a:r>
+            <a:r>
+              <a:rPr lang="es-ES" dirty="0" smtClean="0"/>
+              <a:t>&gt;</a:t>
+            </a:r>
+          </a:p>
+          <a:p>
+            <a:endParaRPr lang="es-ES" dirty="0" smtClean="0"/>
+          </a:p>
+          <a:p>
+            <a:endParaRPr lang="es-ES" dirty="0" smtClean="0"/>
+          </a:p>
+          <a:p>
+            <a:endParaRPr lang="es-ES" dirty="0" smtClean="0"/>
+          </a:p>
+          <a:p>
+            <a:r>
+              <a:rPr lang="es-ES" dirty="0" err="1" smtClean="0"/>
+              <a:t>function</a:t>
+            </a:r>
+            <a:r>
+              <a:rPr lang="es-ES" dirty="0" smtClean="0"/>
+              <a:t> mostrar(){</a:t>
+            </a:r>
+          </a:p>
+          <a:p>
+            <a:r>
+              <a:rPr lang="es-ES" dirty="0" smtClean="0"/>
+              <a:t>	console.log("hola");</a:t>
+            </a:r>
+          </a:p>
+          <a:p>
+            <a:r>
+              <a:rPr lang="es-ES" dirty="0" smtClean="0"/>
+              <a:t>}</a:t>
+            </a:r>
+          </a:p>
+          <a:p>
+            <a:endParaRPr lang="es-ES" dirty="0" smtClean="0"/>
+          </a:p>
+          <a:p>
+            <a:endParaRPr lang="es-ES" dirty="0" smtClean="0"/>
+          </a:p>
+          <a:p>
+            <a:endParaRPr lang="es-ES" dirty="0"/>
+          </a:p>
+        </p:txBody>
+      </p:sp>
+      <p:sp>
+        <p:nvSpPr>
+          <p:cNvPr id="5" name="4 CuadroTexto"/>
+          <p:cNvSpPr txBox="1"/>
+          <p:nvPr/>
+        </p:nvSpPr>
+        <p:spPr>
+          <a:xfrm>
+            <a:off x="755576" y="3573016"/>
+            <a:ext cx="6552728" cy="3139321"/>
+          </a:xfrm>
+          <a:prstGeom prst="rect">
+            <a:avLst/>
+          </a:prstGeom>
+          <a:noFill/>
+        </p:spPr>
+        <p:txBody>
+          <a:bodyPr wrap="square" rtlCol="0">
+            <a:spAutoFit/>
+          </a:bodyPr>
+          <a:lstStyle/>
+          <a:p>
+            <a:r>
+              <a:rPr lang="es-ES" dirty="0" smtClean="0"/>
+              <a:t>&lt;</a:t>
+            </a:r>
+            <a:r>
+              <a:rPr lang="es-ES" dirty="0" err="1" smtClean="0"/>
+              <a:t>button</a:t>
+            </a:r>
+            <a:r>
+              <a:rPr lang="es-ES" dirty="0" smtClean="0"/>
+              <a:t>  id="</a:t>
+            </a:r>
+            <a:r>
+              <a:rPr lang="es-ES" dirty="0" err="1" smtClean="0"/>
+              <a:t>boton</a:t>
+            </a:r>
+            <a:r>
+              <a:rPr lang="es-ES" dirty="0" smtClean="0"/>
+              <a:t>"&gt;Pulsar&lt;</a:t>
+            </a:r>
+            <a:r>
+              <a:rPr lang="es-ES" dirty="0" err="1" smtClean="0"/>
+              <a:t>button</a:t>
+            </a:r>
+            <a:r>
+              <a:rPr lang="es-ES" dirty="0" smtClean="0"/>
+              <a:t>&gt;</a:t>
+            </a:r>
+          </a:p>
+          <a:p>
+            <a:endParaRPr lang="es-ES" dirty="0" smtClean="0"/>
+          </a:p>
+          <a:p>
+            <a:endParaRPr lang="es-ES" dirty="0" smtClean="0"/>
+          </a:p>
+          <a:p>
+            <a:r>
+              <a:rPr lang="es-ES" dirty="0" err="1" smtClean="0"/>
+              <a:t>let</a:t>
+            </a:r>
+            <a:r>
+              <a:rPr lang="es-ES" dirty="0" smtClean="0"/>
+              <a:t> </a:t>
+            </a:r>
+            <a:r>
+              <a:rPr lang="es-ES" dirty="0" err="1" smtClean="0"/>
+              <a:t>objBoton</a:t>
+            </a:r>
+            <a:r>
+              <a:rPr lang="es-ES" dirty="0" smtClean="0"/>
+              <a:t>=</a:t>
+            </a:r>
+            <a:r>
+              <a:rPr lang="es-ES" dirty="0" err="1" smtClean="0"/>
+              <a:t>document.getElementById</a:t>
+            </a:r>
+            <a:r>
+              <a:rPr lang="es-ES" dirty="0" smtClean="0"/>
+              <a:t>("</a:t>
+            </a:r>
+            <a:r>
+              <a:rPr lang="es-ES" dirty="0" err="1" smtClean="0"/>
+              <a:t>boton</a:t>
+            </a:r>
+            <a:r>
+              <a:rPr lang="es-ES" dirty="0" smtClean="0"/>
+              <a:t>");</a:t>
+            </a:r>
+          </a:p>
+          <a:p>
+            <a:r>
+              <a:rPr lang="es-ES" dirty="0" err="1" smtClean="0"/>
+              <a:t>objBoton.addEventListener</a:t>
+            </a:r>
+            <a:r>
+              <a:rPr lang="es-ES" dirty="0" smtClean="0"/>
+              <a:t>("</a:t>
+            </a:r>
+            <a:r>
+              <a:rPr lang="es-ES" dirty="0" err="1" smtClean="0"/>
+              <a:t>click",mostrar</a:t>
+            </a:r>
+            <a:r>
+              <a:rPr lang="es-ES" dirty="0" smtClean="0"/>
+              <a:t>);</a:t>
+            </a:r>
+          </a:p>
+          <a:p>
+            <a:endParaRPr lang="es-ES" dirty="0" smtClean="0"/>
+          </a:p>
+          <a:p>
+            <a:endParaRPr lang="es-ES" dirty="0" smtClean="0"/>
+          </a:p>
+          <a:p>
+            <a:endParaRPr lang="es-ES" dirty="0" smtClean="0"/>
+          </a:p>
+          <a:p>
+            <a:r>
+              <a:rPr lang="es-ES" dirty="0" err="1" smtClean="0"/>
+              <a:t>function</a:t>
+            </a:r>
+            <a:r>
+              <a:rPr lang="es-ES" dirty="0" smtClean="0"/>
+              <a:t> mostrar(){</a:t>
+            </a:r>
+          </a:p>
+          <a:p>
+            <a:r>
+              <a:rPr lang="es-ES" dirty="0" smtClean="0"/>
+              <a:t>	console.log("hola");</a:t>
+            </a:r>
+          </a:p>
+          <a:p>
+            <a:r>
+              <a:rPr lang="es-ES" dirty="0" smtClean="0"/>
+              <a:t>}</a:t>
+            </a:r>
+            <a:endParaRPr lang="es-ES" dirty="0"/>
+          </a:p>
+        </p:txBody>
+      </p:sp>
+      <p:cxnSp>
+        <p:nvCxnSpPr>
+          <p:cNvPr id="7" name="6 Conector recto de flecha"/>
+          <p:cNvCxnSpPr/>
+          <p:nvPr/>
+        </p:nvCxnSpPr>
+        <p:spPr>
+          <a:xfrm flipH="1">
+            <a:off x="2123728" y="4941168"/>
+            <a:ext cx="2160240" cy="936104"/>
+          </a:xfrm>
+          <a:prstGeom prst="straightConnector1">
+            <a:avLst/>
+          </a:prstGeom>
+          <a:ln>
+            <a:tailEnd type="arrow"/>
+          </a:ln>
+        </p:spPr>
+        <p:style>
+          <a:lnRef idx="1">
+            <a:schemeClr val="accent1"/>
+          </a:lnRef>
+          <a:fillRef idx="0">
+            <a:schemeClr val="accent1"/>
+          </a:fillRef>
+          <a:effectRef idx="0">
+            <a:schemeClr val="accent1"/>
+          </a:effectRef>
+          <a:fontRef idx="minor">
+            <a:schemeClr val="tx1"/>
+          </a:fontRef>
+        </p:style>
+      </p:cxnSp>
+      <p:sp>
+        <p:nvSpPr>
+          <p:cNvPr id="8" name="7 CuadroTexto"/>
+          <p:cNvSpPr txBox="1"/>
+          <p:nvPr/>
+        </p:nvSpPr>
+        <p:spPr>
+          <a:xfrm>
+            <a:off x="3059832" y="5301208"/>
+            <a:ext cx="3528392" cy="369332"/>
+          </a:xfrm>
+          <a:prstGeom prst="rect">
+            <a:avLst/>
+          </a:prstGeom>
+          <a:noFill/>
+        </p:spPr>
+        <p:txBody>
+          <a:bodyPr wrap="square" rtlCol="0">
+            <a:spAutoFit/>
+          </a:bodyPr>
+          <a:lstStyle/>
+          <a:p>
+            <a:r>
+              <a:rPr lang="es-ES" dirty="0" smtClean="0"/>
+              <a:t>referencia a la función</a:t>
+            </a:r>
+            <a:endParaRPr lang="es-ES" dirty="0"/>
+          </a:p>
+        </p:txBody>
+      </p:sp>
+      <p:cxnSp>
+        <p:nvCxnSpPr>
+          <p:cNvPr id="10" name="9 Conector recto"/>
+          <p:cNvCxnSpPr/>
+          <p:nvPr/>
+        </p:nvCxnSpPr>
+        <p:spPr>
+          <a:xfrm>
+            <a:off x="467544" y="3140968"/>
+            <a:ext cx="7632848" cy="0"/>
+          </a:xfrm>
+          <a:prstGeom prst="line">
+            <a:avLst/>
+          </a:prstGeom>
+          <a:ln w="25400">
+            <a:solidFill>
+              <a:schemeClr val="tx1"/>
+            </a:solidFill>
+          </a:ln>
+        </p:spPr>
+        <p:style>
+          <a:lnRef idx="1">
+            <a:schemeClr val="accent1"/>
+          </a:lnRef>
+          <a:fillRef idx="0">
+            <a:schemeClr val="accent1"/>
+          </a:fillRef>
+          <a:effectRef idx="0">
+            <a:schemeClr val="accent1"/>
+          </a:effectRef>
+          <a:fontRef idx="minor">
+            <a:schemeClr val="tx1"/>
+          </a:fontRef>
+        </p:style>
+      </p:cxnSp>
+      <p:sp>
+        <p:nvSpPr>
+          <p:cNvPr id="11" name="10 Rectángulo"/>
+          <p:cNvSpPr/>
+          <p:nvPr/>
+        </p:nvSpPr>
+        <p:spPr>
+          <a:xfrm>
+            <a:off x="6372200" y="1412776"/>
+            <a:ext cx="2059346" cy="923330"/>
+          </a:xfrm>
+          <a:prstGeom prst="rect">
+            <a:avLst/>
+          </a:prstGeom>
+          <a:noFill/>
+        </p:spPr>
+        <p:txBody>
+          <a:bodyPr wrap="none" lIns="91440" tIns="45720" rIns="91440" bIns="45720">
+            <a:spAutoFit/>
+          </a:bodyPr>
+          <a:lstStyle/>
+          <a:p>
+            <a:pPr algn="ctr"/>
+            <a:r>
+              <a:rPr lang="es-ES" sz="5400" b="1" cap="none" spc="0" dirty="0" smtClean="0">
+                <a:ln w="17780" cmpd="sng">
+                  <a:solidFill>
+                    <a:srgbClr val="FFFFFF"/>
+                  </a:solidFill>
+                  <a:prstDash val="solid"/>
+                  <a:miter lim="800000"/>
+                </a:ln>
+                <a:gradFill rotWithShape="1">
+                  <a:gsLst>
+                    <a:gs pos="0">
+                      <a:srgbClr val="000000">
+                        <a:tint val="92000"/>
+                        <a:shade val="100000"/>
+                        <a:satMod val="150000"/>
+                      </a:srgbClr>
+                    </a:gs>
+                    <a:gs pos="49000">
+                      <a:srgbClr val="000000">
+                        <a:tint val="89000"/>
+                        <a:shade val="90000"/>
+                        <a:satMod val="150000"/>
+                      </a:srgbClr>
+                    </a:gs>
+                    <a:gs pos="50000">
+                      <a:srgbClr val="000000">
+                        <a:tint val="100000"/>
+                        <a:shade val="75000"/>
+                        <a:satMod val="150000"/>
+                      </a:srgbClr>
+                    </a:gs>
+                    <a:gs pos="95000">
+                      <a:srgbClr val="000000">
+                        <a:shade val="47000"/>
+                        <a:satMod val="150000"/>
+                      </a:srgbClr>
+                    </a:gs>
+                    <a:gs pos="100000">
+                      <a:srgbClr val="000000">
+                        <a:shade val="39000"/>
+                        <a:satMod val="150000"/>
+                      </a:srgbClr>
+                    </a:gs>
+                  </a:gsLst>
+                  <a:lin ang="5400000"/>
+                </a:gradFill>
+                <a:effectLst>
+                  <a:outerShdw blurRad="50800" algn="tl" rotWithShape="0">
+                    <a:srgbClr val="000000"/>
+                  </a:outerShdw>
+                </a:effectLst>
+              </a:rPr>
+              <a:t>clásica</a:t>
+            </a:r>
+            <a:endParaRPr lang="es-ES" sz="5400" b="1" cap="none" spc="0" dirty="0">
+              <a:ln w="17780" cmpd="sng">
+                <a:solidFill>
+                  <a:srgbClr val="FFFFFF"/>
+                </a:solidFill>
+                <a:prstDash val="solid"/>
+                <a:miter lim="800000"/>
+              </a:ln>
+              <a:gradFill rotWithShape="1">
+                <a:gsLst>
+                  <a:gs pos="0">
+                    <a:srgbClr val="000000">
+                      <a:tint val="92000"/>
+                      <a:shade val="100000"/>
+                      <a:satMod val="150000"/>
+                    </a:srgbClr>
+                  </a:gs>
+                  <a:gs pos="49000">
+                    <a:srgbClr val="000000">
+                      <a:tint val="89000"/>
+                      <a:shade val="90000"/>
+                      <a:satMod val="150000"/>
+                    </a:srgbClr>
+                  </a:gs>
+                  <a:gs pos="50000">
+                    <a:srgbClr val="000000">
+                      <a:tint val="100000"/>
+                      <a:shade val="75000"/>
+                      <a:satMod val="150000"/>
+                    </a:srgbClr>
+                  </a:gs>
+                  <a:gs pos="95000">
+                    <a:srgbClr val="000000">
+                      <a:shade val="47000"/>
+                      <a:satMod val="150000"/>
+                    </a:srgbClr>
+                  </a:gs>
+                  <a:gs pos="100000">
+                    <a:srgbClr val="000000">
+                      <a:shade val="39000"/>
+                      <a:satMod val="150000"/>
+                    </a:srgbClr>
+                  </a:gs>
+                </a:gsLst>
+                <a:lin ang="5400000"/>
+              </a:gradFill>
+              <a:effectLst>
+                <a:outerShdw blurRad="50800" algn="tl" rotWithShape="0">
+                  <a:srgbClr val="000000"/>
+                </a:outerShdw>
+              </a:effectLst>
+            </a:endParaRPr>
+          </a:p>
+        </p:txBody>
+      </p:sp>
+      <p:sp>
+        <p:nvSpPr>
+          <p:cNvPr id="12" name="11 Rectángulo"/>
+          <p:cNvSpPr/>
+          <p:nvPr/>
+        </p:nvSpPr>
+        <p:spPr>
+          <a:xfrm>
+            <a:off x="5572749" y="3212976"/>
+            <a:ext cx="3082190" cy="1754326"/>
+          </a:xfrm>
+          <a:prstGeom prst="rect">
+            <a:avLst/>
+          </a:prstGeom>
+          <a:noFill/>
+        </p:spPr>
+        <p:txBody>
+          <a:bodyPr wrap="none" lIns="91440" tIns="45720" rIns="91440" bIns="45720">
+            <a:spAutoFit/>
+          </a:bodyPr>
+          <a:lstStyle/>
+          <a:p>
+            <a:pPr algn="ctr"/>
+            <a:r>
+              <a:rPr lang="es-ES" sz="5400" b="1" cap="none" spc="0" dirty="0" smtClean="0">
+                <a:ln w="17780" cmpd="sng">
+                  <a:solidFill>
+                    <a:srgbClr val="FFFFFF"/>
+                  </a:solidFill>
+                  <a:prstDash val="solid"/>
+                  <a:miter lim="800000"/>
+                </a:ln>
+                <a:gradFill rotWithShape="1">
+                  <a:gsLst>
+                    <a:gs pos="0">
+                      <a:srgbClr val="000000">
+                        <a:tint val="92000"/>
+                        <a:shade val="100000"/>
+                        <a:satMod val="150000"/>
+                      </a:srgbClr>
+                    </a:gs>
+                    <a:gs pos="49000">
+                      <a:srgbClr val="000000">
+                        <a:tint val="89000"/>
+                        <a:shade val="90000"/>
+                        <a:satMod val="150000"/>
+                      </a:srgbClr>
+                    </a:gs>
+                    <a:gs pos="50000">
+                      <a:srgbClr val="000000">
+                        <a:tint val="100000"/>
+                        <a:shade val="75000"/>
+                        <a:satMod val="150000"/>
+                      </a:srgbClr>
+                    </a:gs>
+                    <a:gs pos="95000">
+                      <a:srgbClr val="000000">
+                        <a:shade val="47000"/>
+                        <a:satMod val="150000"/>
+                      </a:srgbClr>
+                    </a:gs>
+                    <a:gs pos="100000">
+                      <a:srgbClr val="000000">
+                        <a:shade val="39000"/>
+                        <a:satMod val="150000"/>
+                      </a:srgbClr>
+                    </a:gs>
+                  </a:gsLst>
+                  <a:lin ang="5400000"/>
+                </a:gradFill>
+                <a:effectLst>
+                  <a:outerShdw blurRad="50800" algn="tl" rotWithShape="0">
+                    <a:srgbClr val="000000"/>
+                  </a:outerShdw>
+                </a:effectLst>
+              </a:rPr>
+              <a:t>referencia</a:t>
+            </a:r>
+          </a:p>
+          <a:p>
+            <a:pPr algn="ctr"/>
+            <a:r>
+              <a:rPr lang="es-ES" sz="5400" b="1" cap="none" spc="0" dirty="0" smtClean="0">
+                <a:ln w="17780" cmpd="sng">
+                  <a:solidFill>
+                    <a:srgbClr val="FFFFFF"/>
+                  </a:solidFill>
+                  <a:prstDash val="solid"/>
+                  <a:miter lim="800000"/>
+                </a:ln>
+                <a:gradFill rotWithShape="1">
+                  <a:gsLst>
+                    <a:gs pos="0">
+                      <a:srgbClr val="000000">
+                        <a:tint val="92000"/>
+                        <a:shade val="100000"/>
+                        <a:satMod val="150000"/>
+                      </a:srgbClr>
+                    </a:gs>
+                    <a:gs pos="49000">
+                      <a:srgbClr val="000000">
+                        <a:tint val="89000"/>
+                        <a:shade val="90000"/>
+                        <a:satMod val="150000"/>
+                      </a:srgbClr>
+                    </a:gs>
+                    <a:gs pos="50000">
+                      <a:srgbClr val="000000">
+                        <a:tint val="100000"/>
+                        <a:shade val="75000"/>
+                        <a:satMod val="150000"/>
+                      </a:srgbClr>
+                    </a:gs>
+                    <a:gs pos="95000">
+                      <a:srgbClr val="000000">
+                        <a:shade val="47000"/>
+                        <a:satMod val="150000"/>
+                      </a:srgbClr>
+                    </a:gs>
+                    <a:gs pos="100000">
+                      <a:srgbClr val="000000">
+                        <a:shade val="39000"/>
+                        <a:satMod val="150000"/>
+                      </a:srgbClr>
+                    </a:gs>
+                  </a:gsLst>
+                  <a:lin ang="5400000"/>
+                </a:gradFill>
+                <a:effectLst>
+                  <a:outerShdw blurRad="50800" algn="tl" rotWithShape="0">
+                    <a:srgbClr val="000000"/>
+                  </a:outerShdw>
+                </a:effectLst>
+              </a:rPr>
+              <a:t>función</a:t>
+            </a:r>
+            <a:endParaRPr lang="es-ES" sz="5400" b="1" cap="none" spc="0" dirty="0">
+              <a:ln w="17780" cmpd="sng">
+                <a:solidFill>
+                  <a:srgbClr val="FFFFFF"/>
+                </a:solidFill>
+                <a:prstDash val="solid"/>
+                <a:miter lim="800000"/>
+              </a:ln>
+              <a:gradFill rotWithShape="1">
+                <a:gsLst>
+                  <a:gs pos="0">
+                    <a:srgbClr val="000000">
+                      <a:tint val="92000"/>
+                      <a:shade val="100000"/>
+                      <a:satMod val="150000"/>
+                    </a:srgbClr>
+                  </a:gs>
+                  <a:gs pos="49000">
+                    <a:srgbClr val="000000">
+                      <a:tint val="89000"/>
+                      <a:shade val="90000"/>
+                      <a:satMod val="150000"/>
+                    </a:srgbClr>
+                  </a:gs>
+                  <a:gs pos="50000">
+                    <a:srgbClr val="000000">
+                      <a:tint val="100000"/>
+                      <a:shade val="75000"/>
+                      <a:satMod val="150000"/>
+                    </a:srgbClr>
+                  </a:gs>
+                  <a:gs pos="95000">
+                    <a:srgbClr val="000000">
+                      <a:shade val="47000"/>
+                      <a:satMod val="150000"/>
+                    </a:srgbClr>
+                  </a:gs>
+                  <a:gs pos="100000">
+                    <a:srgbClr val="000000">
+                      <a:shade val="39000"/>
+                      <a:satMod val="150000"/>
+                    </a:srgbClr>
+                  </a:gs>
+                </a:gsLst>
+                <a:lin ang="5400000"/>
+              </a:gradFill>
+              <a:effectLst>
+                <a:outerShdw blurRad="50800" algn="tl" rotWithShape="0">
+                  <a:srgbClr val="000000"/>
+                </a:outerShdw>
+              </a:effectLst>
+            </a:endParaRPr>
+          </a:p>
+        </p:txBody>
+      </p:sp>
+    </p:spTree>
+  </p:cSld>
+  <p:clrMapOvr>
+    <a:masterClrMapping/>
+  </p:clrMapOvr>
+</p:sld>
+</file>
+
+<file path=ppt/slides/slide22.xml><?xml version="1.0" encoding="utf-8"?>
+<p:sld xmlns:a="http://schemas.openxmlformats.org/drawingml/2006/main" xmlns:r="http://schemas.openxmlformats.org/officeDocument/2006/relationships" xmlns:p="http://schemas.openxmlformats.org/presentationml/2006/main">
+  <p:cSld>
+    <p:spTree>
+      <p:nvGrpSpPr>
+        <p:cNvPr id="1" name=""/>
+        <p:cNvGrpSpPr/>
+        <p:nvPr/>
+      </p:nvGrpSpPr>
+      <p:grpSpPr>
+        <a:xfrm>
+          <a:off x="0" y="0"/>
+          <a:ext cx="0" cy="0"/>
+          <a:chOff x="0" y="0"/>
+          <a:chExt cx="0" cy="0"/>
+        </a:xfrm>
+      </p:grpSpPr>
+      <p:sp>
+        <p:nvSpPr>
+          <p:cNvPr id="3" name="2 CuadroTexto"/>
+          <p:cNvSpPr txBox="1"/>
+          <p:nvPr/>
+        </p:nvSpPr>
+        <p:spPr>
+          <a:xfrm>
+            <a:off x="467544" y="476672"/>
+            <a:ext cx="7344816" cy="400110"/>
+          </a:xfrm>
+          <a:prstGeom prst="rect">
+            <a:avLst/>
+          </a:prstGeom>
+          <a:noFill/>
+        </p:spPr>
+        <p:txBody>
+          <a:bodyPr wrap="square" rtlCol="0">
+            <a:spAutoFit/>
+          </a:bodyPr>
+          <a:lstStyle/>
+          <a:p>
+            <a:r>
+              <a:rPr lang="es-ES" sz="2000" b="1" dirty="0" smtClean="0"/>
+              <a:t>Funciones/métodos que reciben como parámetro otras funciones II</a:t>
+            </a:r>
+            <a:endParaRPr lang="es-ES" sz="2000" b="1" dirty="0"/>
+          </a:p>
+        </p:txBody>
+      </p:sp>
+      <p:sp>
+        <p:nvSpPr>
+          <p:cNvPr id="4" name="3 CuadroTexto"/>
+          <p:cNvSpPr txBox="1"/>
+          <p:nvPr/>
+        </p:nvSpPr>
+        <p:spPr>
+          <a:xfrm>
+            <a:off x="827584" y="980728"/>
+            <a:ext cx="6552728" cy="2031325"/>
+          </a:xfrm>
+          <a:prstGeom prst="rect">
+            <a:avLst/>
+          </a:prstGeom>
+          <a:noFill/>
+        </p:spPr>
+        <p:txBody>
+          <a:bodyPr wrap="square" rtlCol="0">
+            <a:spAutoFit/>
+          </a:bodyPr>
+          <a:lstStyle/>
+          <a:p>
+            <a:r>
+              <a:rPr lang="es-ES" dirty="0" smtClean="0"/>
+              <a:t>&lt;</a:t>
+            </a:r>
+            <a:r>
+              <a:rPr lang="es-ES" dirty="0" err="1" smtClean="0"/>
+              <a:t>button</a:t>
+            </a:r>
+            <a:r>
+              <a:rPr lang="es-ES" dirty="0" smtClean="0"/>
+              <a:t> </a:t>
+            </a:r>
+            <a:r>
+              <a:rPr lang="es-ES" dirty="0" err="1" smtClean="0"/>
+              <a:t>onclick</a:t>
+            </a:r>
+            <a:r>
+              <a:rPr lang="es-ES" dirty="0" smtClean="0"/>
+              <a:t>="mostrar();"&gt;Pulsar&lt;</a:t>
+            </a:r>
+            <a:r>
+              <a:rPr lang="es-ES" dirty="0" err="1" smtClean="0"/>
+              <a:t>button</a:t>
+            </a:r>
+            <a:r>
+              <a:rPr lang="es-ES" dirty="0" smtClean="0"/>
+              <a:t>&gt;</a:t>
+            </a:r>
+          </a:p>
+          <a:p>
+            <a:endParaRPr lang="es-ES" dirty="0" smtClean="0"/>
+          </a:p>
+          <a:p>
+            <a:endParaRPr lang="es-ES" dirty="0" smtClean="0"/>
+          </a:p>
+          <a:p>
+            <a:endParaRPr lang="es-ES" dirty="0" smtClean="0"/>
+          </a:p>
+          <a:p>
+            <a:r>
+              <a:rPr lang="es-ES" dirty="0" err="1" smtClean="0"/>
+              <a:t>function</a:t>
+            </a:r>
+            <a:r>
+              <a:rPr lang="es-ES" dirty="0" smtClean="0"/>
+              <a:t> mostrar(){</a:t>
+            </a:r>
+          </a:p>
+          <a:p>
+            <a:r>
+              <a:rPr lang="es-ES" dirty="0" smtClean="0"/>
+              <a:t>	console.log("hola");</a:t>
+            </a:r>
+          </a:p>
+          <a:p>
+            <a:r>
+              <a:rPr lang="es-ES" dirty="0" smtClean="0"/>
+              <a:t>}</a:t>
+            </a:r>
+            <a:endParaRPr lang="es-ES" dirty="0"/>
+          </a:p>
+        </p:txBody>
+      </p:sp>
+      <p:sp>
+        <p:nvSpPr>
+          <p:cNvPr id="5" name="4 CuadroTexto"/>
+          <p:cNvSpPr txBox="1"/>
+          <p:nvPr/>
+        </p:nvSpPr>
+        <p:spPr>
+          <a:xfrm>
+            <a:off x="827584" y="3573016"/>
+            <a:ext cx="6552728" cy="2862322"/>
+          </a:xfrm>
+          <a:prstGeom prst="rect">
+            <a:avLst/>
+          </a:prstGeom>
+          <a:noFill/>
+        </p:spPr>
+        <p:txBody>
+          <a:bodyPr wrap="square" rtlCol="0">
+            <a:spAutoFit/>
+          </a:bodyPr>
+          <a:lstStyle/>
+          <a:p>
+            <a:r>
+              <a:rPr lang="es-ES" dirty="0" smtClean="0"/>
+              <a:t>&lt;</a:t>
+            </a:r>
+            <a:r>
+              <a:rPr lang="es-ES" dirty="0" err="1" smtClean="0"/>
+              <a:t>button</a:t>
+            </a:r>
+            <a:r>
+              <a:rPr lang="es-ES" dirty="0" smtClean="0"/>
+              <a:t>  id="</a:t>
+            </a:r>
+            <a:r>
+              <a:rPr lang="es-ES" dirty="0" err="1" smtClean="0"/>
+              <a:t>boton</a:t>
+            </a:r>
+            <a:r>
+              <a:rPr lang="es-ES" dirty="0" smtClean="0"/>
+              <a:t>"&gt;Pulsar&lt;</a:t>
+            </a:r>
+            <a:r>
+              <a:rPr lang="es-ES" dirty="0" err="1" smtClean="0"/>
+              <a:t>button</a:t>
+            </a:r>
+            <a:r>
+              <a:rPr lang="es-ES" dirty="0" smtClean="0"/>
+              <a:t>&gt;</a:t>
+            </a:r>
+          </a:p>
+          <a:p>
+            <a:endParaRPr lang="es-ES" dirty="0" smtClean="0"/>
+          </a:p>
+          <a:p>
+            <a:endParaRPr lang="es-ES" dirty="0" smtClean="0"/>
+          </a:p>
+          <a:p>
+            <a:r>
+              <a:rPr lang="es-ES" dirty="0" err="1" smtClean="0"/>
+              <a:t>let</a:t>
+            </a:r>
+            <a:r>
+              <a:rPr lang="es-ES" dirty="0" smtClean="0"/>
+              <a:t> </a:t>
+            </a:r>
+            <a:r>
+              <a:rPr lang="es-ES" dirty="0" err="1" smtClean="0"/>
+              <a:t>objBoton</a:t>
+            </a:r>
+            <a:r>
+              <a:rPr lang="es-ES" dirty="0" smtClean="0"/>
+              <a:t>=</a:t>
+            </a:r>
+            <a:r>
+              <a:rPr lang="es-ES" dirty="0" err="1" smtClean="0"/>
+              <a:t>document.getElementById</a:t>
+            </a:r>
+            <a:r>
+              <a:rPr lang="es-ES" dirty="0" smtClean="0"/>
+              <a:t>("</a:t>
+            </a:r>
+            <a:r>
+              <a:rPr lang="es-ES" dirty="0" err="1" smtClean="0"/>
+              <a:t>boton</a:t>
+            </a:r>
+            <a:r>
+              <a:rPr lang="es-ES" dirty="0" smtClean="0"/>
+              <a:t>");</a:t>
+            </a:r>
+          </a:p>
+          <a:p>
+            <a:r>
+              <a:rPr lang="es-ES" dirty="0" err="1" smtClean="0"/>
+              <a:t>objBoton.addEventListener</a:t>
+            </a:r>
+            <a:r>
+              <a:rPr lang="es-ES" dirty="0" smtClean="0"/>
+              <a:t>("</a:t>
+            </a:r>
+            <a:r>
+              <a:rPr lang="es-ES" dirty="0" err="1" smtClean="0"/>
+              <a:t>click",function</a:t>
+            </a:r>
+            <a:r>
+              <a:rPr lang="es-ES" dirty="0" smtClean="0"/>
+              <a:t>(){</a:t>
+            </a:r>
+          </a:p>
+          <a:p>
+            <a:r>
+              <a:rPr lang="es-ES" dirty="0" smtClean="0"/>
+              <a:t>	console.log("hola");</a:t>
+            </a:r>
+          </a:p>
+          <a:p>
+            <a:r>
+              <a:rPr lang="es-ES" dirty="0" smtClean="0"/>
+              <a:t>});</a:t>
+            </a:r>
+          </a:p>
+          <a:p>
+            <a:endParaRPr lang="es-ES" dirty="0" smtClean="0"/>
+          </a:p>
+          <a:p>
+            <a:endParaRPr lang="es-ES" dirty="0" smtClean="0"/>
+          </a:p>
+          <a:p>
+            <a:endParaRPr lang="es-ES" dirty="0" smtClean="0"/>
+          </a:p>
+        </p:txBody>
+      </p:sp>
+      <p:cxnSp>
+        <p:nvCxnSpPr>
+          <p:cNvPr id="6" name="5 Conector recto"/>
+          <p:cNvCxnSpPr/>
+          <p:nvPr/>
+        </p:nvCxnSpPr>
+        <p:spPr>
+          <a:xfrm>
+            <a:off x="467544" y="3140968"/>
+            <a:ext cx="7632848" cy="0"/>
+          </a:xfrm>
+          <a:prstGeom prst="line">
+            <a:avLst/>
+          </a:prstGeom>
+          <a:ln w="25400">
+            <a:solidFill>
+              <a:schemeClr val="tx1"/>
+            </a:solidFill>
+          </a:ln>
+        </p:spPr>
+        <p:style>
+          <a:lnRef idx="1">
+            <a:schemeClr val="accent1"/>
+          </a:lnRef>
+          <a:fillRef idx="0">
+            <a:schemeClr val="accent1"/>
+          </a:fillRef>
+          <a:effectRef idx="0">
+            <a:schemeClr val="accent1"/>
+          </a:effectRef>
+          <a:fontRef idx="minor">
+            <a:schemeClr val="tx1"/>
+          </a:fontRef>
+        </p:style>
+      </p:cxnSp>
+      <p:sp>
+        <p:nvSpPr>
+          <p:cNvPr id="7" name="6 Rectángulo"/>
+          <p:cNvSpPr/>
+          <p:nvPr/>
+        </p:nvSpPr>
+        <p:spPr>
+          <a:xfrm>
+            <a:off x="6372200" y="1412776"/>
+            <a:ext cx="2059346" cy="923330"/>
+          </a:xfrm>
+          <a:prstGeom prst="rect">
+            <a:avLst/>
+          </a:prstGeom>
+          <a:noFill/>
+        </p:spPr>
+        <p:txBody>
+          <a:bodyPr wrap="none" lIns="91440" tIns="45720" rIns="91440" bIns="45720">
+            <a:spAutoFit/>
+          </a:bodyPr>
+          <a:lstStyle/>
+          <a:p>
+            <a:pPr algn="ctr"/>
+            <a:r>
+              <a:rPr lang="es-ES" sz="5400" b="1" cap="none" spc="0" dirty="0" smtClean="0">
+                <a:ln w="17780" cmpd="sng">
+                  <a:solidFill>
+                    <a:srgbClr val="FFFFFF"/>
+                  </a:solidFill>
+                  <a:prstDash val="solid"/>
+                  <a:miter lim="800000"/>
+                </a:ln>
+                <a:gradFill rotWithShape="1">
+                  <a:gsLst>
+                    <a:gs pos="0">
+                      <a:srgbClr val="000000">
+                        <a:tint val="92000"/>
+                        <a:shade val="100000"/>
+                        <a:satMod val="150000"/>
+                      </a:srgbClr>
+                    </a:gs>
+                    <a:gs pos="49000">
+                      <a:srgbClr val="000000">
+                        <a:tint val="89000"/>
+                        <a:shade val="90000"/>
+                        <a:satMod val="150000"/>
+                      </a:srgbClr>
+                    </a:gs>
+                    <a:gs pos="50000">
+                      <a:srgbClr val="000000">
+                        <a:tint val="100000"/>
+                        <a:shade val="75000"/>
+                        <a:satMod val="150000"/>
+                      </a:srgbClr>
+                    </a:gs>
+                    <a:gs pos="95000">
+                      <a:srgbClr val="000000">
+                        <a:shade val="47000"/>
+                        <a:satMod val="150000"/>
+                      </a:srgbClr>
+                    </a:gs>
+                    <a:gs pos="100000">
+                      <a:srgbClr val="000000">
+                        <a:shade val="39000"/>
+                        <a:satMod val="150000"/>
+                      </a:srgbClr>
+                    </a:gs>
+                  </a:gsLst>
+                  <a:lin ang="5400000"/>
+                </a:gradFill>
+                <a:effectLst>
+                  <a:outerShdw blurRad="50800" algn="tl" rotWithShape="0">
+                    <a:srgbClr val="000000"/>
+                  </a:outerShdw>
+                </a:effectLst>
+              </a:rPr>
+              <a:t>clásica</a:t>
+            </a:r>
+            <a:endParaRPr lang="es-ES" sz="5400" b="1" cap="none" spc="0" dirty="0">
+              <a:ln w="17780" cmpd="sng">
+                <a:solidFill>
+                  <a:srgbClr val="FFFFFF"/>
+                </a:solidFill>
+                <a:prstDash val="solid"/>
+                <a:miter lim="800000"/>
+              </a:ln>
+              <a:gradFill rotWithShape="1">
+                <a:gsLst>
+                  <a:gs pos="0">
+                    <a:srgbClr val="000000">
+                      <a:tint val="92000"/>
+                      <a:shade val="100000"/>
+                      <a:satMod val="150000"/>
+                    </a:srgbClr>
+                  </a:gs>
+                  <a:gs pos="49000">
+                    <a:srgbClr val="000000">
+                      <a:tint val="89000"/>
+                      <a:shade val="90000"/>
+                      <a:satMod val="150000"/>
+                    </a:srgbClr>
+                  </a:gs>
+                  <a:gs pos="50000">
+                    <a:srgbClr val="000000">
+                      <a:tint val="100000"/>
+                      <a:shade val="75000"/>
+                      <a:satMod val="150000"/>
+                    </a:srgbClr>
+                  </a:gs>
+                  <a:gs pos="95000">
+                    <a:srgbClr val="000000">
+                      <a:shade val="47000"/>
+                      <a:satMod val="150000"/>
+                    </a:srgbClr>
+                  </a:gs>
+                  <a:gs pos="100000">
+                    <a:srgbClr val="000000">
+                      <a:shade val="39000"/>
+                      <a:satMod val="150000"/>
+                    </a:srgbClr>
+                  </a:gs>
+                </a:gsLst>
+                <a:lin ang="5400000"/>
+              </a:gradFill>
+              <a:effectLst>
+                <a:outerShdw blurRad="50800" algn="tl" rotWithShape="0">
+                  <a:srgbClr val="000000"/>
+                </a:outerShdw>
+              </a:effectLst>
+            </a:endParaRPr>
+          </a:p>
+        </p:txBody>
+      </p:sp>
+      <p:sp>
+        <p:nvSpPr>
+          <p:cNvPr id="8" name="7 Rectángulo"/>
+          <p:cNvSpPr/>
+          <p:nvPr/>
+        </p:nvSpPr>
+        <p:spPr>
+          <a:xfrm>
+            <a:off x="5899956" y="3645024"/>
+            <a:ext cx="2715808" cy="1754326"/>
+          </a:xfrm>
+          <a:prstGeom prst="rect">
+            <a:avLst/>
+          </a:prstGeom>
+          <a:noFill/>
+        </p:spPr>
+        <p:txBody>
+          <a:bodyPr wrap="none" lIns="91440" tIns="45720" rIns="91440" bIns="45720">
+            <a:spAutoFit/>
+          </a:bodyPr>
+          <a:lstStyle/>
+          <a:p>
+            <a:pPr algn="ctr"/>
+            <a:r>
+              <a:rPr lang="es-ES" sz="5400" b="1" cap="none" spc="0" dirty="0" smtClean="0">
+                <a:ln w="17780" cmpd="sng">
+                  <a:solidFill>
+                    <a:srgbClr val="FFFFFF"/>
+                  </a:solidFill>
+                  <a:prstDash val="solid"/>
+                  <a:miter lim="800000"/>
+                </a:ln>
+                <a:gradFill rotWithShape="1">
+                  <a:gsLst>
+                    <a:gs pos="0">
+                      <a:srgbClr val="000000">
+                        <a:tint val="92000"/>
+                        <a:shade val="100000"/>
+                        <a:satMod val="150000"/>
+                      </a:srgbClr>
+                    </a:gs>
+                    <a:gs pos="49000">
+                      <a:srgbClr val="000000">
+                        <a:tint val="89000"/>
+                        <a:shade val="90000"/>
+                        <a:satMod val="150000"/>
+                      </a:srgbClr>
+                    </a:gs>
+                    <a:gs pos="50000">
+                      <a:srgbClr val="000000">
+                        <a:tint val="100000"/>
+                        <a:shade val="75000"/>
+                        <a:satMod val="150000"/>
+                      </a:srgbClr>
+                    </a:gs>
+                    <a:gs pos="95000">
+                      <a:srgbClr val="000000">
+                        <a:shade val="47000"/>
+                        <a:satMod val="150000"/>
+                      </a:srgbClr>
+                    </a:gs>
+                    <a:gs pos="100000">
+                      <a:srgbClr val="000000">
+                        <a:shade val="39000"/>
+                        <a:satMod val="150000"/>
+                      </a:srgbClr>
+                    </a:gs>
+                  </a:gsLst>
+                  <a:lin ang="5400000"/>
+                </a:gradFill>
+                <a:effectLst>
+                  <a:outerShdw blurRad="50800" algn="tl" rotWithShape="0">
+                    <a:srgbClr val="000000"/>
+                  </a:outerShdw>
+                </a:effectLst>
+              </a:rPr>
+              <a:t>función </a:t>
+            </a:r>
+          </a:p>
+          <a:p>
+            <a:pPr algn="ctr"/>
+            <a:r>
+              <a:rPr lang="es-ES" sz="5400" b="1" cap="none" spc="0" dirty="0" smtClean="0">
+                <a:ln w="17780" cmpd="sng">
+                  <a:solidFill>
+                    <a:srgbClr val="FFFFFF"/>
+                  </a:solidFill>
+                  <a:prstDash val="solid"/>
+                  <a:miter lim="800000"/>
+                </a:ln>
+                <a:gradFill rotWithShape="1">
+                  <a:gsLst>
+                    <a:gs pos="0">
+                      <a:srgbClr val="000000">
+                        <a:tint val="92000"/>
+                        <a:shade val="100000"/>
+                        <a:satMod val="150000"/>
+                      </a:srgbClr>
+                    </a:gs>
+                    <a:gs pos="49000">
+                      <a:srgbClr val="000000">
+                        <a:tint val="89000"/>
+                        <a:shade val="90000"/>
+                        <a:satMod val="150000"/>
+                      </a:srgbClr>
+                    </a:gs>
+                    <a:gs pos="50000">
+                      <a:srgbClr val="000000">
+                        <a:tint val="100000"/>
+                        <a:shade val="75000"/>
+                        <a:satMod val="150000"/>
+                      </a:srgbClr>
+                    </a:gs>
+                    <a:gs pos="95000">
+                      <a:srgbClr val="000000">
+                        <a:shade val="47000"/>
+                        <a:satMod val="150000"/>
+                      </a:srgbClr>
+                    </a:gs>
+                    <a:gs pos="100000">
+                      <a:srgbClr val="000000">
+                        <a:shade val="39000"/>
+                        <a:satMod val="150000"/>
+                      </a:srgbClr>
+                    </a:gs>
+                  </a:gsLst>
+                  <a:lin ang="5400000"/>
+                </a:gradFill>
+                <a:effectLst>
+                  <a:outerShdw blurRad="50800" algn="tl" rotWithShape="0">
+                    <a:srgbClr val="000000"/>
+                  </a:outerShdw>
+                </a:effectLst>
+              </a:rPr>
+              <a:t>anónima</a:t>
+            </a:r>
+            <a:endParaRPr lang="es-ES" sz="5400" b="1" cap="none" spc="0" dirty="0">
+              <a:ln w="17780" cmpd="sng">
+                <a:solidFill>
+                  <a:srgbClr val="FFFFFF"/>
+                </a:solidFill>
+                <a:prstDash val="solid"/>
+                <a:miter lim="800000"/>
+              </a:ln>
+              <a:gradFill rotWithShape="1">
+                <a:gsLst>
+                  <a:gs pos="0">
+                    <a:srgbClr val="000000">
+                      <a:tint val="92000"/>
+                      <a:shade val="100000"/>
+                      <a:satMod val="150000"/>
+                    </a:srgbClr>
+                  </a:gs>
+                  <a:gs pos="49000">
+                    <a:srgbClr val="000000">
+                      <a:tint val="89000"/>
+                      <a:shade val="90000"/>
+                      <a:satMod val="150000"/>
+                    </a:srgbClr>
+                  </a:gs>
+                  <a:gs pos="50000">
+                    <a:srgbClr val="000000">
+                      <a:tint val="100000"/>
+                      <a:shade val="75000"/>
+                      <a:satMod val="150000"/>
+                    </a:srgbClr>
+                  </a:gs>
+                  <a:gs pos="95000">
+                    <a:srgbClr val="000000">
+                      <a:shade val="47000"/>
+                      <a:satMod val="150000"/>
+                    </a:srgbClr>
+                  </a:gs>
+                  <a:gs pos="100000">
+                    <a:srgbClr val="000000">
+                      <a:shade val="39000"/>
+                      <a:satMod val="150000"/>
+                    </a:srgbClr>
+                  </a:gs>
+                </a:gsLst>
+                <a:lin ang="5400000"/>
+              </a:gradFill>
+              <a:effectLst>
+                <a:outerShdw blurRad="50800" algn="tl" rotWithShape="0">
+                  <a:srgbClr val="000000"/>
+                </a:outerShdw>
+              </a:effectLst>
+            </a:endParaRPr>
+          </a:p>
+        </p:txBody>
+      </p:sp>
+    </p:spTree>
+  </p:cSld>
+  <p:clrMapOvr>
+    <a:masterClrMapping/>
+  </p:clrMapOvr>
+</p:sld>
+</file>
+
+<file path=ppt/slides/slide23.xml><?xml version="1.0" encoding="utf-8"?>
+<p:sld xmlns:a="http://schemas.openxmlformats.org/drawingml/2006/main" xmlns:r="http://schemas.openxmlformats.org/officeDocument/2006/relationships" xmlns:p="http://schemas.openxmlformats.org/presentationml/2006/main">
+  <p:cSld>
+    <p:spTree>
+      <p:nvGrpSpPr>
+        <p:cNvPr id="1" name=""/>
+        <p:cNvGrpSpPr/>
+        <p:nvPr/>
+      </p:nvGrpSpPr>
+      <p:grpSpPr>
+        <a:xfrm>
+          <a:off x="0" y="0"/>
+          <a:ext cx="0" cy="0"/>
+          <a:chOff x="0" y="0"/>
+          <a:chExt cx="0" cy="0"/>
+        </a:xfrm>
+      </p:grpSpPr>
+      <p:sp>
+        <p:nvSpPr>
+          <p:cNvPr id="2" name="1 CuadroTexto"/>
+          <p:cNvSpPr txBox="1"/>
+          <p:nvPr/>
+        </p:nvSpPr>
+        <p:spPr>
+          <a:xfrm>
+            <a:off x="971600" y="260648"/>
+            <a:ext cx="6840760" cy="369332"/>
+          </a:xfrm>
+          <a:prstGeom prst="rect">
+            <a:avLst/>
+          </a:prstGeom>
+          <a:noFill/>
+        </p:spPr>
+        <p:txBody>
+          <a:bodyPr wrap="square" rtlCol="0">
+            <a:spAutoFit/>
+          </a:bodyPr>
+          <a:lstStyle/>
+          <a:p>
+            <a:r>
+              <a:rPr lang="es-ES" b="1" dirty="0" err="1" smtClean="0"/>
+              <a:t>Busquedas</a:t>
+            </a:r>
+            <a:r>
+              <a:rPr lang="es-ES" b="1" dirty="0" smtClean="0"/>
+              <a:t>, comprobaciones y filtrado de </a:t>
+            </a:r>
+            <a:r>
+              <a:rPr lang="es-ES" b="1" dirty="0" err="1" smtClean="0"/>
+              <a:t>arrays</a:t>
+            </a:r>
+            <a:endParaRPr lang="es-ES" b="1" dirty="0"/>
+          </a:p>
+        </p:txBody>
+      </p:sp>
+      <p:sp>
+        <p:nvSpPr>
+          <p:cNvPr id="3" name="2 CuadroTexto"/>
+          <p:cNvSpPr txBox="1"/>
+          <p:nvPr/>
+        </p:nvSpPr>
+        <p:spPr>
+          <a:xfrm>
+            <a:off x="683568" y="1124744"/>
+            <a:ext cx="5688632" cy="3139321"/>
+          </a:xfrm>
+          <a:prstGeom prst="rect">
+            <a:avLst/>
+          </a:prstGeom>
+          <a:noFill/>
+        </p:spPr>
+        <p:txBody>
+          <a:bodyPr wrap="square" rtlCol="0">
+            <a:spAutoFit/>
+          </a:bodyPr>
+          <a:lstStyle/>
+          <a:p>
+            <a:r>
+              <a:rPr lang="es-ES" dirty="0" smtClean="0"/>
+              <a:t>Se realizan estas tareas utilizando métodos de un </a:t>
+            </a:r>
+            <a:r>
+              <a:rPr lang="es-ES" dirty="0" err="1" smtClean="0"/>
+              <a:t>array</a:t>
+            </a:r>
+            <a:r>
+              <a:rPr lang="es-ES" dirty="0" smtClean="0"/>
+              <a:t>, a los que se les debe proporcionar una función:</a:t>
+            </a:r>
+          </a:p>
+          <a:p>
+            <a:endParaRPr lang="es-ES" dirty="0" smtClean="0"/>
+          </a:p>
+          <a:p>
+            <a:r>
+              <a:rPr lang="es-ES" dirty="0" smtClean="0"/>
+              <a:t>-</a:t>
+            </a:r>
+            <a:r>
+              <a:rPr lang="es-ES" dirty="0" err="1" smtClean="0"/>
+              <a:t>some</a:t>
+            </a:r>
+            <a:r>
+              <a:rPr lang="es-ES" dirty="0" smtClean="0"/>
+              <a:t>(</a:t>
+            </a:r>
+            <a:r>
+              <a:rPr lang="es-ES" dirty="0" err="1" smtClean="0"/>
+              <a:t>funcion_boolean</a:t>
+            </a:r>
+            <a:r>
+              <a:rPr lang="es-ES" dirty="0" smtClean="0"/>
+              <a:t>). Indica si alguno de los elementos del </a:t>
+            </a:r>
+            <a:r>
+              <a:rPr lang="es-ES" dirty="0" err="1" smtClean="0"/>
+              <a:t>array</a:t>
+            </a:r>
+            <a:r>
+              <a:rPr lang="es-ES" dirty="0" smtClean="0"/>
+              <a:t> cumple la función</a:t>
+            </a:r>
+          </a:p>
+          <a:p>
+            <a:endParaRPr lang="es-ES" dirty="0" smtClean="0"/>
+          </a:p>
+          <a:p>
+            <a:r>
+              <a:rPr lang="es-ES" dirty="0" smtClean="0"/>
+              <a:t>-</a:t>
+            </a:r>
+            <a:r>
+              <a:rPr lang="es-ES" dirty="0" err="1" smtClean="0"/>
+              <a:t>filter</a:t>
+            </a:r>
+            <a:r>
+              <a:rPr lang="es-ES" dirty="0" smtClean="0"/>
+              <a:t>(</a:t>
+            </a:r>
+            <a:r>
+              <a:rPr lang="es-ES" dirty="0" err="1" smtClean="0"/>
+              <a:t>funcion_boolean</a:t>
+            </a:r>
+            <a:r>
+              <a:rPr lang="es-ES" dirty="0" smtClean="0"/>
+              <a:t>). Devuelve un nuevo </a:t>
+            </a:r>
+            <a:r>
+              <a:rPr lang="es-ES" dirty="0" err="1" smtClean="0"/>
+              <a:t>array</a:t>
+            </a:r>
+            <a:r>
+              <a:rPr lang="es-ES" dirty="0" smtClean="0"/>
+              <a:t>, con los elementos que cumplen la función</a:t>
+            </a:r>
+          </a:p>
+          <a:p>
+            <a:endParaRPr lang="es-ES" dirty="0" smtClean="0"/>
+          </a:p>
+          <a:p>
+            <a:r>
+              <a:rPr lang="es-ES" dirty="0" smtClean="0"/>
+              <a:t>-</a:t>
+            </a:r>
+            <a:r>
+              <a:rPr lang="es-ES" dirty="0" err="1" smtClean="0"/>
+              <a:t>forEach</a:t>
+            </a:r>
+            <a:r>
+              <a:rPr lang="es-ES" dirty="0" smtClean="0"/>
+              <a:t>(</a:t>
+            </a:r>
+            <a:r>
+              <a:rPr lang="es-ES" dirty="0" err="1" smtClean="0"/>
+              <a:t>function_procesar</a:t>
+            </a:r>
+            <a:r>
+              <a:rPr lang="es-ES" dirty="0" smtClean="0"/>
+              <a:t>). Aplica la función a cada elemento del </a:t>
+            </a:r>
+            <a:r>
+              <a:rPr lang="es-ES" smtClean="0"/>
+              <a:t>array </a:t>
+            </a:r>
+            <a:endParaRPr lang="es-ES" dirty="0"/>
+          </a:p>
+        </p:txBody>
+      </p:sp>
     </p:spTree>
   </p:cSld>
   <p:clrMapOvr>

--- a/pizarra.pptx
+++ b/pizarra.pptx
@@ -28,6 +28,8 @@
     <p:sldId id="276" r:id="rId22"/>
     <p:sldId id="277" r:id="rId23"/>
     <p:sldId id="278" r:id="rId24"/>
+    <p:sldId id="279" r:id="rId25"/>
+    <p:sldId id="280" r:id="rId26"/>
   </p:sldIdLst>
   <p:sldSz cx="9144000" cy="6858000" type="screen4x3"/>
   <p:notesSz cx="6858000" cy="9144000"/>
@@ -311,7 +313,7 @@
             <a:fld id="{7A847CFC-816F-41D0-AAC0-9BF4FEBC753E}" type="datetimeFigureOut">
               <a:rPr lang="es-ES" smtClean="0"/>
               <a:pPr/>
-              <a:t>22/04/2025</a:t>
+              <a:t>23/04/2025</a:t>
             </a:fld>
             <a:endParaRPr lang="es-ES"/>
           </a:p>
@@ -478,7 +480,7 @@
             <a:fld id="{7A847CFC-816F-41D0-AAC0-9BF4FEBC753E}" type="datetimeFigureOut">
               <a:rPr lang="es-ES" smtClean="0"/>
               <a:pPr/>
-              <a:t>22/04/2025</a:t>
+              <a:t>23/04/2025</a:t>
             </a:fld>
             <a:endParaRPr lang="es-ES"/>
           </a:p>
@@ -655,7 +657,7 @@
             <a:fld id="{7A847CFC-816F-41D0-AAC0-9BF4FEBC753E}" type="datetimeFigureOut">
               <a:rPr lang="es-ES" smtClean="0"/>
               <a:pPr/>
-              <a:t>22/04/2025</a:t>
+              <a:t>23/04/2025</a:t>
             </a:fld>
             <a:endParaRPr lang="es-ES"/>
           </a:p>
@@ -822,7 +824,7 @@
             <a:fld id="{7A847CFC-816F-41D0-AAC0-9BF4FEBC753E}" type="datetimeFigureOut">
               <a:rPr lang="es-ES" smtClean="0"/>
               <a:pPr/>
-              <a:t>22/04/2025</a:t>
+              <a:t>23/04/2025</a:t>
             </a:fld>
             <a:endParaRPr lang="es-ES"/>
           </a:p>
@@ -1065,7 +1067,7 @@
             <a:fld id="{7A847CFC-816F-41D0-AAC0-9BF4FEBC753E}" type="datetimeFigureOut">
               <a:rPr lang="es-ES" smtClean="0"/>
               <a:pPr/>
-              <a:t>22/04/2025</a:t>
+              <a:t>23/04/2025</a:t>
             </a:fld>
             <a:endParaRPr lang="es-ES"/>
           </a:p>
@@ -1350,7 +1352,7 @@
             <a:fld id="{7A847CFC-816F-41D0-AAC0-9BF4FEBC753E}" type="datetimeFigureOut">
               <a:rPr lang="es-ES" smtClean="0"/>
               <a:pPr/>
-              <a:t>22/04/2025</a:t>
+              <a:t>23/04/2025</a:t>
             </a:fld>
             <a:endParaRPr lang="es-ES"/>
           </a:p>
@@ -1769,7 +1771,7 @@
             <a:fld id="{7A847CFC-816F-41D0-AAC0-9BF4FEBC753E}" type="datetimeFigureOut">
               <a:rPr lang="es-ES" smtClean="0"/>
               <a:pPr/>
-              <a:t>22/04/2025</a:t>
+              <a:t>23/04/2025</a:t>
             </a:fld>
             <a:endParaRPr lang="es-ES"/>
           </a:p>
@@ -1884,7 +1886,7 @@
             <a:fld id="{7A847CFC-816F-41D0-AAC0-9BF4FEBC753E}" type="datetimeFigureOut">
               <a:rPr lang="es-ES" smtClean="0"/>
               <a:pPr/>
-              <a:t>22/04/2025</a:t>
+              <a:t>23/04/2025</a:t>
             </a:fld>
             <a:endParaRPr lang="es-ES"/>
           </a:p>
@@ -1976,7 +1978,7 @@
             <a:fld id="{7A847CFC-816F-41D0-AAC0-9BF4FEBC753E}" type="datetimeFigureOut">
               <a:rPr lang="es-ES" smtClean="0"/>
               <a:pPr/>
-              <a:t>22/04/2025</a:t>
+              <a:t>23/04/2025</a:t>
             </a:fld>
             <a:endParaRPr lang="es-ES"/>
           </a:p>
@@ -2250,7 +2252,7 @@
             <a:fld id="{7A847CFC-816F-41D0-AAC0-9BF4FEBC753E}" type="datetimeFigureOut">
               <a:rPr lang="es-ES" smtClean="0"/>
               <a:pPr/>
-              <a:t>22/04/2025</a:t>
+              <a:t>23/04/2025</a:t>
             </a:fld>
             <a:endParaRPr lang="es-ES"/>
           </a:p>
@@ -2500,7 +2502,7 @@
             <a:fld id="{7A847CFC-816F-41D0-AAC0-9BF4FEBC753E}" type="datetimeFigureOut">
               <a:rPr lang="es-ES" smtClean="0"/>
               <a:pPr/>
-              <a:t>22/04/2025</a:t>
+              <a:t>23/04/2025</a:t>
             </a:fld>
             <a:endParaRPr lang="es-ES"/>
           </a:p>
@@ -2710,7 +2712,7 @@
             <a:fld id="{7A847CFC-816F-41D0-AAC0-9BF4FEBC753E}" type="datetimeFigureOut">
               <a:rPr lang="es-ES" smtClean="0"/>
               <a:pPr/>
-              <a:t>22/04/2025</a:t>
+              <a:t>23/04/2025</a:t>
             </a:fld>
             <a:endParaRPr lang="es-ES"/>
           </a:p>
@@ -8636,7 +8638,7 @@
         <p:spPr>
           <a:xfrm>
             <a:off x="683568" y="1124744"/>
-            <a:ext cx="5688632" cy="3139321"/>
+            <a:ext cx="7272808" cy="4524315"/>
           </a:xfrm>
           <a:prstGeom prst="rect">
             <a:avLst/>
@@ -8753,8 +8755,962 @@
               <a:t>). Aplica la función a cada elemento del </a:t>
             </a:r>
             <a:r>
-              <a:rPr lang="es-ES" smtClean="0"/>
-              <a:t>array </a:t>
+              <a:rPr lang="es-ES" dirty="0" err="1" smtClean="0"/>
+              <a:t>array</a:t>
+            </a:r>
+            <a:endParaRPr lang="es-ES" dirty="0" smtClean="0"/>
+          </a:p>
+          <a:p>
+            <a:endParaRPr lang="es-ES" dirty="0" smtClean="0"/>
+          </a:p>
+          <a:p>
+            <a:r>
+              <a:rPr lang="es-ES" dirty="0" smtClean="0"/>
+              <a:t>-reduce(</a:t>
+            </a:r>
+            <a:r>
+              <a:rPr lang="es-ES" dirty="0" err="1" smtClean="0"/>
+              <a:t>funcion_operacion</a:t>
+            </a:r>
+            <a:r>
+              <a:rPr lang="es-ES" dirty="0" smtClean="0"/>
+              <a:t>). Aplica la función a cada pareja de datos, hasta dejar un único valor</a:t>
+            </a:r>
+          </a:p>
+          <a:p>
+            <a:endParaRPr lang="es-ES" dirty="0" smtClean="0"/>
+          </a:p>
+          <a:p>
+            <a:r>
+              <a:rPr lang="es-ES" dirty="0" smtClean="0"/>
+              <a:t>-</a:t>
+            </a:r>
+            <a:r>
+              <a:rPr lang="es-ES" dirty="0" err="1" smtClean="0"/>
+              <a:t>map</a:t>
+            </a:r>
+            <a:r>
+              <a:rPr lang="es-ES" dirty="0" smtClean="0"/>
+              <a:t>(</a:t>
+            </a:r>
+            <a:r>
+              <a:rPr lang="es-ES" dirty="0" err="1" smtClean="0"/>
+              <a:t>funcion_transformacion</a:t>
+            </a:r>
+            <a:r>
+              <a:rPr lang="es-ES" dirty="0" smtClean="0"/>
+              <a:t>). Transforma un </a:t>
+            </a:r>
+            <a:r>
+              <a:rPr lang="es-ES" dirty="0" err="1" smtClean="0"/>
+              <a:t>array</a:t>
+            </a:r>
+            <a:r>
+              <a:rPr lang="es-ES" dirty="0" smtClean="0"/>
+              <a:t> de datos en otro </a:t>
+            </a:r>
+            <a:r>
+              <a:rPr lang="es-ES" dirty="0" err="1" smtClean="0"/>
+              <a:t>array</a:t>
+            </a:r>
+            <a:r>
+              <a:rPr lang="es-ES" dirty="0" smtClean="0"/>
+              <a:t>, resultante de aplicar a cada dato la función</a:t>
+            </a:r>
+            <a:r>
+              <a:rPr lang="es-ES" dirty="0" smtClean="0"/>
+              <a:t> </a:t>
+            </a:r>
+            <a:endParaRPr lang="es-ES" dirty="0"/>
+          </a:p>
+        </p:txBody>
+      </p:sp>
+    </p:spTree>
+  </p:cSld>
+  <p:clrMapOvr>
+    <a:masterClrMapping/>
+  </p:clrMapOvr>
+</p:sld>
+</file>
+
+<file path=ppt/slides/slide24.xml><?xml version="1.0" encoding="utf-8"?>
+<p:sld xmlns:a="http://schemas.openxmlformats.org/drawingml/2006/main" xmlns:r="http://schemas.openxmlformats.org/officeDocument/2006/relationships" xmlns:p="http://schemas.openxmlformats.org/presentationml/2006/main">
+  <p:cSld>
+    <p:spTree>
+      <p:nvGrpSpPr>
+        <p:cNvPr id="1" name=""/>
+        <p:cNvGrpSpPr/>
+        <p:nvPr/>
+      </p:nvGrpSpPr>
+      <p:grpSpPr>
+        <a:xfrm>
+          <a:off x="0" y="0"/>
+          <a:ext cx="0" cy="0"/>
+          <a:chOff x="0" y="0"/>
+          <a:chExt cx="0" cy="0"/>
+        </a:xfrm>
+      </p:grpSpPr>
+      <p:sp>
+        <p:nvSpPr>
+          <p:cNvPr id="2" name="1 CuadroTexto"/>
+          <p:cNvSpPr txBox="1"/>
+          <p:nvPr/>
+        </p:nvSpPr>
+        <p:spPr>
+          <a:xfrm>
+            <a:off x="971600" y="620688"/>
+            <a:ext cx="5040560" cy="523220"/>
+          </a:xfrm>
+          <a:prstGeom prst="rect">
+            <a:avLst/>
+          </a:prstGeom>
+          <a:noFill/>
+        </p:spPr>
+        <p:txBody>
+          <a:bodyPr wrap="square" rtlCol="0">
+            <a:spAutoFit/>
+          </a:bodyPr>
+          <a:lstStyle/>
+          <a:p>
+            <a:r>
+              <a:rPr lang="es-ES" sz="2800" b="1" dirty="0" smtClean="0"/>
+              <a:t>Función flecha o función lambda</a:t>
+            </a:r>
+            <a:endParaRPr lang="es-ES" sz="2800" b="1" dirty="0"/>
+          </a:p>
+        </p:txBody>
+      </p:sp>
+      <p:sp>
+        <p:nvSpPr>
+          <p:cNvPr id="3" name="2 CuadroTexto"/>
+          <p:cNvSpPr txBox="1"/>
+          <p:nvPr/>
+        </p:nvSpPr>
+        <p:spPr>
+          <a:xfrm>
+            <a:off x="467544" y="1412776"/>
+            <a:ext cx="6624736" cy="646331"/>
+          </a:xfrm>
+          <a:prstGeom prst="rect">
+            <a:avLst/>
+          </a:prstGeom>
+          <a:noFill/>
+        </p:spPr>
+        <p:txBody>
+          <a:bodyPr wrap="square" rtlCol="0">
+            <a:spAutoFit/>
+          </a:bodyPr>
+          <a:lstStyle/>
+          <a:p>
+            <a:r>
+              <a:rPr lang="es-ES" dirty="0" smtClean="0"/>
+              <a:t>Forma alternativa de escribir una función (anónima), más simple y reducida</a:t>
+            </a:r>
+            <a:endParaRPr lang="es-ES" dirty="0"/>
+          </a:p>
+        </p:txBody>
+      </p:sp>
+      <p:sp>
+        <p:nvSpPr>
+          <p:cNvPr id="4" name="3 CuadroTexto"/>
+          <p:cNvSpPr txBox="1"/>
+          <p:nvPr/>
+        </p:nvSpPr>
+        <p:spPr>
+          <a:xfrm>
+            <a:off x="323528" y="2492896"/>
+            <a:ext cx="3168352" cy="923330"/>
+          </a:xfrm>
+          <a:prstGeom prst="rect">
+            <a:avLst/>
+          </a:prstGeom>
+          <a:noFill/>
+        </p:spPr>
+        <p:txBody>
+          <a:bodyPr wrap="square" rtlCol="0">
+            <a:spAutoFit/>
+          </a:bodyPr>
+          <a:lstStyle/>
+          <a:p>
+            <a:r>
+              <a:rPr lang="es-ES" dirty="0" err="1" smtClean="0"/>
+              <a:t>function</a:t>
+            </a:r>
+            <a:r>
+              <a:rPr lang="es-ES" dirty="0" smtClean="0"/>
+              <a:t>(){</a:t>
+            </a:r>
+          </a:p>
+          <a:p>
+            <a:r>
+              <a:rPr lang="es-ES" dirty="0" smtClean="0"/>
+              <a:t>	console.log("</a:t>
+            </a:r>
+            <a:r>
+              <a:rPr lang="es-ES" dirty="0" err="1" smtClean="0"/>
+              <a:t>hello</a:t>
+            </a:r>
+            <a:r>
+              <a:rPr lang="es-ES" dirty="0" smtClean="0"/>
+              <a:t>");</a:t>
+            </a:r>
+          </a:p>
+          <a:p>
+            <a:r>
+              <a:rPr lang="es-ES" dirty="0" smtClean="0"/>
+              <a:t>}</a:t>
+            </a:r>
+            <a:endParaRPr lang="es-ES" dirty="0"/>
+          </a:p>
+        </p:txBody>
+      </p:sp>
+      <p:sp>
+        <p:nvSpPr>
+          <p:cNvPr id="5" name="4 Flecha derecha"/>
+          <p:cNvSpPr/>
+          <p:nvPr/>
+        </p:nvSpPr>
+        <p:spPr>
+          <a:xfrm>
+            <a:off x="3779912" y="2852936"/>
+            <a:ext cx="864096" cy="288032"/>
+          </a:xfrm>
+          <a:prstGeom prst="rightArrow">
+            <a:avLst/>
+          </a:prstGeom>
+        </p:spPr>
+        <p:style>
+          <a:lnRef idx="2">
+            <a:schemeClr val="accent1">
+              <a:shade val="50000"/>
+            </a:schemeClr>
+          </a:lnRef>
+          <a:fillRef idx="1">
+            <a:schemeClr val="accent1"/>
+          </a:fillRef>
+          <a:effectRef idx="0">
+            <a:schemeClr val="accent1"/>
+          </a:effectRef>
+          <a:fontRef idx="minor">
+            <a:schemeClr val="lt1"/>
+          </a:fontRef>
+        </p:style>
+        <p:txBody>
+          <a:bodyPr rtlCol="0" anchor="ctr"/>
+          <a:lstStyle/>
+          <a:p>
+            <a:pPr algn="ctr"/>
+            <a:endParaRPr lang="es-ES"/>
+          </a:p>
+        </p:txBody>
+      </p:sp>
+      <p:sp>
+        <p:nvSpPr>
+          <p:cNvPr id="6" name="5 CuadroTexto"/>
+          <p:cNvSpPr txBox="1"/>
+          <p:nvPr/>
+        </p:nvSpPr>
+        <p:spPr>
+          <a:xfrm>
+            <a:off x="4932040" y="2780928"/>
+            <a:ext cx="3168352" cy="369332"/>
+          </a:xfrm>
+          <a:prstGeom prst="rect">
+            <a:avLst/>
+          </a:prstGeom>
+          <a:noFill/>
+        </p:spPr>
+        <p:txBody>
+          <a:bodyPr wrap="square" rtlCol="0">
+            <a:spAutoFit/>
+          </a:bodyPr>
+          <a:lstStyle/>
+          <a:p>
+            <a:r>
+              <a:rPr lang="es-ES" dirty="0" smtClean="0"/>
+              <a:t>()=&gt;console.log("</a:t>
+            </a:r>
+            <a:r>
+              <a:rPr lang="es-ES" dirty="0" err="1" smtClean="0"/>
+              <a:t>hello</a:t>
+            </a:r>
+            <a:r>
+              <a:rPr lang="es-ES" dirty="0" smtClean="0"/>
+              <a:t>");</a:t>
+            </a:r>
+          </a:p>
+        </p:txBody>
+      </p:sp>
+      <p:sp>
+        <p:nvSpPr>
+          <p:cNvPr id="7" name="6 CuadroTexto"/>
+          <p:cNvSpPr txBox="1"/>
+          <p:nvPr/>
+        </p:nvSpPr>
+        <p:spPr>
+          <a:xfrm>
+            <a:off x="323528" y="3717032"/>
+            <a:ext cx="3168352" cy="923330"/>
+          </a:xfrm>
+          <a:prstGeom prst="rect">
+            <a:avLst/>
+          </a:prstGeom>
+          <a:noFill/>
+        </p:spPr>
+        <p:txBody>
+          <a:bodyPr wrap="square" rtlCol="0">
+            <a:spAutoFit/>
+          </a:bodyPr>
+          <a:lstStyle/>
+          <a:p>
+            <a:r>
+              <a:rPr lang="es-ES" dirty="0" err="1" smtClean="0"/>
+              <a:t>function</a:t>
+            </a:r>
+            <a:r>
+              <a:rPr lang="es-ES" dirty="0" smtClean="0"/>
+              <a:t>(n){</a:t>
+            </a:r>
+          </a:p>
+          <a:p>
+            <a:r>
+              <a:rPr lang="es-ES" dirty="0" smtClean="0"/>
+              <a:t>	console.log(n);</a:t>
+            </a:r>
+          </a:p>
+          <a:p>
+            <a:r>
+              <a:rPr lang="es-ES" dirty="0" smtClean="0"/>
+              <a:t>}</a:t>
+            </a:r>
+            <a:endParaRPr lang="es-ES" dirty="0"/>
+          </a:p>
+        </p:txBody>
+      </p:sp>
+      <p:sp>
+        <p:nvSpPr>
+          <p:cNvPr id="8" name="7 Flecha derecha"/>
+          <p:cNvSpPr/>
+          <p:nvPr/>
+        </p:nvSpPr>
+        <p:spPr>
+          <a:xfrm>
+            <a:off x="3419872" y="4077072"/>
+            <a:ext cx="864096" cy="288032"/>
+          </a:xfrm>
+          <a:prstGeom prst="rightArrow">
+            <a:avLst/>
+          </a:prstGeom>
+        </p:spPr>
+        <p:style>
+          <a:lnRef idx="2">
+            <a:schemeClr val="accent1">
+              <a:shade val="50000"/>
+            </a:schemeClr>
+          </a:lnRef>
+          <a:fillRef idx="1">
+            <a:schemeClr val="accent1"/>
+          </a:fillRef>
+          <a:effectRef idx="0">
+            <a:schemeClr val="accent1"/>
+          </a:effectRef>
+          <a:fontRef idx="minor">
+            <a:schemeClr val="lt1"/>
+          </a:fontRef>
+        </p:style>
+        <p:txBody>
+          <a:bodyPr rtlCol="0" anchor="ctr"/>
+          <a:lstStyle/>
+          <a:p>
+            <a:pPr algn="ctr"/>
+            <a:endParaRPr lang="es-ES"/>
+          </a:p>
+        </p:txBody>
+      </p:sp>
+      <p:sp>
+        <p:nvSpPr>
+          <p:cNvPr id="10" name="9 CuadroTexto"/>
+          <p:cNvSpPr txBox="1"/>
+          <p:nvPr/>
+        </p:nvSpPr>
+        <p:spPr>
+          <a:xfrm>
+            <a:off x="4788024" y="4005064"/>
+            <a:ext cx="3168352" cy="369332"/>
+          </a:xfrm>
+          <a:prstGeom prst="rect">
+            <a:avLst/>
+          </a:prstGeom>
+          <a:noFill/>
+        </p:spPr>
+        <p:txBody>
+          <a:bodyPr wrap="square" rtlCol="0">
+            <a:spAutoFit/>
+          </a:bodyPr>
+          <a:lstStyle/>
+          <a:p>
+            <a:r>
+              <a:rPr lang="es-ES" dirty="0" smtClean="0"/>
+              <a:t>n=&gt;console.log(n);</a:t>
+            </a:r>
+          </a:p>
+        </p:txBody>
+      </p:sp>
+      <p:sp>
+        <p:nvSpPr>
+          <p:cNvPr id="11" name="10 CuadroTexto"/>
+          <p:cNvSpPr txBox="1"/>
+          <p:nvPr/>
+        </p:nvSpPr>
+        <p:spPr>
+          <a:xfrm>
+            <a:off x="323528" y="4869160"/>
+            <a:ext cx="3168352" cy="923330"/>
+          </a:xfrm>
+          <a:prstGeom prst="rect">
+            <a:avLst/>
+          </a:prstGeom>
+          <a:noFill/>
+        </p:spPr>
+        <p:txBody>
+          <a:bodyPr wrap="square" rtlCol="0">
+            <a:spAutoFit/>
+          </a:bodyPr>
+          <a:lstStyle/>
+          <a:p>
+            <a:r>
+              <a:rPr lang="es-ES" dirty="0" err="1" smtClean="0"/>
+              <a:t>function</a:t>
+            </a:r>
+            <a:r>
+              <a:rPr lang="es-ES" dirty="0" smtClean="0"/>
+              <a:t>(n){</a:t>
+            </a:r>
+          </a:p>
+          <a:p>
+            <a:r>
+              <a:rPr lang="es-ES" dirty="0" smtClean="0"/>
+              <a:t>	</a:t>
+            </a:r>
+            <a:r>
+              <a:rPr lang="es-ES" dirty="0" err="1" smtClean="0"/>
+              <a:t>return</a:t>
+            </a:r>
+            <a:r>
+              <a:rPr lang="es-ES" dirty="0" smtClean="0"/>
+              <a:t> n&gt;0;</a:t>
+            </a:r>
+          </a:p>
+          <a:p>
+            <a:r>
+              <a:rPr lang="es-ES" dirty="0" smtClean="0"/>
+              <a:t>}</a:t>
+            </a:r>
+            <a:endParaRPr lang="es-ES" dirty="0"/>
+          </a:p>
+        </p:txBody>
+      </p:sp>
+      <p:sp>
+        <p:nvSpPr>
+          <p:cNvPr id="12" name="11 Flecha derecha"/>
+          <p:cNvSpPr/>
+          <p:nvPr/>
+        </p:nvSpPr>
+        <p:spPr>
+          <a:xfrm>
+            <a:off x="3419872" y="5229200"/>
+            <a:ext cx="864096" cy="288032"/>
+          </a:xfrm>
+          <a:prstGeom prst="rightArrow">
+            <a:avLst/>
+          </a:prstGeom>
+        </p:spPr>
+        <p:style>
+          <a:lnRef idx="2">
+            <a:schemeClr val="accent1">
+              <a:shade val="50000"/>
+            </a:schemeClr>
+          </a:lnRef>
+          <a:fillRef idx="1">
+            <a:schemeClr val="accent1"/>
+          </a:fillRef>
+          <a:effectRef idx="0">
+            <a:schemeClr val="accent1"/>
+          </a:effectRef>
+          <a:fontRef idx="minor">
+            <a:schemeClr val="lt1"/>
+          </a:fontRef>
+        </p:style>
+        <p:txBody>
+          <a:bodyPr rtlCol="0" anchor="ctr"/>
+          <a:lstStyle/>
+          <a:p>
+            <a:pPr algn="ctr"/>
+            <a:endParaRPr lang="es-ES"/>
+          </a:p>
+        </p:txBody>
+      </p:sp>
+      <p:sp>
+        <p:nvSpPr>
+          <p:cNvPr id="13" name="12 CuadroTexto"/>
+          <p:cNvSpPr txBox="1"/>
+          <p:nvPr/>
+        </p:nvSpPr>
+        <p:spPr>
+          <a:xfrm>
+            <a:off x="4788024" y="5157192"/>
+            <a:ext cx="1512168" cy="369332"/>
+          </a:xfrm>
+          <a:prstGeom prst="rect">
+            <a:avLst/>
+          </a:prstGeom>
+          <a:noFill/>
+        </p:spPr>
+        <p:txBody>
+          <a:bodyPr wrap="square" rtlCol="0">
+            <a:spAutoFit/>
+          </a:bodyPr>
+          <a:lstStyle/>
+          <a:p>
+            <a:r>
+              <a:rPr lang="es-ES" dirty="0" smtClean="0"/>
+              <a:t>(n) =&gt; n&gt;0;</a:t>
+            </a:r>
+          </a:p>
+        </p:txBody>
+      </p:sp>
+    </p:spTree>
+  </p:cSld>
+  <p:clrMapOvr>
+    <a:masterClrMapping/>
+  </p:clrMapOvr>
+</p:sld>
+</file>
+
+<file path=ppt/slides/slide25.xml><?xml version="1.0" encoding="utf-8"?>
+<p:sld xmlns:a="http://schemas.openxmlformats.org/drawingml/2006/main" xmlns:r="http://schemas.openxmlformats.org/officeDocument/2006/relationships" xmlns:p="http://schemas.openxmlformats.org/presentationml/2006/main">
+  <p:cSld>
+    <p:spTree>
+      <p:nvGrpSpPr>
+        <p:cNvPr id="1" name=""/>
+        <p:cNvGrpSpPr/>
+        <p:nvPr/>
+      </p:nvGrpSpPr>
+      <p:grpSpPr>
+        <a:xfrm>
+          <a:off x="0" y="0"/>
+          <a:ext cx="0" cy="0"/>
+          <a:chOff x="0" y="0"/>
+          <a:chExt cx="0" cy="0"/>
+        </a:xfrm>
+      </p:grpSpPr>
+      <p:sp>
+        <p:nvSpPr>
+          <p:cNvPr id="3" name="2 Rectángulo"/>
+          <p:cNvSpPr/>
+          <p:nvPr/>
+        </p:nvSpPr>
+        <p:spPr>
+          <a:xfrm>
+            <a:off x="971600" y="620688"/>
+            <a:ext cx="2736304" cy="504056"/>
+          </a:xfrm>
+          <a:prstGeom prst="rect">
+            <a:avLst/>
+          </a:prstGeom>
+          <a:noFill/>
+        </p:spPr>
+        <p:style>
+          <a:lnRef idx="2">
+            <a:schemeClr val="accent1">
+              <a:shade val="50000"/>
+            </a:schemeClr>
+          </a:lnRef>
+          <a:fillRef idx="1">
+            <a:schemeClr val="accent1"/>
+          </a:fillRef>
+          <a:effectRef idx="0">
+            <a:schemeClr val="accent1"/>
+          </a:effectRef>
+          <a:fontRef idx="minor">
+            <a:schemeClr val="lt1"/>
+          </a:fontRef>
+        </p:style>
+        <p:txBody>
+          <a:bodyPr rtlCol="0" anchor="ctr"/>
+          <a:lstStyle/>
+          <a:p>
+            <a:pPr algn="ctr"/>
+            <a:endParaRPr lang="es-ES"/>
+          </a:p>
+        </p:txBody>
+      </p:sp>
+      <p:cxnSp>
+        <p:nvCxnSpPr>
+          <p:cNvPr id="5" name="4 Conector recto"/>
+          <p:cNvCxnSpPr/>
+          <p:nvPr/>
+        </p:nvCxnSpPr>
+        <p:spPr>
+          <a:xfrm>
+            <a:off x="1547664" y="620688"/>
+            <a:ext cx="0" cy="504056"/>
+          </a:xfrm>
+          <a:prstGeom prst="line">
+            <a:avLst/>
+          </a:prstGeom>
+        </p:spPr>
+        <p:style>
+          <a:lnRef idx="1">
+            <a:schemeClr val="accent1"/>
+          </a:lnRef>
+          <a:fillRef idx="0">
+            <a:schemeClr val="accent1"/>
+          </a:fillRef>
+          <a:effectRef idx="0">
+            <a:schemeClr val="accent1"/>
+          </a:effectRef>
+          <a:fontRef idx="minor">
+            <a:schemeClr val="tx1"/>
+          </a:fontRef>
+        </p:style>
+      </p:cxnSp>
+      <p:sp>
+        <p:nvSpPr>
+          <p:cNvPr id="6" name="5 CuadroTexto"/>
+          <p:cNvSpPr txBox="1"/>
+          <p:nvPr/>
+        </p:nvSpPr>
+        <p:spPr>
+          <a:xfrm>
+            <a:off x="1043608" y="692696"/>
+            <a:ext cx="288032" cy="369332"/>
+          </a:xfrm>
+          <a:prstGeom prst="rect">
+            <a:avLst/>
+          </a:prstGeom>
+          <a:noFill/>
+        </p:spPr>
+        <p:txBody>
+          <a:bodyPr wrap="square" rtlCol="0">
+            <a:spAutoFit/>
+          </a:bodyPr>
+          <a:lstStyle/>
+          <a:p>
+            <a:r>
+              <a:rPr lang="es-ES" b="1" dirty="0" smtClean="0"/>
+              <a:t>5</a:t>
+            </a:r>
+            <a:endParaRPr lang="es-ES" dirty="0"/>
+          </a:p>
+        </p:txBody>
+      </p:sp>
+      <p:cxnSp>
+        <p:nvCxnSpPr>
+          <p:cNvPr id="7" name="6 Conector recto"/>
+          <p:cNvCxnSpPr/>
+          <p:nvPr/>
+        </p:nvCxnSpPr>
+        <p:spPr>
+          <a:xfrm>
+            <a:off x="2123728" y="620688"/>
+            <a:ext cx="0" cy="504056"/>
+          </a:xfrm>
+          <a:prstGeom prst="line">
+            <a:avLst/>
+          </a:prstGeom>
+        </p:spPr>
+        <p:style>
+          <a:lnRef idx="1">
+            <a:schemeClr val="accent1"/>
+          </a:lnRef>
+          <a:fillRef idx="0">
+            <a:schemeClr val="accent1"/>
+          </a:fillRef>
+          <a:effectRef idx="0">
+            <a:schemeClr val="accent1"/>
+          </a:effectRef>
+          <a:fontRef idx="minor">
+            <a:schemeClr val="tx1"/>
+          </a:fontRef>
+        </p:style>
+      </p:cxnSp>
+      <p:cxnSp>
+        <p:nvCxnSpPr>
+          <p:cNvPr id="8" name="7 Conector recto"/>
+          <p:cNvCxnSpPr/>
+          <p:nvPr/>
+        </p:nvCxnSpPr>
+        <p:spPr>
+          <a:xfrm>
+            <a:off x="2699792" y="620688"/>
+            <a:ext cx="0" cy="504056"/>
+          </a:xfrm>
+          <a:prstGeom prst="line">
+            <a:avLst/>
+          </a:prstGeom>
+        </p:spPr>
+        <p:style>
+          <a:lnRef idx="1">
+            <a:schemeClr val="accent1"/>
+          </a:lnRef>
+          <a:fillRef idx="0">
+            <a:schemeClr val="accent1"/>
+          </a:fillRef>
+          <a:effectRef idx="0">
+            <a:schemeClr val="accent1"/>
+          </a:effectRef>
+          <a:fontRef idx="minor">
+            <a:schemeClr val="tx1"/>
+          </a:fontRef>
+        </p:style>
+      </p:cxnSp>
+      <p:cxnSp>
+        <p:nvCxnSpPr>
+          <p:cNvPr id="9" name="8 Conector recto"/>
+          <p:cNvCxnSpPr/>
+          <p:nvPr/>
+        </p:nvCxnSpPr>
+        <p:spPr>
+          <a:xfrm>
+            <a:off x="3203848" y="620688"/>
+            <a:ext cx="0" cy="504056"/>
+          </a:xfrm>
+          <a:prstGeom prst="line">
+            <a:avLst/>
+          </a:prstGeom>
+        </p:spPr>
+        <p:style>
+          <a:lnRef idx="1">
+            <a:schemeClr val="accent1"/>
+          </a:lnRef>
+          <a:fillRef idx="0">
+            <a:schemeClr val="accent1"/>
+          </a:fillRef>
+          <a:effectRef idx="0">
+            <a:schemeClr val="accent1"/>
+          </a:effectRef>
+          <a:fontRef idx="minor">
+            <a:schemeClr val="tx1"/>
+          </a:fontRef>
+        </p:style>
+      </p:cxnSp>
+      <p:sp>
+        <p:nvSpPr>
+          <p:cNvPr id="10" name="9 CuadroTexto"/>
+          <p:cNvSpPr txBox="1"/>
+          <p:nvPr/>
+        </p:nvSpPr>
+        <p:spPr>
+          <a:xfrm>
+            <a:off x="1763688" y="692696"/>
+            <a:ext cx="288032" cy="369332"/>
+          </a:xfrm>
+          <a:prstGeom prst="rect">
+            <a:avLst/>
+          </a:prstGeom>
+          <a:noFill/>
+        </p:spPr>
+        <p:txBody>
+          <a:bodyPr wrap="square" rtlCol="0">
+            <a:spAutoFit/>
+          </a:bodyPr>
+          <a:lstStyle/>
+          <a:p>
+            <a:r>
+              <a:rPr lang="es-ES" b="1" dirty="0" smtClean="0"/>
+              <a:t>6</a:t>
+            </a:r>
+            <a:endParaRPr lang="es-ES" dirty="0"/>
+          </a:p>
+        </p:txBody>
+      </p:sp>
+      <p:sp>
+        <p:nvSpPr>
+          <p:cNvPr id="11" name="10 CuadroTexto"/>
+          <p:cNvSpPr txBox="1"/>
+          <p:nvPr/>
+        </p:nvSpPr>
+        <p:spPr>
+          <a:xfrm>
+            <a:off x="2267744" y="692696"/>
+            <a:ext cx="288032" cy="369332"/>
+          </a:xfrm>
+          <a:prstGeom prst="rect">
+            <a:avLst/>
+          </a:prstGeom>
+          <a:noFill/>
+        </p:spPr>
+        <p:txBody>
+          <a:bodyPr wrap="square" rtlCol="0">
+            <a:spAutoFit/>
+          </a:bodyPr>
+          <a:lstStyle/>
+          <a:p>
+            <a:r>
+              <a:rPr lang="es-ES" b="1" dirty="0" smtClean="0"/>
+              <a:t>1</a:t>
+            </a:r>
+            <a:endParaRPr lang="es-ES" dirty="0"/>
+          </a:p>
+        </p:txBody>
+      </p:sp>
+      <p:sp>
+        <p:nvSpPr>
+          <p:cNvPr id="12" name="11 CuadroTexto"/>
+          <p:cNvSpPr txBox="1"/>
+          <p:nvPr/>
+        </p:nvSpPr>
+        <p:spPr>
+          <a:xfrm>
+            <a:off x="2771800" y="692696"/>
+            <a:ext cx="288032" cy="369332"/>
+          </a:xfrm>
+          <a:prstGeom prst="rect">
+            <a:avLst/>
+          </a:prstGeom>
+          <a:noFill/>
+        </p:spPr>
+        <p:txBody>
+          <a:bodyPr wrap="square" rtlCol="0">
+            <a:spAutoFit/>
+          </a:bodyPr>
+          <a:lstStyle/>
+          <a:p>
+            <a:r>
+              <a:rPr lang="es-ES" b="1" dirty="0" smtClean="0"/>
+              <a:t>5</a:t>
+            </a:r>
+            <a:endParaRPr lang="es-ES" dirty="0"/>
+          </a:p>
+        </p:txBody>
+      </p:sp>
+      <p:sp>
+        <p:nvSpPr>
+          <p:cNvPr id="13" name="12 CuadroTexto"/>
+          <p:cNvSpPr txBox="1"/>
+          <p:nvPr/>
+        </p:nvSpPr>
+        <p:spPr>
+          <a:xfrm>
+            <a:off x="3275856" y="692696"/>
+            <a:ext cx="288032" cy="369332"/>
+          </a:xfrm>
+          <a:prstGeom prst="rect">
+            <a:avLst/>
+          </a:prstGeom>
+          <a:noFill/>
+        </p:spPr>
+        <p:txBody>
+          <a:bodyPr wrap="square" rtlCol="0">
+            <a:spAutoFit/>
+          </a:bodyPr>
+          <a:lstStyle/>
+          <a:p>
+            <a:r>
+              <a:rPr lang="es-ES" b="1" dirty="0" smtClean="0"/>
+              <a:t>3</a:t>
+            </a:r>
+            <a:endParaRPr lang="es-ES" dirty="0"/>
+          </a:p>
+        </p:txBody>
+      </p:sp>
+      <p:sp>
+        <p:nvSpPr>
+          <p:cNvPr id="14" name="13 Rectángulo"/>
+          <p:cNvSpPr/>
+          <p:nvPr/>
+        </p:nvSpPr>
+        <p:spPr>
+          <a:xfrm>
+            <a:off x="1115616" y="1700808"/>
+            <a:ext cx="432048" cy="432048"/>
+          </a:xfrm>
+          <a:prstGeom prst="rect">
+            <a:avLst/>
+          </a:prstGeom>
+          <a:noFill/>
+        </p:spPr>
+        <p:style>
+          <a:lnRef idx="2">
+            <a:schemeClr val="accent1">
+              <a:shade val="50000"/>
+            </a:schemeClr>
+          </a:lnRef>
+          <a:fillRef idx="1">
+            <a:schemeClr val="accent1"/>
+          </a:fillRef>
+          <a:effectRef idx="0">
+            <a:schemeClr val="accent1"/>
+          </a:effectRef>
+          <a:fontRef idx="minor">
+            <a:schemeClr val="lt1"/>
+          </a:fontRef>
+        </p:style>
+        <p:txBody>
+          <a:bodyPr rtlCol="0" anchor="ctr"/>
+          <a:lstStyle/>
+          <a:p>
+            <a:pPr algn="ctr"/>
+            <a:endParaRPr lang="es-ES"/>
+          </a:p>
+        </p:txBody>
+      </p:sp>
+      <p:sp>
+        <p:nvSpPr>
+          <p:cNvPr id="15" name="14 CuadroTexto"/>
+          <p:cNvSpPr txBox="1"/>
+          <p:nvPr/>
+        </p:nvSpPr>
+        <p:spPr>
+          <a:xfrm>
+            <a:off x="1187624" y="1772816"/>
+            <a:ext cx="432048" cy="369332"/>
+          </a:xfrm>
+          <a:prstGeom prst="rect">
+            <a:avLst/>
+          </a:prstGeom>
+          <a:noFill/>
+        </p:spPr>
+        <p:txBody>
+          <a:bodyPr wrap="square" rtlCol="0">
+            <a:spAutoFit/>
+          </a:bodyPr>
+          <a:lstStyle/>
+          <a:p>
+            <a:r>
+              <a:rPr lang="es-ES" dirty="0" smtClean="0"/>
+              <a:t>11</a:t>
+            </a:r>
+            <a:endParaRPr lang="es-ES" dirty="0"/>
+          </a:p>
+        </p:txBody>
+      </p:sp>
+      <p:sp>
+        <p:nvSpPr>
+          <p:cNvPr id="16" name="15 CuadroTexto"/>
+          <p:cNvSpPr txBox="1"/>
+          <p:nvPr/>
+        </p:nvSpPr>
+        <p:spPr>
+          <a:xfrm>
+            <a:off x="2123728" y="1196752"/>
+            <a:ext cx="432048" cy="369332"/>
+          </a:xfrm>
+          <a:prstGeom prst="rect">
+            <a:avLst/>
+          </a:prstGeom>
+          <a:noFill/>
+        </p:spPr>
+        <p:txBody>
+          <a:bodyPr wrap="square" rtlCol="0">
+            <a:spAutoFit/>
+          </a:bodyPr>
+          <a:lstStyle/>
+          <a:p>
+            <a:r>
+              <a:rPr lang="es-ES" dirty="0" smtClean="0"/>
+              <a:t>+</a:t>
             </a:r>
             <a:endParaRPr lang="es-ES" dirty="0"/>
           </a:p>

--- a/pizarra.pptx
+++ b/pizarra.pptx
@@ -30,6 +30,10 @@
     <p:sldId id="278" r:id="rId24"/>
     <p:sldId id="279" r:id="rId25"/>
     <p:sldId id="280" r:id="rId26"/>
+    <p:sldId id="281" r:id="rId27"/>
+    <p:sldId id="282" r:id="rId28"/>
+    <p:sldId id="283" r:id="rId29"/>
+    <p:sldId id="284" r:id="rId30"/>
   </p:sldIdLst>
   <p:sldSz cx="9144000" cy="6858000" type="screen4x3"/>
   <p:notesSz cx="6858000" cy="9144000"/>
@@ -8815,11 +8819,7 @@
             </a:r>
             <a:r>
               <a:rPr lang="es-ES" dirty="0" smtClean="0"/>
-              <a:t>, resultante de aplicar a cada dato la función</a:t>
-            </a:r>
-            <a:r>
-              <a:rPr lang="es-ES" dirty="0" smtClean="0"/>
-              <a:t> </a:t>
+              <a:t>, resultante de aplicar a cada dato la función </a:t>
             </a:r>
             <a:endParaRPr lang="es-ES" dirty="0"/>
           </a:p>
@@ -9711,6 +9711,1509 @@
             <a:r>
               <a:rPr lang="es-ES" dirty="0" smtClean="0"/>
               <a:t>+</a:t>
+            </a:r>
+            <a:endParaRPr lang="es-ES" dirty="0"/>
+          </a:p>
+        </p:txBody>
+      </p:sp>
+    </p:spTree>
+  </p:cSld>
+  <p:clrMapOvr>
+    <a:masterClrMapping/>
+  </p:clrMapOvr>
+</p:sld>
+</file>
+
+<file path=ppt/slides/slide26.xml><?xml version="1.0" encoding="utf-8"?>
+<p:sld xmlns:a="http://schemas.openxmlformats.org/drawingml/2006/main" xmlns:r="http://schemas.openxmlformats.org/officeDocument/2006/relationships" xmlns:p="http://schemas.openxmlformats.org/presentationml/2006/main">
+  <p:cSld>
+    <p:spTree>
+      <p:nvGrpSpPr>
+        <p:cNvPr id="1" name=""/>
+        <p:cNvGrpSpPr/>
+        <p:nvPr/>
+      </p:nvGrpSpPr>
+      <p:grpSpPr>
+        <a:xfrm>
+          <a:off x="0" y="0"/>
+          <a:ext cx="0" cy="0"/>
+          <a:chOff x="0" y="0"/>
+          <a:chExt cx="0" cy="0"/>
+        </a:xfrm>
+      </p:grpSpPr>
+      <p:sp>
+        <p:nvSpPr>
+          <p:cNvPr id="2" name="1 CuadroTexto"/>
+          <p:cNvSpPr txBox="1"/>
+          <p:nvPr/>
+        </p:nvSpPr>
+        <p:spPr>
+          <a:xfrm>
+            <a:off x="1259632" y="548680"/>
+            <a:ext cx="2448272" cy="369332"/>
+          </a:xfrm>
+          <a:prstGeom prst="rect">
+            <a:avLst/>
+          </a:prstGeom>
+          <a:noFill/>
+        </p:spPr>
+        <p:txBody>
+          <a:bodyPr wrap="square" rtlCol="0">
+            <a:spAutoFit/>
+          </a:bodyPr>
+          <a:lstStyle/>
+          <a:p>
+            <a:r>
+              <a:rPr lang="es-ES" b="1" dirty="0" smtClean="0"/>
+              <a:t>Temporizadores</a:t>
+            </a:r>
+            <a:endParaRPr lang="es-ES" b="1" dirty="0"/>
+          </a:p>
+        </p:txBody>
+      </p:sp>
+      <p:sp>
+        <p:nvSpPr>
+          <p:cNvPr id="3" name="2 CuadroTexto"/>
+          <p:cNvSpPr txBox="1"/>
+          <p:nvPr/>
+        </p:nvSpPr>
+        <p:spPr>
+          <a:xfrm>
+            <a:off x="611560" y="1484784"/>
+            <a:ext cx="4104456" cy="1200329"/>
+          </a:xfrm>
+          <a:prstGeom prst="rect">
+            <a:avLst/>
+          </a:prstGeom>
+          <a:noFill/>
+        </p:spPr>
+        <p:txBody>
+          <a:bodyPr wrap="square" rtlCol="0">
+            <a:spAutoFit/>
+          </a:bodyPr>
+          <a:lstStyle/>
+          <a:p>
+            <a:r>
+              <a:rPr lang="es-ES" dirty="0" err="1" smtClean="0"/>
+              <a:t>setTimeout</a:t>
+            </a:r>
+            <a:r>
+              <a:rPr lang="es-ES" dirty="0" smtClean="0"/>
+              <a:t>(</a:t>
+            </a:r>
+            <a:r>
+              <a:rPr lang="es-ES" dirty="0" err="1" smtClean="0"/>
+              <a:t>funcion,tiempo</a:t>
+            </a:r>
+            <a:r>
+              <a:rPr lang="es-ES" dirty="0" smtClean="0"/>
+              <a:t>)</a:t>
+            </a:r>
+          </a:p>
+          <a:p>
+            <a:endParaRPr lang="es-ES" dirty="0" smtClean="0"/>
+          </a:p>
+          <a:p>
+            <a:endParaRPr lang="es-ES" dirty="0" smtClean="0"/>
+          </a:p>
+          <a:p>
+            <a:r>
+              <a:rPr lang="es-ES" dirty="0" err="1" smtClean="0"/>
+              <a:t>setInterval</a:t>
+            </a:r>
+            <a:r>
+              <a:rPr lang="es-ES" dirty="0" smtClean="0"/>
+              <a:t>(</a:t>
+            </a:r>
+            <a:r>
+              <a:rPr lang="es-ES" dirty="0" err="1" smtClean="0"/>
+              <a:t>funcion,tiempo</a:t>
+            </a:r>
+            <a:r>
+              <a:rPr lang="es-ES" dirty="0" smtClean="0"/>
+              <a:t>)</a:t>
+            </a:r>
+            <a:endParaRPr lang="es-ES" dirty="0"/>
+          </a:p>
+        </p:txBody>
+      </p:sp>
+    </p:spTree>
+  </p:cSld>
+  <p:clrMapOvr>
+    <a:masterClrMapping/>
+  </p:clrMapOvr>
+</p:sld>
+</file>
+
+<file path=ppt/slides/slide27.xml><?xml version="1.0" encoding="utf-8"?>
+<p:sld xmlns:a="http://schemas.openxmlformats.org/drawingml/2006/main" xmlns:r="http://schemas.openxmlformats.org/officeDocument/2006/relationships" xmlns:p="http://schemas.openxmlformats.org/presentationml/2006/main">
+  <p:cSld>
+    <p:spTree>
+      <p:nvGrpSpPr>
+        <p:cNvPr id="1" name=""/>
+        <p:cNvGrpSpPr/>
+        <p:nvPr/>
+      </p:nvGrpSpPr>
+      <p:grpSpPr>
+        <a:xfrm>
+          <a:off x="0" y="0"/>
+          <a:ext cx="0" cy="0"/>
+          <a:chOff x="0" y="0"/>
+          <a:chExt cx="0" cy="0"/>
+        </a:xfrm>
+      </p:grpSpPr>
+      <p:sp>
+        <p:nvSpPr>
+          <p:cNvPr id="2" name="1 Rectángulo"/>
+          <p:cNvSpPr/>
+          <p:nvPr/>
+        </p:nvSpPr>
+        <p:spPr>
+          <a:xfrm>
+            <a:off x="1619672" y="1700808"/>
+            <a:ext cx="5688632" cy="4104456"/>
+          </a:xfrm>
+          <a:prstGeom prst="rect">
+            <a:avLst/>
+          </a:prstGeom>
+          <a:noFill/>
+        </p:spPr>
+        <p:style>
+          <a:lnRef idx="2">
+            <a:schemeClr val="accent1">
+              <a:shade val="50000"/>
+            </a:schemeClr>
+          </a:lnRef>
+          <a:fillRef idx="1">
+            <a:schemeClr val="accent1"/>
+          </a:fillRef>
+          <a:effectRef idx="0">
+            <a:schemeClr val="accent1"/>
+          </a:effectRef>
+          <a:fontRef idx="minor">
+            <a:schemeClr val="lt1"/>
+          </a:fontRef>
+        </p:style>
+        <p:txBody>
+          <a:bodyPr rtlCol="0" anchor="ctr"/>
+          <a:lstStyle/>
+          <a:p>
+            <a:pPr algn="ctr"/>
+            <a:endParaRPr lang="es-ES"/>
+          </a:p>
+        </p:txBody>
+      </p:sp>
+      <p:sp>
+        <p:nvSpPr>
+          <p:cNvPr id="3" name="2 CuadroTexto"/>
+          <p:cNvSpPr txBox="1"/>
+          <p:nvPr/>
+        </p:nvSpPr>
+        <p:spPr>
+          <a:xfrm>
+            <a:off x="2987824" y="3212976"/>
+            <a:ext cx="3312368" cy="707886"/>
+          </a:xfrm>
+          <a:prstGeom prst="rect">
+            <a:avLst/>
+          </a:prstGeom>
+          <a:noFill/>
+        </p:spPr>
+        <p:txBody>
+          <a:bodyPr wrap="square" rtlCol="0">
+            <a:spAutoFit/>
+          </a:bodyPr>
+          <a:lstStyle/>
+          <a:p>
+            <a:r>
+              <a:rPr lang="es-ES" sz="4000" dirty="0" smtClean="0"/>
+              <a:t>12:48:30</a:t>
+            </a:r>
+            <a:endParaRPr lang="es-ES" sz="4000" dirty="0"/>
+          </a:p>
+        </p:txBody>
+      </p:sp>
+    </p:spTree>
+  </p:cSld>
+  <p:clrMapOvr>
+    <a:masterClrMapping/>
+  </p:clrMapOvr>
+</p:sld>
+</file>
+
+<file path=ppt/slides/slide28.xml><?xml version="1.0" encoding="utf-8"?>
+<p:sld xmlns:a="http://schemas.openxmlformats.org/drawingml/2006/main" xmlns:r="http://schemas.openxmlformats.org/officeDocument/2006/relationships" xmlns:p="http://schemas.openxmlformats.org/presentationml/2006/main">
+  <p:cSld>
+    <p:spTree>
+      <p:nvGrpSpPr>
+        <p:cNvPr id="1" name=""/>
+        <p:cNvGrpSpPr/>
+        <p:nvPr/>
+      </p:nvGrpSpPr>
+      <p:grpSpPr>
+        <a:xfrm>
+          <a:off x="0" y="0"/>
+          <a:ext cx="0" cy="0"/>
+          <a:chOff x="0" y="0"/>
+          <a:chExt cx="0" cy="0"/>
+        </a:xfrm>
+      </p:grpSpPr>
+      <p:sp>
+        <p:nvSpPr>
+          <p:cNvPr id="2" name="1 CuadroTexto"/>
+          <p:cNvSpPr txBox="1"/>
+          <p:nvPr/>
+        </p:nvSpPr>
+        <p:spPr>
+          <a:xfrm>
+            <a:off x="1691680" y="476672"/>
+            <a:ext cx="2088232" cy="369332"/>
+          </a:xfrm>
+          <a:prstGeom prst="rect">
+            <a:avLst/>
+          </a:prstGeom>
+          <a:noFill/>
+        </p:spPr>
+        <p:txBody>
+          <a:bodyPr wrap="square" rtlCol="0">
+            <a:spAutoFit/>
+          </a:bodyPr>
+          <a:lstStyle/>
+          <a:p>
+            <a:r>
+              <a:rPr lang="es-ES" dirty="0" smtClean="0"/>
+              <a:t>Fecha/hora</a:t>
+            </a:r>
+            <a:endParaRPr lang="es-ES" dirty="0"/>
+          </a:p>
+        </p:txBody>
+      </p:sp>
+      <p:sp>
+        <p:nvSpPr>
+          <p:cNvPr id="3" name="2 CuadroTexto"/>
+          <p:cNvSpPr txBox="1"/>
+          <p:nvPr/>
+        </p:nvSpPr>
+        <p:spPr>
+          <a:xfrm>
+            <a:off x="899592" y="1412776"/>
+            <a:ext cx="4464496" cy="923330"/>
+          </a:xfrm>
+          <a:prstGeom prst="rect">
+            <a:avLst/>
+          </a:prstGeom>
+          <a:noFill/>
+        </p:spPr>
+        <p:txBody>
+          <a:bodyPr wrap="square" rtlCol="0">
+            <a:spAutoFit/>
+          </a:bodyPr>
+          <a:lstStyle/>
+          <a:p>
+            <a:r>
+              <a:rPr lang="es-ES" dirty="0" err="1" smtClean="0"/>
+              <a:t>let</a:t>
+            </a:r>
+            <a:r>
+              <a:rPr lang="es-ES" dirty="0" smtClean="0"/>
+              <a:t> fecha=new Date();</a:t>
+            </a:r>
+          </a:p>
+          <a:p>
+            <a:r>
+              <a:rPr lang="es-ES" dirty="0" smtClean="0"/>
+              <a:t> </a:t>
+            </a:r>
+            <a:r>
+              <a:rPr lang="es-ES" dirty="0" smtClean="0"/>
+              <a:t>console.log(</a:t>
+            </a:r>
+            <a:r>
+              <a:rPr lang="es-ES" dirty="0" err="1" smtClean="0"/>
+              <a:t>fecha.getHour</a:t>
+            </a:r>
+            <a:r>
+              <a:rPr lang="es-ES" dirty="0" smtClean="0"/>
+              <a:t>());</a:t>
+            </a:r>
+          </a:p>
+          <a:p>
+            <a:r>
+              <a:rPr lang="es-ES" dirty="0" smtClean="0"/>
+              <a:t>console.log(</a:t>
+            </a:r>
+            <a:r>
+              <a:rPr lang="es-ES" dirty="0" err="1" smtClean="0"/>
+              <a:t>fecha.getYear</a:t>
+            </a:r>
+            <a:r>
+              <a:rPr lang="es-ES" dirty="0" smtClean="0"/>
+              <a:t>());</a:t>
+            </a:r>
+            <a:endParaRPr lang="es-ES" dirty="0"/>
+          </a:p>
+        </p:txBody>
+      </p:sp>
+    </p:spTree>
+  </p:cSld>
+  <p:clrMapOvr>
+    <a:masterClrMapping/>
+  </p:clrMapOvr>
+</p:sld>
+</file>
+
+<file path=ppt/slides/slide29.xml><?xml version="1.0" encoding="utf-8"?>
+<p:sld xmlns:a="http://schemas.openxmlformats.org/drawingml/2006/main" xmlns:r="http://schemas.openxmlformats.org/officeDocument/2006/relationships" xmlns:p="http://schemas.openxmlformats.org/presentationml/2006/main">
+  <p:cSld>
+    <p:spTree>
+      <p:nvGrpSpPr>
+        <p:cNvPr id="1" name=""/>
+        <p:cNvGrpSpPr/>
+        <p:nvPr/>
+      </p:nvGrpSpPr>
+      <p:grpSpPr>
+        <a:xfrm>
+          <a:off x="0" y="0"/>
+          <a:ext cx="0" cy="0"/>
+          <a:chOff x="0" y="0"/>
+          <a:chExt cx="0" cy="0"/>
+        </a:xfrm>
+      </p:grpSpPr>
+      <p:sp>
+        <p:nvSpPr>
+          <p:cNvPr id="2" name="1 CuadroTexto"/>
+          <p:cNvSpPr txBox="1"/>
+          <p:nvPr/>
+        </p:nvSpPr>
+        <p:spPr>
+          <a:xfrm>
+            <a:off x="1403648" y="476672"/>
+            <a:ext cx="6624736" cy="369332"/>
+          </a:xfrm>
+          <a:prstGeom prst="rect">
+            <a:avLst/>
+          </a:prstGeom>
+          <a:noFill/>
+        </p:spPr>
+        <p:txBody>
+          <a:bodyPr wrap="square" rtlCol="0">
+            <a:spAutoFit/>
+          </a:bodyPr>
+          <a:lstStyle/>
+          <a:p>
+            <a:r>
+              <a:rPr lang="es-ES" dirty="0" smtClean="0"/>
+              <a:t>Implementar un carrito de la compra</a:t>
+            </a:r>
+            <a:endParaRPr lang="es-ES" dirty="0"/>
+          </a:p>
+        </p:txBody>
+      </p:sp>
+      <p:sp>
+        <p:nvSpPr>
+          <p:cNvPr id="3" name="2 Rectángulo"/>
+          <p:cNvSpPr/>
+          <p:nvPr/>
+        </p:nvSpPr>
+        <p:spPr>
+          <a:xfrm>
+            <a:off x="1043608" y="1340768"/>
+            <a:ext cx="5472608" cy="1512168"/>
+          </a:xfrm>
+          <a:prstGeom prst="rect">
+            <a:avLst/>
+          </a:prstGeom>
+          <a:noFill/>
+        </p:spPr>
+        <p:style>
+          <a:lnRef idx="2">
+            <a:schemeClr val="accent1">
+              <a:shade val="50000"/>
+            </a:schemeClr>
+          </a:lnRef>
+          <a:fillRef idx="1">
+            <a:schemeClr val="accent1"/>
+          </a:fillRef>
+          <a:effectRef idx="0">
+            <a:schemeClr val="accent1"/>
+          </a:effectRef>
+          <a:fontRef idx="minor">
+            <a:schemeClr val="lt1"/>
+          </a:fontRef>
+        </p:style>
+        <p:txBody>
+          <a:bodyPr rtlCol="0" anchor="ctr"/>
+          <a:lstStyle/>
+          <a:p>
+            <a:pPr algn="ctr"/>
+            <a:endParaRPr lang="es-ES"/>
+          </a:p>
+        </p:txBody>
+      </p:sp>
+      <p:cxnSp>
+        <p:nvCxnSpPr>
+          <p:cNvPr id="5" name="4 Conector recto"/>
+          <p:cNvCxnSpPr/>
+          <p:nvPr/>
+        </p:nvCxnSpPr>
+        <p:spPr>
+          <a:xfrm>
+            <a:off x="1043608" y="1628800"/>
+            <a:ext cx="5472608" cy="0"/>
+          </a:xfrm>
+          <a:prstGeom prst="line">
+            <a:avLst/>
+          </a:prstGeom>
+        </p:spPr>
+        <p:style>
+          <a:lnRef idx="1">
+            <a:schemeClr val="accent1"/>
+          </a:lnRef>
+          <a:fillRef idx="0">
+            <a:schemeClr val="accent1"/>
+          </a:fillRef>
+          <a:effectRef idx="0">
+            <a:schemeClr val="accent1"/>
+          </a:effectRef>
+          <a:fontRef idx="minor">
+            <a:schemeClr val="tx1"/>
+          </a:fontRef>
+        </p:style>
+      </p:cxnSp>
+      <p:cxnSp>
+        <p:nvCxnSpPr>
+          <p:cNvPr id="7" name="6 Conector recto"/>
+          <p:cNvCxnSpPr/>
+          <p:nvPr/>
+        </p:nvCxnSpPr>
+        <p:spPr>
+          <a:xfrm>
+            <a:off x="2483768" y="1340768"/>
+            <a:ext cx="0" cy="1512168"/>
+          </a:xfrm>
+          <a:prstGeom prst="line">
+            <a:avLst/>
+          </a:prstGeom>
+        </p:spPr>
+        <p:style>
+          <a:lnRef idx="1">
+            <a:schemeClr val="accent1"/>
+          </a:lnRef>
+          <a:fillRef idx="0">
+            <a:schemeClr val="accent1"/>
+          </a:fillRef>
+          <a:effectRef idx="0">
+            <a:schemeClr val="accent1"/>
+          </a:effectRef>
+          <a:fontRef idx="minor">
+            <a:schemeClr val="tx1"/>
+          </a:fontRef>
+        </p:style>
+      </p:cxnSp>
+      <p:sp>
+        <p:nvSpPr>
+          <p:cNvPr id="8" name="7 CuadroTexto"/>
+          <p:cNvSpPr txBox="1"/>
+          <p:nvPr/>
+        </p:nvSpPr>
+        <p:spPr>
+          <a:xfrm>
+            <a:off x="1115616" y="1311890"/>
+            <a:ext cx="1152128" cy="369332"/>
+          </a:xfrm>
+          <a:prstGeom prst="rect">
+            <a:avLst/>
+          </a:prstGeom>
+          <a:noFill/>
+        </p:spPr>
+        <p:txBody>
+          <a:bodyPr wrap="square" rtlCol="0">
+            <a:spAutoFit/>
+          </a:bodyPr>
+          <a:lstStyle/>
+          <a:p>
+            <a:r>
+              <a:rPr lang="es-ES" dirty="0" smtClean="0"/>
+              <a:t>producto</a:t>
+            </a:r>
+            <a:endParaRPr lang="es-ES" dirty="0"/>
+          </a:p>
+        </p:txBody>
+      </p:sp>
+      <p:sp>
+        <p:nvSpPr>
+          <p:cNvPr id="9" name="8 CuadroTexto"/>
+          <p:cNvSpPr txBox="1"/>
+          <p:nvPr/>
+        </p:nvSpPr>
+        <p:spPr>
+          <a:xfrm>
+            <a:off x="2555776" y="1306264"/>
+            <a:ext cx="1152128" cy="369332"/>
+          </a:xfrm>
+          <a:prstGeom prst="rect">
+            <a:avLst/>
+          </a:prstGeom>
+          <a:noFill/>
+        </p:spPr>
+        <p:txBody>
+          <a:bodyPr wrap="square" rtlCol="0">
+            <a:spAutoFit/>
+          </a:bodyPr>
+          <a:lstStyle/>
+          <a:p>
+            <a:r>
+              <a:rPr lang="es-ES" dirty="0" err="1" smtClean="0"/>
+              <a:t>categoria</a:t>
+            </a:r>
+            <a:endParaRPr lang="es-ES" dirty="0"/>
+          </a:p>
+        </p:txBody>
+      </p:sp>
+      <p:sp>
+        <p:nvSpPr>
+          <p:cNvPr id="10" name="9 CuadroTexto"/>
+          <p:cNvSpPr txBox="1"/>
+          <p:nvPr/>
+        </p:nvSpPr>
+        <p:spPr>
+          <a:xfrm>
+            <a:off x="3923928" y="1297638"/>
+            <a:ext cx="1152128" cy="369332"/>
+          </a:xfrm>
+          <a:prstGeom prst="rect">
+            <a:avLst/>
+          </a:prstGeom>
+          <a:noFill/>
+        </p:spPr>
+        <p:txBody>
+          <a:bodyPr wrap="square" rtlCol="0">
+            <a:spAutoFit/>
+          </a:bodyPr>
+          <a:lstStyle/>
+          <a:p>
+            <a:r>
+              <a:rPr lang="es-ES" dirty="0" smtClean="0"/>
+              <a:t>precio</a:t>
+            </a:r>
+            <a:endParaRPr lang="es-ES" dirty="0"/>
+          </a:p>
+        </p:txBody>
+      </p:sp>
+      <p:cxnSp>
+        <p:nvCxnSpPr>
+          <p:cNvPr id="11" name="10 Conector recto"/>
+          <p:cNvCxnSpPr/>
+          <p:nvPr/>
+        </p:nvCxnSpPr>
+        <p:spPr>
+          <a:xfrm>
+            <a:off x="3851920" y="1340768"/>
+            <a:ext cx="0" cy="1512168"/>
+          </a:xfrm>
+          <a:prstGeom prst="line">
+            <a:avLst/>
+          </a:prstGeom>
+        </p:spPr>
+        <p:style>
+          <a:lnRef idx="1">
+            <a:schemeClr val="accent1"/>
+          </a:lnRef>
+          <a:fillRef idx="0">
+            <a:schemeClr val="accent1"/>
+          </a:fillRef>
+          <a:effectRef idx="0">
+            <a:schemeClr val="accent1"/>
+          </a:effectRef>
+          <a:fontRef idx="minor">
+            <a:schemeClr val="tx1"/>
+          </a:fontRef>
+        </p:style>
+      </p:cxnSp>
+      <p:cxnSp>
+        <p:nvCxnSpPr>
+          <p:cNvPr id="12" name="11 Conector recto"/>
+          <p:cNvCxnSpPr/>
+          <p:nvPr/>
+        </p:nvCxnSpPr>
+        <p:spPr>
+          <a:xfrm>
+            <a:off x="5220072" y="1340768"/>
+            <a:ext cx="0" cy="1512168"/>
+          </a:xfrm>
+          <a:prstGeom prst="line">
+            <a:avLst/>
+          </a:prstGeom>
+        </p:spPr>
+        <p:style>
+          <a:lnRef idx="1">
+            <a:schemeClr val="accent1"/>
+          </a:lnRef>
+          <a:fillRef idx="0">
+            <a:schemeClr val="accent1"/>
+          </a:fillRef>
+          <a:effectRef idx="0">
+            <a:schemeClr val="accent1"/>
+          </a:effectRef>
+          <a:fontRef idx="minor">
+            <a:schemeClr val="tx1"/>
+          </a:fontRef>
+        </p:style>
+      </p:cxnSp>
+      <p:sp>
+        <p:nvSpPr>
+          <p:cNvPr id="14" name="13 CuadroTexto"/>
+          <p:cNvSpPr txBox="1"/>
+          <p:nvPr/>
+        </p:nvSpPr>
+        <p:spPr>
+          <a:xfrm>
+            <a:off x="1187624" y="1628800"/>
+            <a:ext cx="1152128" cy="369332"/>
+          </a:xfrm>
+          <a:prstGeom prst="rect">
+            <a:avLst/>
+          </a:prstGeom>
+          <a:noFill/>
+        </p:spPr>
+        <p:txBody>
+          <a:bodyPr wrap="square" rtlCol="0">
+            <a:spAutoFit/>
+          </a:bodyPr>
+          <a:lstStyle/>
+          <a:p>
+            <a:r>
+              <a:rPr lang="es-ES" dirty="0" smtClean="0"/>
+              <a:t>pan</a:t>
+            </a:r>
+            <a:endParaRPr lang="es-ES" dirty="0"/>
+          </a:p>
+        </p:txBody>
+      </p:sp>
+      <p:sp>
+        <p:nvSpPr>
+          <p:cNvPr id="15" name="14 CuadroTexto"/>
+          <p:cNvSpPr txBox="1"/>
+          <p:nvPr/>
+        </p:nvSpPr>
+        <p:spPr>
+          <a:xfrm>
+            <a:off x="2483768" y="1628800"/>
+            <a:ext cx="1440160" cy="369332"/>
+          </a:xfrm>
+          <a:prstGeom prst="rect">
+            <a:avLst/>
+          </a:prstGeom>
+          <a:noFill/>
+        </p:spPr>
+        <p:txBody>
+          <a:bodyPr wrap="square" rtlCol="0">
+            <a:spAutoFit/>
+          </a:bodyPr>
+          <a:lstStyle/>
+          <a:p>
+            <a:r>
+              <a:rPr lang="es-ES" dirty="0" smtClean="0"/>
+              <a:t>alimentación</a:t>
+            </a:r>
+            <a:endParaRPr lang="es-ES" dirty="0"/>
+          </a:p>
+        </p:txBody>
+      </p:sp>
+      <p:sp>
+        <p:nvSpPr>
+          <p:cNvPr id="16" name="15 CuadroTexto"/>
+          <p:cNvSpPr txBox="1"/>
+          <p:nvPr/>
+        </p:nvSpPr>
+        <p:spPr>
+          <a:xfrm>
+            <a:off x="3851920" y="1628800"/>
+            <a:ext cx="1440160" cy="369332"/>
+          </a:xfrm>
+          <a:prstGeom prst="rect">
+            <a:avLst/>
+          </a:prstGeom>
+          <a:noFill/>
+        </p:spPr>
+        <p:txBody>
+          <a:bodyPr wrap="square" rtlCol="0">
+            <a:spAutoFit/>
+          </a:bodyPr>
+          <a:lstStyle/>
+          <a:p>
+            <a:r>
+              <a:rPr lang="es-ES" dirty="0" smtClean="0"/>
+              <a:t>1.2</a:t>
+            </a:r>
+            <a:endParaRPr lang="es-ES" dirty="0"/>
+          </a:p>
+        </p:txBody>
+      </p:sp>
+      <p:cxnSp>
+        <p:nvCxnSpPr>
+          <p:cNvPr id="18" name="17 Conector recto"/>
+          <p:cNvCxnSpPr/>
+          <p:nvPr/>
+        </p:nvCxnSpPr>
+        <p:spPr>
+          <a:xfrm>
+            <a:off x="1023356" y="2023344"/>
+            <a:ext cx="5472608" cy="0"/>
+          </a:xfrm>
+          <a:prstGeom prst="line">
+            <a:avLst/>
+          </a:prstGeom>
+        </p:spPr>
+        <p:style>
+          <a:lnRef idx="1">
+            <a:schemeClr val="accent1"/>
+          </a:lnRef>
+          <a:fillRef idx="0">
+            <a:schemeClr val="accent1"/>
+          </a:fillRef>
+          <a:effectRef idx="0">
+            <a:schemeClr val="accent1"/>
+          </a:effectRef>
+          <a:fontRef idx="minor">
+            <a:schemeClr val="tx1"/>
+          </a:fontRef>
+        </p:style>
+      </p:cxnSp>
+      <p:sp>
+        <p:nvSpPr>
+          <p:cNvPr id="19" name="18 CuadroTexto"/>
+          <p:cNvSpPr txBox="1"/>
+          <p:nvPr/>
+        </p:nvSpPr>
+        <p:spPr>
+          <a:xfrm>
+            <a:off x="1167372" y="2023344"/>
+            <a:ext cx="1152128" cy="369332"/>
+          </a:xfrm>
+          <a:prstGeom prst="rect">
+            <a:avLst/>
+          </a:prstGeom>
+          <a:noFill/>
+        </p:spPr>
+        <p:txBody>
+          <a:bodyPr wrap="square" rtlCol="0">
+            <a:spAutoFit/>
+          </a:bodyPr>
+          <a:lstStyle/>
+          <a:p>
+            <a:r>
+              <a:rPr lang="es-ES" dirty="0" smtClean="0"/>
+              <a:t>gorro</a:t>
+            </a:r>
+            <a:endParaRPr lang="es-ES" dirty="0"/>
+          </a:p>
+        </p:txBody>
+      </p:sp>
+      <p:sp>
+        <p:nvSpPr>
+          <p:cNvPr id="20" name="19 CuadroTexto"/>
+          <p:cNvSpPr txBox="1"/>
+          <p:nvPr/>
+        </p:nvSpPr>
+        <p:spPr>
+          <a:xfrm>
+            <a:off x="2463516" y="2023344"/>
+            <a:ext cx="1440160" cy="369332"/>
+          </a:xfrm>
+          <a:prstGeom prst="rect">
+            <a:avLst/>
+          </a:prstGeom>
+          <a:noFill/>
+        </p:spPr>
+        <p:txBody>
+          <a:bodyPr wrap="square" rtlCol="0">
+            <a:spAutoFit/>
+          </a:bodyPr>
+          <a:lstStyle/>
+          <a:p>
+            <a:r>
+              <a:rPr lang="es-ES" dirty="0" smtClean="0"/>
+              <a:t>textil</a:t>
+            </a:r>
+            <a:endParaRPr lang="es-ES" dirty="0"/>
+          </a:p>
+        </p:txBody>
+      </p:sp>
+      <p:sp>
+        <p:nvSpPr>
+          <p:cNvPr id="21" name="20 CuadroTexto"/>
+          <p:cNvSpPr txBox="1"/>
+          <p:nvPr/>
+        </p:nvSpPr>
+        <p:spPr>
+          <a:xfrm>
+            <a:off x="3831668" y="2023344"/>
+            <a:ext cx="1440160" cy="369332"/>
+          </a:xfrm>
+          <a:prstGeom prst="rect">
+            <a:avLst/>
+          </a:prstGeom>
+          <a:noFill/>
+        </p:spPr>
+        <p:txBody>
+          <a:bodyPr wrap="square" rtlCol="0">
+            <a:spAutoFit/>
+          </a:bodyPr>
+          <a:lstStyle/>
+          <a:p>
+            <a:r>
+              <a:rPr lang="es-ES" dirty="0" smtClean="0"/>
+              <a:t>21.7</a:t>
+            </a:r>
+            <a:endParaRPr lang="es-ES" dirty="0"/>
+          </a:p>
+        </p:txBody>
+      </p:sp>
+      <p:sp>
+        <p:nvSpPr>
+          <p:cNvPr id="22" name="21 CuadroTexto"/>
+          <p:cNvSpPr txBox="1"/>
+          <p:nvPr/>
+        </p:nvSpPr>
+        <p:spPr>
+          <a:xfrm>
+            <a:off x="5364088" y="1628800"/>
+            <a:ext cx="1008112" cy="369332"/>
+          </a:xfrm>
+          <a:prstGeom prst="rect">
+            <a:avLst/>
+          </a:prstGeom>
+          <a:solidFill>
+            <a:schemeClr val="accent1"/>
+          </a:solidFill>
+        </p:spPr>
+        <p:txBody>
+          <a:bodyPr wrap="square" rtlCol="0">
+            <a:spAutoFit/>
+          </a:bodyPr>
+          <a:lstStyle/>
+          <a:p>
+            <a:r>
+              <a:rPr lang="es-ES" dirty="0" smtClean="0"/>
+              <a:t>agregar</a:t>
+            </a:r>
+            <a:endParaRPr lang="es-ES" dirty="0"/>
+          </a:p>
+        </p:txBody>
+      </p:sp>
+      <p:sp>
+        <p:nvSpPr>
+          <p:cNvPr id="23" name="22 CuadroTexto"/>
+          <p:cNvSpPr txBox="1"/>
+          <p:nvPr/>
+        </p:nvSpPr>
+        <p:spPr>
+          <a:xfrm>
+            <a:off x="5364088" y="2060848"/>
+            <a:ext cx="1008112" cy="369332"/>
+          </a:xfrm>
+          <a:prstGeom prst="rect">
+            <a:avLst/>
+          </a:prstGeom>
+          <a:solidFill>
+            <a:schemeClr val="accent1"/>
+          </a:solidFill>
+        </p:spPr>
+        <p:txBody>
+          <a:bodyPr wrap="square" rtlCol="0">
+            <a:spAutoFit/>
+          </a:bodyPr>
+          <a:lstStyle/>
+          <a:p>
+            <a:r>
+              <a:rPr lang="es-ES" dirty="0" smtClean="0"/>
+              <a:t>agregar</a:t>
+            </a:r>
+            <a:endParaRPr lang="es-ES" dirty="0"/>
+          </a:p>
+        </p:txBody>
+      </p:sp>
+      <p:sp>
+        <p:nvSpPr>
+          <p:cNvPr id="24" name="23 CuadroTexto"/>
+          <p:cNvSpPr txBox="1"/>
+          <p:nvPr/>
+        </p:nvSpPr>
+        <p:spPr>
+          <a:xfrm>
+            <a:off x="1043608" y="1052736"/>
+            <a:ext cx="3456384" cy="369332"/>
+          </a:xfrm>
+          <a:prstGeom prst="rect">
+            <a:avLst/>
+          </a:prstGeom>
+          <a:noFill/>
+        </p:spPr>
+        <p:txBody>
+          <a:bodyPr wrap="square" rtlCol="0">
+            <a:spAutoFit/>
+          </a:bodyPr>
+          <a:lstStyle/>
+          <a:p>
+            <a:r>
+              <a:rPr lang="es-ES" dirty="0" smtClean="0"/>
+              <a:t>catálogo de productos</a:t>
+            </a:r>
+            <a:endParaRPr lang="es-ES" dirty="0"/>
+          </a:p>
+        </p:txBody>
+      </p:sp>
+      <p:sp>
+        <p:nvSpPr>
+          <p:cNvPr id="25" name="24 Rectángulo"/>
+          <p:cNvSpPr/>
+          <p:nvPr/>
+        </p:nvSpPr>
+        <p:spPr>
+          <a:xfrm>
+            <a:off x="1115616" y="3789040"/>
+            <a:ext cx="5472608" cy="1512168"/>
+          </a:xfrm>
+          <a:prstGeom prst="rect">
+            <a:avLst/>
+          </a:prstGeom>
+          <a:noFill/>
+        </p:spPr>
+        <p:style>
+          <a:lnRef idx="2">
+            <a:schemeClr val="accent1">
+              <a:shade val="50000"/>
+            </a:schemeClr>
+          </a:lnRef>
+          <a:fillRef idx="1">
+            <a:schemeClr val="accent1"/>
+          </a:fillRef>
+          <a:effectRef idx="0">
+            <a:schemeClr val="accent1"/>
+          </a:effectRef>
+          <a:fontRef idx="minor">
+            <a:schemeClr val="lt1"/>
+          </a:fontRef>
+        </p:style>
+        <p:txBody>
+          <a:bodyPr rtlCol="0" anchor="ctr"/>
+          <a:lstStyle/>
+          <a:p>
+            <a:pPr algn="ctr"/>
+            <a:endParaRPr lang="es-ES"/>
+          </a:p>
+        </p:txBody>
+      </p:sp>
+      <p:cxnSp>
+        <p:nvCxnSpPr>
+          <p:cNvPr id="26" name="25 Conector recto"/>
+          <p:cNvCxnSpPr/>
+          <p:nvPr/>
+        </p:nvCxnSpPr>
+        <p:spPr>
+          <a:xfrm>
+            <a:off x="1115616" y="4077072"/>
+            <a:ext cx="5472608" cy="0"/>
+          </a:xfrm>
+          <a:prstGeom prst="line">
+            <a:avLst/>
+          </a:prstGeom>
+        </p:spPr>
+        <p:style>
+          <a:lnRef idx="1">
+            <a:schemeClr val="accent1"/>
+          </a:lnRef>
+          <a:fillRef idx="0">
+            <a:schemeClr val="accent1"/>
+          </a:fillRef>
+          <a:effectRef idx="0">
+            <a:schemeClr val="accent1"/>
+          </a:effectRef>
+          <a:fontRef idx="minor">
+            <a:schemeClr val="tx1"/>
+          </a:fontRef>
+        </p:style>
+      </p:cxnSp>
+      <p:cxnSp>
+        <p:nvCxnSpPr>
+          <p:cNvPr id="27" name="26 Conector recto"/>
+          <p:cNvCxnSpPr/>
+          <p:nvPr/>
+        </p:nvCxnSpPr>
+        <p:spPr>
+          <a:xfrm>
+            <a:off x="2555776" y="3789040"/>
+            <a:ext cx="0" cy="1512168"/>
+          </a:xfrm>
+          <a:prstGeom prst="line">
+            <a:avLst/>
+          </a:prstGeom>
+        </p:spPr>
+        <p:style>
+          <a:lnRef idx="1">
+            <a:schemeClr val="accent1"/>
+          </a:lnRef>
+          <a:fillRef idx="0">
+            <a:schemeClr val="accent1"/>
+          </a:fillRef>
+          <a:effectRef idx="0">
+            <a:schemeClr val="accent1"/>
+          </a:effectRef>
+          <a:fontRef idx="minor">
+            <a:schemeClr val="tx1"/>
+          </a:fontRef>
+        </p:style>
+      </p:cxnSp>
+      <p:sp>
+        <p:nvSpPr>
+          <p:cNvPr id="28" name="27 CuadroTexto"/>
+          <p:cNvSpPr txBox="1"/>
+          <p:nvPr/>
+        </p:nvSpPr>
+        <p:spPr>
+          <a:xfrm>
+            <a:off x="1187624" y="3760162"/>
+            <a:ext cx="1152128" cy="369332"/>
+          </a:xfrm>
+          <a:prstGeom prst="rect">
+            <a:avLst/>
+          </a:prstGeom>
+          <a:noFill/>
+        </p:spPr>
+        <p:txBody>
+          <a:bodyPr wrap="square" rtlCol="0">
+            <a:spAutoFit/>
+          </a:bodyPr>
+          <a:lstStyle/>
+          <a:p>
+            <a:r>
+              <a:rPr lang="es-ES" dirty="0" smtClean="0"/>
+              <a:t>producto</a:t>
+            </a:r>
+            <a:endParaRPr lang="es-ES" dirty="0"/>
+          </a:p>
+        </p:txBody>
+      </p:sp>
+      <p:sp>
+        <p:nvSpPr>
+          <p:cNvPr id="29" name="28 CuadroTexto"/>
+          <p:cNvSpPr txBox="1"/>
+          <p:nvPr/>
+        </p:nvSpPr>
+        <p:spPr>
+          <a:xfrm>
+            <a:off x="2627784" y="3754536"/>
+            <a:ext cx="1152128" cy="369332"/>
+          </a:xfrm>
+          <a:prstGeom prst="rect">
+            <a:avLst/>
+          </a:prstGeom>
+          <a:noFill/>
+        </p:spPr>
+        <p:txBody>
+          <a:bodyPr wrap="square" rtlCol="0">
+            <a:spAutoFit/>
+          </a:bodyPr>
+          <a:lstStyle/>
+          <a:p>
+            <a:r>
+              <a:rPr lang="es-ES" dirty="0" err="1" smtClean="0"/>
+              <a:t>categoria</a:t>
+            </a:r>
+            <a:endParaRPr lang="es-ES" dirty="0"/>
+          </a:p>
+        </p:txBody>
+      </p:sp>
+      <p:sp>
+        <p:nvSpPr>
+          <p:cNvPr id="30" name="29 CuadroTexto"/>
+          <p:cNvSpPr txBox="1"/>
+          <p:nvPr/>
+        </p:nvSpPr>
+        <p:spPr>
+          <a:xfrm>
+            <a:off x="3995936" y="3745910"/>
+            <a:ext cx="1152128" cy="369332"/>
+          </a:xfrm>
+          <a:prstGeom prst="rect">
+            <a:avLst/>
+          </a:prstGeom>
+          <a:noFill/>
+        </p:spPr>
+        <p:txBody>
+          <a:bodyPr wrap="square" rtlCol="0">
+            <a:spAutoFit/>
+          </a:bodyPr>
+          <a:lstStyle/>
+          <a:p>
+            <a:r>
+              <a:rPr lang="es-ES" dirty="0" smtClean="0"/>
+              <a:t>precio</a:t>
+            </a:r>
+            <a:endParaRPr lang="es-ES" dirty="0"/>
+          </a:p>
+        </p:txBody>
+      </p:sp>
+      <p:cxnSp>
+        <p:nvCxnSpPr>
+          <p:cNvPr id="31" name="30 Conector recto"/>
+          <p:cNvCxnSpPr/>
+          <p:nvPr/>
+        </p:nvCxnSpPr>
+        <p:spPr>
+          <a:xfrm>
+            <a:off x="3923928" y="3789040"/>
+            <a:ext cx="0" cy="1512168"/>
+          </a:xfrm>
+          <a:prstGeom prst="line">
+            <a:avLst/>
+          </a:prstGeom>
+        </p:spPr>
+        <p:style>
+          <a:lnRef idx="1">
+            <a:schemeClr val="accent1"/>
+          </a:lnRef>
+          <a:fillRef idx="0">
+            <a:schemeClr val="accent1"/>
+          </a:fillRef>
+          <a:effectRef idx="0">
+            <a:schemeClr val="accent1"/>
+          </a:effectRef>
+          <a:fontRef idx="minor">
+            <a:schemeClr val="tx1"/>
+          </a:fontRef>
+        </p:style>
+      </p:cxnSp>
+      <p:cxnSp>
+        <p:nvCxnSpPr>
+          <p:cNvPr id="32" name="31 Conector recto"/>
+          <p:cNvCxnSpPr/>
+          <p:nvPr/>
+        </p:nvCxnSpPr>
+        <p:spPr>
+          <a:xfrm>
+            <a:off x="5292080" y="3789040"/>
+            <a:ext cx="0" cy="1512168"/>
+          </a:xfrm>
+          <a:prstGeom prst="line">
+            <a:avLst/>
+          </a:prstGeom>
+        </p:spPr>
+        <p:style>
+          <a:lnRef idx="1">
+            <a:schemeClr val="accent1"/>
+          </a:lnRef>
+          <a:fillRef idx="0">
+            <a:schemeClr val="accent1"/>
+          </a:fillRef>
+          <a:effectRef idx="0">
+            <a:schemeClr val="accent1"/>
+          </a:effectRef>
+          <a:fontRef idx="minor">
+            <a:schemeClr val="tx1"/>
+          </a:fontRef>
+        </p:style>
+      </p:cxnSp>
+      <p:sp>
+        <p:nvSpPr>
+          <p:cNvPr id="33" name="32 CuadroTexto"/>
+          <p:cNvSpPr txBox="1"/>
+          <p:nvPr/>
+        </p:nvSpPr>
+        <p:spPr>
+          <a:xfrm>
+            <a:off x="1259632" y="4077072"/>
+            <a:ext cx="1152128" cy="369332"/>
+          </a:xfrm>
+          <a:prstGeom prst="rect">
+            <a:avLst/>
+          </a:prstGeom>
+          <a:noFill/>
+        </p:spPr>
+        <p:txBody>
+          <a:bodyPr wrap="square" rtlCol="0">
+            <a:spAutoFit/>
+          </a:bodyPr>
+          <a:lstStyle/>
+          <a:p>
+            <a:r>
+              <a:rPr lang="es-ES" dirty="0" smtClean="0"/>
+              <a:t>pan</a:t>
+            </a:r>
+            <a:endParaRPr lang="es-ES" dirty="0"/>
+          </a:p>
+        </p:txBody>
+      </p:sp>
+      <p:sp>
+        <p:nvSpPr>
+          <p:cNvPr id="34" name="33 CuadroTexto"/>
+          <p:cNvSpPr txBox="1"/>
+          <p:nvPr/>
+        </p:nvSpPr>
+        <p:spPr>
+          <a:xfrm>
+            <a:off x="2555776" y="4077072"/>
+            <a:ext cx="1440160" cy="369332"/>
+          </a:xfrm>
+          <a:prstGeom prst="rect">
+            <a:avLst/>
+          </a:prstGeom>
+          <a:noFill/>
+        </p:spPr>
+        <p:txBody>
+          <a:bodyPr wrap="square" rtlCol="0">
+            <a:spAutoFit/>
+          </a:bodyPr>
+          <a:lstStyle/>
+          <a:p>
+            <a:r>
+              <a:rPr lang="es-ES" dirty="0" smtClean="0"/>
+              <a:t>alimentación</a:t>
+            </a:r>
+            <a:endParaRPr lang="es-ES" dirty="0"/>
+          </a:p>
+        </p:txBody>
+      </p:sp>
+      <p:sp>
+        <p:nvSpPr>
+          <p:cNvPr id="35" name="34 CuadroTexto"/>
+          <p:cNvSpPr txBox="1"/>
+          <p:nvPr/>
+        </p:nvSpPr>
+        <p:spPr>
+          <a:xfrm>
+            <a:off x="3923928" y="4077072"/>
+            <a:ext cx="1440160" cy="369332"/>
+          </a:xfrm>
+          <a:prstGeom prst="rect">
+            <a:avLst/>
+          </a:prstGeom>
+          <a:noFill/>
+        </p:spPr>
+        <p:txBody>
+          <a:bodyPr wrap="square" rtlCol="0">
+            <a:spAutoFit/>
+          </a:bodyPr>
+          <a:lstStyle/>
+          <a:p>
+            <a:r>
+              <a:rPr lang="es-ES" dirty="0" smtClean="0"/>
+              <a:t>1.2</a:t>
+            </a:r>
+            <a:endParaRPr lang="es-ES" dirty="0"/>
+          </a:p>
+        </p:txBody>
+      </p:sp>
+      <p:cxnSp>
+        <p:nvCxnSpPr>
+          <p:cNvPr id="36" name="35 Conector recto"/>
+          <p:cNvCxnSpPr/>
+          <p:nvPr/>
+        </p:nvCxnSpPr>
+        <p:spPr>
+          <a:xfrm>
+            <a:off x="1095364" y="4471616"/>
+            <a:ext cx="5472608" cy="0"/>
+          </a:xfrm>
+          <a:prstGeom prst="line">
+            <a:avLst/>
+          </a:prstGeom>
+        </p:spPr>
+        <p:style>
+          <a:lnRef idx="1">
+            <a:schemeClr val="accent1"/>
+          </a:lnRef>
+          <a:fillRef idx="0">
+            <a:schemeClr val="accent1"/>
+          </a:fillRef>
+          <a:effectRef idx="0">
+            <a:schemeClr val="accent1"/>
+          </a:effectRef>
+          <a:fontRef idx="minor">
+            <a:schemeClr val="tx1"/>
+          </a:fontRef>
+        </p:style>
+      </p:cxnSp>
+      <p:sp>
+        <p:nvSpPr>
+          <p:cNvPr id="37" name="36 CuadroTexto"/>
+          <p:cNvSpPr txBox="1"/>
+          <p:nvPr/>
+        </p:nvSpPr>
+        <p:spPr>
+          <a:xfrm>
+            <a:off x="1239380" y="4471616"/>
+            <a:ext cx="1152128" cy="369332"/>
+          </a:xfrm>
+          <a:prstGeom prst="rect">
+            <a:avLst/>
+          </a:prstGeom>
+          <a:noFill/>
+        </p:spPr>
+        <p:txBody>
+          <a:bodyPr wrap="square" rtlCol="0">
+            <a:spAutoFit/>
+          </a:bodyPr>
+          <a:lstStyle/>
+          <a:p>
+            <a:r>
+              <a:rPr lang="es-ES" dirty="0" smtClean="0"/>
+              <a:t>gorro</a:t>
+            </a:r>
+            <a:endParaRPr lang="es-ES" dirty="0"/>
+          </a:p>
+        </p:txBody>
+      </p:sp>
+      <p:sp>
+        <p:nvSpPr>
+          <p:cNvPr id="38" name="37 CuadroTexto"/>
+          <p:cNvSpPr txBox="1"/>
+          <p:nvPr/>
+        </p:nvSpPr>
+        <p:spPr>
+          <a:xfrm>
+            <a:off x="2535524" y="4471616"/>
+            <a:ext cx="1440160" cy="369332"/>
+          </a:xfrm>
+          <a:prstGeom prst="rect">
+            <a:avLst/>
+          </a:prstGeom>
+          <a:noFill/>
+        </p:spPr>
+        <p:txBody>
+          <a:bodyPr wrap="square" rtlCol="0">
+            <a:spAutoFit/>
+          </a:bodyPr>
+          <a:lstStyle/>
+          <a:p>
+            <a:r>
+              <a:rPr lang="es-ES" dirty="0" smtClean="0"/>
+              <a:t>textil</a:t>
+            </a:r>
+            <a:endParaRPr lang="es-ES" dirty="0"/>
+          </a:p>
+        </p:txBody>
+      </p:sp>
+      <p:sp>
+        <p:nvSpPr>
+          <p:cNvPr id="39" name="38 CuadroTexto"/>
+          <p:cNvSpPr txBox="1"/>
+          <p:nvPr/>
+        </p:nvSpPr>
+        <p:spPr>
+          <a:xfrm>
+            <a:off x="3903676" y="4471616"/>
+            <a:ext cx="1440160" cy="369332"/>
+          </a:xfrm>
+          <a:prstGeom prst="rect">
+            <a:avLst/>
+          </a:prstGeom>
+          <a:noFill/>
+        </p:spPr>
+        <p:txBody>
+          <a:bodyPr wrap="square" rtlCol="0">
+            <a:spAutoFit/>
+          </a:bodyPr>
+          <a:lstStyle/>
+          <a:p>
+            <a:r>
+              <a:rPr lang="es-ES" dirty="0" smtClean="0"/>
+              <a:t>21.7</a:t>
+            </a:r>
+            <a:endParaRPr lang="es-ES" dirty="0"/>
+          </a:p>
+        </p:txBody>
+      </p:sp>
+      <p:sp>
+        <p:nvSpPr>
+          <p:cNvPr id="40" name="39 CuadroTexto"/>
+          <p:cNvSpPr txBox="1"/>
+          <p:nvPr/>
+        </p:nvSpPr>
+        <p:spPr>
+          <a:xfrm>
+            <a:off x="5436096" y="4077072"/>
+            <a:ext cx="1008112" cy="369332"/>
+          </a:xfrm>
+          <a:prstGeom prst="rect">
+            <a:avLst/>
+          </a:prstGeom>
+          <a:solidFill>
+            <a:schemeClr val="accent1"/>
+          </a:solidFill>
+        </p:spPr>
+        <p:txBody>
+          <a:bodyPr wrap="square" rtlCol="0">
+            <a:spAutoFit/>
+          </a:bodyPr>
+          <a:lstStyle/>
+          <a:p>
+            <a:r>
+              <a:rPr lang="es-ES" dirty="0" smtClean="0"/>
+              <a:t>quitar</a:t>
+            </a:r>
+            <a:endParaRPr lang="es-ES" dirty="0"/>
+          </a:p>
+        </p:txBody>
+      </p:sp>
+      <p:sp>
+        <p:nvSpPr>
+          <p:cNvPr id="41" name="40 CuadroTexto"/>
+          <p:cNvSpPr txBox="1"/>
+          <p:nvPr/>
+        </p:nvSpPr>
+        <p:spPr>
+          <a:xfrm>
+            <a:off x="5436096" y="4509120"/>
+            <a:ext cx="1008112" cy="369332"/>
+          </a:xfrm>
+          <a:prstGeom prst="rect">
+            <a:avLst/>
+          </a:prstGeom>
+          <a:solidFill>
+            <a:schemeClr val="accent1"/>
+          </a:solidFill>
+        </p:spPr>
+        <p:txBody>
+          <a:bodyPr wrap="square" rtlCol="0">
+            <a:spAutoFit/>
+          </a:bodyPr>
+          <a:lstStyle/>
+          <a:p>
+            <a:r>
+              <a:rPr lang="es-ES" smtClean="0"/>
+              <a:t>quitar</a:t>
+            </a:r>
+            <a:endParaRPr lang="es-ES" dirty="0"/>
+          </a:p>
+        </p:txBody>
+      </p:sp>
+      <p:sp>
+        <p:nvSpPr>
+          <p:cNvPr id="42" name="41 CuadroTexto"/>
+          <p:cNvSpPr txBox="1"/>
+          <p:nvPr/>
+        </p:nvSpPr>
+        <p:spPr>
+          <a:xfrm>
+            <a:off x="1115616" y="3356992"/>
+            <a:ext cx="3456384" cy="369332"/>
+          </a:xfrm>
+          <a:prstGeom prst="rect">
+            <a:avLst/>
+          </a:prstGeom>
+          <a:noFill/>
+        </p:spPr>
+        <p:txBody>
+          <a:bodyPr wrap="square" rtlCol="0">
+            <a:spAutoFit/>
+          </a:bodyPr>
+          <a:lstStyle/>
+          <a:p>
+            <a:r>
+              <a:rPr lang="es-ES" dirty="0" smtClean="0"/>
+              <a:t>carrito</a:t>
             </a:r>
             <a:endParaRPr lang="es-ES" dirty="0"/>
           </a:p>

--- a/pizarra.pptx
+++ b/pizarra.pptx
@@ -34,6 +34,9 @@
     <p:sldId id="282" r:id="rId28"/>
     <p:sldId id="283" r:id="rId29"/>
     <p:sldId id="284" r:id="rId30"/>
+    <p:sldId id="285" r:id="rId31"/>
+    <p:sldId id="286" r:id="rId32"/>
+    <p:sldId id="287" r:id="rId33"/>
   </p:sldIdLst>
   <p:sldSz cx="9144000" cy="6858000" type="screen4x3"/>
   <p:notesSz cx="6858000" cy="9144000"/>
@@ -317,7 +320,7 @@
             <a:fld id="{7A847CFC-816F-41D0-AAC0-9BF4FEBC753E}" type="datetimeFigureOut">
               <a:rPr lang="es-ES" smtClean="0"/>
               <a:pPr/>
-              <a:t>23/04/2025</a:t>
+              <a:t>24/04/2025</a:t>
             </a:fld>
             <a:endParaRPr lang="es-ES"/>
           </a:p>
@@ -484,7 +487,7 @@
             <a:fld id="{7A847CFC-816F-41D0-AAC0-9BF4FEBC753E}" type="datetimeFigureOut">
               <a:rPr lang="es-ES" smtClean="0"/>
               <a:pPr/>
-              <a:t>23/04/2025</a:t>
+              <a:t>24/04/2025</a:t>
             </a:fld>
             <a:endParaRPr lang="es-ES"/>
           </a:p>
@@ -661,7 +664,7 @@
             <a:fld id="{7A847CFC-816F-41D0-AAC0-9BF4FEBC753E}" type="datetimeFigureOut">
               <a:rPr lang="es-ES" smtClean="0"/>
               <a:pPr/>
-              <a:t>23/04/2025</a:t>
+              <a:t>24/04/2025</a:t>
             </a:fld>
             <a:endParaRPr lang="es-ES"/>
           </a:p>
@@ -828,7 +831,7 @@
             <a:fld id="{7A847CFC-816F-41D0-AAC0-9BF4FEBC753E}" type="datetimeFigureOut">
               <a:rPr lang="es-ES" smtClean="0"/>
               <a:pPr/>
-              <a:t>23/04/2025</a:t>
+              <a:t>24/04/2025</a:t>
             </a:fld>
             <a:endParaRPr lang="es-ES"/>
           </a:p>
@@ -1071,7 +1074,7 @@
             <a:fld id="{7A847CFC-816F-41D0-AAC0-9BF4FEBC753E}" type="datetimeFigureOut">
               <a:rPr lang="es-ES" smtClean="0"/>
               <a:pPr/>
-              <a:t>23/04/2025</a:t>
+              <a:t>24/04/2025</a:t>
             </a:fld>
             <a:endParaRPr lang="es-ES"/>
           </a:p>
@@ -1356,7 +1359,7 @@
             <a:fld id="{7A847CFC-816F-41D0-AAC0-9BF4FEBC753E}" type="datetimeFigureOut">
               <a:rPr lang="es-ES" smtClean="0"/>
               <a:pPr/>
-              <a:t>23/04/2025</a:t>
+              <a:t>24/04/2025</a:t>
             </a:fld>
             <a:endParaRPr lang="es-ES"/>
           </a:p>
@@ -1775,7 +1778,7 @@
             <a:fld id="{7A847CFC-816F-41D0-AAC0-9BF4FEBC753E}" type="datetimeFigureOut">
               <a:rPr lang="es-ES" smtClean="0"/>
               <a:pPr/>
-              <a:t>23/04/2025</a:t>
+              <a:t>24/04/2025</a:t>
             </a:fld>
             <a:endParaRPr lang="es-ES"/>
           </a:p>
@@ -1890,7 +1893,7 @@
             <a:fld id="{7A847CFC-816F-41D0-AAC0-9BF4FEBC753E}" type="datetimeFigureOut">
               <a:rPr lang="es-ES" smtClean="0"/>
               <a:pPr/>
-              <a:t>23/04/2025</a:t>
+              <a:t>24/04/2025</a:t>
             </a:fld>
             <a:endParaRPr lang="es-ES"/>
           </a:p>
@@ -1982,7 +1985,7 @@
             <a:fld id="{7A847CFC-816F-41D0-AAC0-9BF4FEBC753E}" type="datetimeFigureOut">
               <a:rPr lang="es-ES" smtClean="0"/>
               <a:pPr/>
-              <a:t>23/04/2025</a:t>
+              <a:t>24/04/2025</a:t>
             </a:fld>
             <a:endParaRPr lang="es-ES"/>
           </a:p>
@@ -2256,7 +2259,7 @@
             <a:fld id="{7A847CFC-816F-41D0-AAC0-9BF4FEBC753E}" type="datetimeFigureOut">
               <a:rPr lang="es-ES" smtClean="0"/>
               <a:pPr/>
-              <a:t>23/04/2025</a:t>
+              <a:t>24/04/2025</a:t>
             </a:fld>
             <a:endParaRPr lang="es-ES"/>
           </a:p>
@@ -2506,7 +2509,7 @@
             <a:fld id="{7A847CFC-816F-41D0-AAC0-9BF4FEBC753E}" type="datetimeFigureOut">
               <a:rPr lang="es-ES" smtClean="0"/>
               <a:pPr/>
-              <a:t>23/04/2025</a:t>
+              <a:t>24/04/2025</a:t>
             </a:fld>
             <a:endParaRPr lang="es-ES"/>
           </a:p>
@@ -2716,7 +2719,7 @@
             <a:fld id="{7A847CFC-816F-41D0-AAC0-9BF4FEBC753E}" type="datetimeFigureOut">
               <a:rPr lang="es-ES" smtClean="0"/>
               <a:pPr/>
-              <a:t>23/04/2025</a:t>
+              <a:t>24/04/2025</a:t>
             </a:fld>
             <a:endParaRPr lang="es-ES"/>
           </a:p>
@@ -8642,7 +8645,7 @@
         <p:spPr>
           <a:xfrm>
             <a:off x="683568" y="1124744"/>
-            <a:ext cx="7272808" cy="4524315"/>
+            <a:ext cx="7272808" cy="4801314"/>
           </a:xfrm>
           <a:prstGeom prst="rect">
             <a:avLst/>
@@ -8752,11 +8755,15 @@
             </a:r>
             <a:r>
               <a:rPr lang="es-ES" dirty="0" err="1" smtClean="0"/>
-              <a:t>function_procesar</a:t>
-            </a:r>
-            <a:r>
-              <a:rPr lang="es-ES" dirty="0" smtClean="0"/>
-              <a:t>). Aplica la función a cada elemento del </a:t>
+              <a:t>function_procesar,indice</a:t>
+            </a:r>
+            <a:r>
+              <a:rPr lang="es-ES" dirty="0" smtClean="0"/>
+              <a:t>). </a:t>
+            </a:r>
+            <a:r>
+              <a:rPr lang="es-ES" dirty="0" smtClean="0"/>
+              <a:t>Aplica la función a cada elemento del </a:t>
             </a:r>
             <a:r>
               <a:rPr lang="es-ES" dirty="0" err="1" smtClean="0"/>
@@ -10022,11 +10029,7 @@
           <a:p>
             <a:r>
               <a:rPr lang="es-ES" dirty="0" smtClean="0"/>
-              <a:t> </a:t>
-            </a:r>
-            <a:r>
-              <a:rPr lang="es-ES" dirty="0" smtClean="0"/>
-              <a:t>console.log(</a:t>
+              <a:t> console.log(</a:t>
             </a:r>
             <a:r>
               <a:rPr lang="es-ES" dirty="0" err="1" smtClean="0"/>
@@ -11442,6 +11445,650 @@
           <a:p>
             <a:pPr algn="ctr"/>
             <a:endParaRPr lang="es-ES"/>
+          </a:p>
+        </p:txBody>
+      </p:sp>
+    </p:spTree>
+  </p:cSld>
+  <p:clrMapOvr>
+    <a:masterClrMapping/>
+  </p:clrMapOvr>
+</p:sld>
+</file>
+
+<file path=ppt/slides/slide30.xml><?xml version="1.0" encoding="utf-8"?>
+<p:sld xmlns:a="http://schemas.openxmlformats.org/drawingml/2006/main" xmlns:r="http://schemas.openxmlformats.org/officeDocument/2006/relationships" xmlns:p="http://schemas.openxmlformats.org/presentationml/2006/main">
+  <p:cSld>
+    <p:spTree>
+      <p:nvGrpSpPr>
+        <p:cNvPr id="1" name=""/>
+        <p:cNvGrpSpPr/>
+        <p:nvPr/>
+      </p:nvGrpSpPr>
+      <p:grpSpPr>
+        <a:xfrm>
+          <a:off x="0" y="0"/>
+          <a:ext cx="0" cy="0"/>
+          <a:chOff x="0" y="0"/>
+          <a:chExt cx="0" cy="0"/>
+        </a:xfrm>
+      </p:grpSpPr>
+      <p:sp>
+        <p:nvSpPr>
+          <p:cNvPr id="2" name="1 CuadroTexto"/>
+          <p:cNvSpPr txBox="1"/>
+          <p:nvPr/>
+        </p:nvSpPr>
+        <p:spPr>
+          <a:xfrm>
+            <a:off x="2051720" y="764704"/>
+            <a:ext cx="1368152" cy="369332"/>
+          </a:xfrm>
+          <a:prstGeom prst="rect">
+            <a:avLst/>
+          </a:prstGeom>
+          <a:noFill/>
+        </p:spPr>
+        <p:txBody>
+          <a:bodyPr wrap="square" rtlCol="0">
+            <a:spAutoFit/>
+          </a:bodyPr>
+          <a:lstStyle/>
+          <a:p>
+            <a:r>
+              <a:rPr lang="es-ES" dirty="0" err="1" smtClean="0"/>
+              <a:t>forEach</a:t>
+            </a:r>
+            <a:endParaRPr lang="es-ES" dirty="0"/>
+          </a:p>
+        </p:txBody>
+      </p:sp>
+      <p:sp>
+        <p:nvSpPr>
+          <p:cNvPr id="3" name="2 CuadroTexto"/>
+          <p:cNvSpPr txBox="1"/>
+          <p:nvPr/>
+        </p:nvSpPr>
+        <p:spPr>
+          <a:xfrm>
+            <a:off x="1187624" y="1844824"/>
+            <a:ext cx="6408712" cy="2862322"/>
+          </a:xfrm>
+          <a:prstGeom prst="rect">
+            <a:avLst/>
+          </a:prstGeom>
+          <a:noFill/>
+        </p:spPr>
+        <p:txBody>
+          <a:bodyPr wrap="square" rtlCol="0">
+            <a:spAutoFit/>
+          </a:bodyPr>
+          <a:lstStyle/>
+          <a:p>
+            <a:r>
+              <a:rPr lang="es-ES" dirty="0" err="1" smtClean="0"/>
+              <a:t>objetoArray.forEach</a:t>
+            </a:r>
+            <a:r>
+              <a:rPr lang="es-ES" dirty="0" smtClean="0"/>
+              <a:t>(</a:t>
+            </a:r>
+            <a:r>
+              <a:rPr lang="es-ES" dirty="0" err="1" smtClean="0"/>
+              <a:t>function</a:t>
+            </a:r>
+            <a:r>
+              <a:rPr lang="es-ES" dirty="0" smtClean="0"/>
+              <a:t>(</a:t>
+            </a:r>
+            <a:r>
+              <a:rPr lang="es-ES" dirty="0" err="1" smtClean="0"/>
+              <a:t>n,indice</a:t>
+            </a:r>
+            <a:r>
+              <a:rPr lang="es-ES" dirty="0" smtClean="0"/>
+              <a:t>){</a:t>
+            </a:r>
+          </a:p>
+          <a:p>
+            <a:endParaRPr lang="es-ES" dirty="0" smtClean="0"/>
+          </a:p>
+          <a:p>
+            <a:endParaRPr lang="es-ES" dirty="0" smtClean="0"/>
+          </a:p>
+          <a:p>
+            <a:endParaRPr lang="es-ES" dirty="0" smtClean="0"/>
+          </a:p>
+          <a:p>
+            <a:r>
+              <a:rPr lang="es-ES" dirty="0" smtClean="0"/>
+              <a:t>});</a:t>
+            </a:r>
+          </a:p>
+          <a:p>
+            <a:endParaRPr lang="es-ES" dirty="0" smtClean="0"/>
+          </a:p>
+          <a:p>
+            <a:endParaRPr lang="es-ES" dirty="0" smtClean="0"/>
+          </a:p>
+          <a:p>
+            <a:endParaRPr lang="es-ES" dirty="0" smtClean="0"/>
+          </a:p>
+          <a:p>
+            <a:endParaRPr lang="es-ES" dirty="0" smtClean="0"/>
+          </a:p>
+          <a:p>
+            <a:endParaRPr lang="es-ES" dirty="0"/>
+          </a:p>
+        </p:txBody>
+      </p:sp>
+      <p:cxnSp>
+        <p:nvCxnSpPr>
+          <p:cNvPr id="5" name="4 Conector recto de flecha"/>
+          <p:cNvCxnSpPr/>
+          <p:nvPr/>
+        </p:nvCxnSpPr>
+        <p:spPr>
+          <a:xfrm flipH="1">
+            <a:off x="4572000" y="1340768"/>
+            <a:ext cx="144016" cy="576064"/>
+          </a:xfrm>
+          <a:prstGeom prst="straightConnector1">
+            <a:avLst/>
+          </a:prstGeom>
+          <a:ln>
+            <a:tailEnd type="arrow"/>
+          </a:ln>
+        </p:spPr>
+        <p:style>
+          <a:lnRef idx="1">
+            <a:schemeClr val="accent1"/>
+          </a:lnRef>
+          <a:fillRef idx="0">
+            <a:schemeClr val="accent1"/>
+          </a:fillRef>
+          <a:effectRef idx="0">
+            <a:schemeClr val="accent1"/>
+          </a:effectRef>
+          <a:fontRef idx="minor">
+            <a:schemeClr val="tx1"/>
+          </a:fontRef>
+        </p:style>
+      </p:cxnSp>
+      <p:sp>
+        <p:nvSpPr>
+          <p:cNvPr id="6" name="5 CuadroTexto"/>
+          <p:cNvSpPr txBox="1"/>
+          <p:nvPr/>
+        </p:nvSpPr>
+        <p:spPr>
+          <a:xfrm>
+            <a:off x="4427984" y="1052736"/>
+            <a:ext cx="1152128" cy="369332"/>
+          </a:xfrm>
+          <a:prstGeom prst="rect">
+            <a:avLst/>
+          </a:prstGeom>
+          <a:noFill/>
+        </p:spPr>
+        <p:txBody>
+          <a:bodyPr wrap="square" rtlCol="0">
+            <a:spAutoFit/>
+          </a:bodyPr>
+          <a:lstStyle/>
+          <a:p>
+            <a:r>
+              <a:rPr lang="es-ES" dirty="0" smtClean="0"/>
+              <a:t>posición</a:t>
+            </a:r>
+            <a:endParaRPr lang="es-ES" dirty="0"/>
+          </a:p>
+        </p:txBody>
+      </p:sp>
+    </p:spTree>
+  </p:cSld>
+  <p:clrMapOvr>
+    <a:masterClrMapping/>
+  </p:clrMapOvr>
+</p:sld>
+</file>
+
+<file path=ppt/slides/slide31.xml><?xml version="1.0" encoding="utf-8"?>
+<p:sld xmlns:a="http://schemas.openxmlformats.org/drawingml/2006/main" xmlns:r="http://schemas.openxmlformats.org/officeDocument/2006/relationships" xmlns:p="http://schemas.openxmlformats.org/presentationml/2006/main">
+  <p:cSld>
+    <p:spTree>
+      <p:nvGrpSpPr>
+        <p:cNvPr id="1" name=""/>
+        <p:cNvGrpSpPr/>
+        <p:nvPr/>
+      </p:nvGrpSpPr>
+      <p:grpSpPr>
+        <a:xfrm>
+          <a:off x="0" y="0"/>
+          <a:ext cx="0" cy="0"/>
+          <a:chOff x="0" y="0"/>
+          <a:chExt cx="0" cy="0"/>
+        </a:xfrm>
+      </p:grpSpPr>
+      <p:sp>
+        <p:nvSpPr>
+          <p:cNvPr id="2" name="1 CuadroTexto"/>
+          <p:cNvSpPr txBox="1"/>
+          <p:nvPr/>
+        </p:nvSpPr>
+        <p:spPr>
+          <a:xfrm>
+            <a:off x="683568" y="2420888"/>
+            <a:ext cx="5904656" cy="923330"/>
+          </a:xfrm>
+          <a:prstGeom prst="rect">
+            <a:avLst/>
+          </a:prstGeom>
+          <a:noFill/>
+        </p:spPr>
+        <p:txBody>
+          <a:bodyPr wrap="square" rtlCol="0">
+            <a:spAutoFit/>
+          </a:bodyPr>
+          <a:lstStyle/>
+          <a:p>
+            <a:r>
+              <a:rPr lang="es-ES" dirty="0" err="1" smtClean="0"/>
+              <a:t>function</a:t>
+            </a:r>
+            <a:r>
+              <a:rPr lang="es-ES" dirty="0" smtClean="0"/>
+              <a:t> imprimir(dato){</a:t>
+            </a:r>
+          </a:p>
+          <a:p>
+            <a:r>
+              <a:rPr lang="es-ES" dirty="0" smtClean="0"/>
+              <a:t>	console.log(dato);</a:t>
+            </a:r>
+          </a:p>
+          <a:p>
+            <a:r>
+              <a:rPr lang="es-ES" dirty="0" smtClean="0"/>
+              <a:t>}</a:t>
+            </a:r>
+            <a:endParaRPr lang="es-ES" dirty="0"/>
+          </a:p>
+        </p:txBody>
+      </p:sp>
+      <p:sp>
+        <p:nvSpPr>
+          <p:cNvPr id="3" name="2 CuadroTexto"/>
+          <p:cNvSpPr txBox="1"/>
+          <p:nvPr/>
+        </p:nvSpPr>
+        <p:spPr>
+          <a:xfrm>
+            <a:off x="611560" y="908720"/>
+            <a:ext cx="5040560" cy="369332"/>
+          </a:xfrm>
+          <a:prstGeom prst="rect">
+            <a:avLst/>
+          </a:prstGeom>
+          <a:noFill/>
+        </p:spPr>
+        <p:txBody>
+          <a:bodyPr wrap="square" rtlCol="0">
+            <a:spAutoFit/>
+          </a:bodyPr>
+          <a:lstStyle/>
+          <a:p>
+            <a:r>
+              <a:rPr lang="es-ES" dirty="0" smtClean="0"/>
+              <a:t>imprimir(10);</a:t>
+            </a:r>
+            <a:endParaRPr lang="es-ES" dirty="0"/>
+          </a:p>
+        </p:txBody>
+      </p:sp>
+      <p:cxnSp>
+        <p:nvCxnSpPr>
+          <p:cNvPr id="5" name="4 Conector recto de flecha"/>
+          <p:cNvCxnSpPr/>
+          <p:nvPr/>
+        </p:nvCxnSpPr>
+        <p:spPr>
+          <a:xfrm>
+            <a:off x="1691680" y="1124744"/>
+            <a:ext cx="1008112" cy="1440160"/>
+          </a:xfrm>
+          <a:prstGeom prst="straightConnector1">
+            <a:avLst/>
+          </a:prstGeom>
+          <a:ln>
+            <a:tailEnd type="arrow"/>
+          </a:ln>
+        </p:spPr>
+        <p:style>
+          <a:lnRef idx="1">
+            <a:schemeClr val="accent1"/>
+          </a:lnRef>
+          <a:fillRef idx="0">
+            <a:schemeClr val="accent1"/>
+          </a:fillRef>
+          <a:effectRef idx="0">
+            <a:schemeClr val="accent1"/>
+          </a:effectRef>
+          <a:fontRef idx="minor">
+            <a:schemeClr val="tx1"/>
+          </a:fontRef>
+        </p:style>
+      </p:cxnSp>
+    </p:spTree>
+  </p:cSld>
+  <p:clrMapOvr>
+    <a:masterClrMapping/>
+  </p:clrMapOvr>
+</p:sld>
+</file>
+
+<file path=ppt/slides/slide32.xml><?xml version="1.0" encoding="utf-8"?>
+<p:sld xmlns:a="http://schemas.openxmlformats.org/drawingml/2006/main" xmlns:r="http://schemas.openxmlformats.org/officeDocument/2006/relationships" xmlns:p="http://schemas.openxmlformats.org/presentationml/2006/main">
+  <p:cSld>
+    <p:spTree>
+      <p:nvGrpSpPr>
+        <p:cNvPr id="1" name=""/>
+        <p:cNvGrpSpPr/>
+        <p:nvPr/>
+      </p:nvGrpSpPr>
+      <p:grpSpPr>
+        <a:xfrm>
+          <a:off x="0" y="0"/>
+          <a:ext cx="0" cy="0"/>
+          <a:chOff x="0" y="0"/>
+          <a:chExt cx="0" cy="0"/>
+        </a:xfrm>
+      </p:grpSpPr>
+      <p:sp>
+        <p:nvSpPr>
+          <p:cNvPr id="2" name="1 CuadroTexto"/>
+          <p:cNvSpPr txBox="1"/>
+          <p:nvPr/>
+        </p:nvSpPr>
+        <p:spPr>
+          <a:xfrm>
+            <a:off x="1475656" y="548680"/>
+            <a:ext cx="4104456" cy="369332"/>
+          </a:xfrm>
+          <a:prstGeom prst="rect">
+            <a:avLst/>
+          </a:prstGeom>
+          <a:noFill/>
+        </p:spPr>
+        <p:txBody>
+          <a:bodyPr wrap="square" rtlCol="0">
+            <a:spAutoFit/>
+          </a:bodyPr>
+          <a:lstStyle/>
+          <a:p>
+            <a:r>
+              <a:rPr lang="es-ES" dirty="0" smtClean="0"/>
+              <a:t>convertir texto a JSON y JSON a texto</a:t>
+            </a:r>
+            <a:endParaRPr lang="es-ES" dirty="0"/>
+          </a:p>
+        </p:txBody>
+      </p:sp>
+      <p:sp>
+        <p:nvSpPr>
+          <p:cNvPr id="3" name="2 CuadroTexto"/>
+          <p:cNvSpPr txBox="1"/>
+          <p:nvPr/>
+        </p:nvSpPr>
+        <p:spPr>
+          <a:xfrm>
+            <a:off x="323528" y="1556792"/>
+            <a:ext cx="5040560" cy="369332"/>
+          </a:xfrm>
+          <a:prstGeom prst="rect">
+            <a:avLst/>
+          </a:prstGeom>
+          <a:noFill/>
+        </p:spPr>
+        <p:txBody>
+          <a:bodyPr wrap="square" rtlCol="0">
+            <a:spAutoFit/>
+          </a:bodyPr>
+          <a:lstStyle/>
+          <a:p>
+            <a:r>
+              <a:rPr lang="es-ES" dirty="0" smtClean="0"/>
+              <a:t>"{'</a:t>
+            </a:r>
+            <a:r>
+              <a:rPr lang="es-ES" dirty="0" err="1" smtClean="0"/>
+              <a:t>nombre':'profe','email':'dddd@gmail.com</a:t>
+            </a:r>
+            <a:r>
+              <a:rPr lang="es-ES" dirty="0" smtClean="0"/>
+              <a:t>'}"</a:t>
+            </a:r>
+            <a:endParaRPr lang="es-ES" dirty="0"/>
+          </a:p>
+        </p:txBody>
+      </p:sp>
+      <p:sp>
+        <p:nvSpPr>
+          <p:cNvPr id="4" name="3 Flecha abajo"/>
+          <p:cNvSpPr/>
+          <p:nvPr/>
+        </p:nvSpPr>
+        <p:spPr>
+          <a:xfrm rot="19109248">
+            <a:off x="2496147" y="1914889"/>
+            <a:ext cx="648072" cy="1152128"/>
+          </a:xfrm>
+          <a:prstGeom prst="downArrow">
+            <a:avLst/>
+          </a:prstGeom>
+        </p:spPr>
+        <p:style>
+          <a:lnRef idx="2">
+            <a:schemeClr val="accent1">
+              <a:shade val="50000"/>
+            </a:schemeClr>
+          </a:lnRef>
+          <a:fillRef idx="1">
+            <a:schemeClr val="accent1"/>
+          </a:fillRef>
+          <a:effectRef idx="0">
+            <a:schemeClr val="accent1"/>
+          </a:effectRef>
+          <a:fontRef idx="minor">
+            <a:schemeClr val="lt1"/>
+          </a:fontRef>
+        </p:style>
+        <p:txBody>
+          <a:bodyPr rtlCol="0" anchor="ctr"/>
+          <a:lstStyle/>
+          <a:p>
+            <a:pPr algn="ctr"/>
+            <a:endParaRPr lang="es-ES"/>
+          </a:p>
+        </p:txBody>
+      </p:sp>
+      <p:sp>
+        <p:nvSpPr>
+          <p:cNvPr id="5" name="4 CuadroTexto"/>
+          <p:cNvSpPr txBox="1"/>
+          <p:nvPr/>
+        </p:nvSpPr>
+        <p:spPr>
+          <a:xfrm>
+            <a:off x="2051720" y="3140968"/>
+            <a:ext cx="5040560" cy="369332"/>
+          </a:xfrm>
+          <a:prstGeom prst="rect">
+            <a:avLst/>
+          </a:prstGeom>
+          <a:noFill/>
+        </p:spPr>
+        <p:txBody>
+          <a:bodyPr wrap="square" rtlCol="0">
+            <a:spAutoFit/>
+          </a:bodyPr>
+          <a:lstStyle/>
+          <a:p>
+            <a:r>
+              <a:rPr lang="es-ES" dirty="0" smtClean="0"/>
+              <a:t>{</a:t>
+            </a:r>
+            <a:r>
+              <a:rPr lang="es-ES" dirty="0" smtClean="0"/>
+              <a:t>'</a:t>
+            </a:r>
+            <a:r>
+              <a:rPr lang="es-ES" dirty="0" err="1" smtClean="0"/>
+              <a:t>nombre':'profe','email':'dddd@gmail.com</a:t>
+            </a:r>
+            <a:r>
+              <a:rPr lang="es-ES" dirty="0" smtClean="0"/>
+              <a:t>'}</a:t>
+            </a:r>
+            <a:endParaRPr lang="es-ES" dirty="0"/>
+          </a:p>
+        </p:txBody>
+      </p:sp>
+      <p:sp>
+        <p:nvSpPr>
+          <p:cNvPr id="6" name="5 CuadroTexto"/>
+          <p:cNvSpPr txBox="1"/>
+          <p:nvPr/>
+        </p:nvSpPr>
+        <p:spPr>
+          <a:xfrm>
+            <a:off x="3347864" y="2060848"/>
+            <a:ext cx="2232248" cy="369332"/>
+          </a:xfrm>
+          <a:prstGeom prst="rect">
+            <a:avLst/>
+          </a:prstGeom>
+          <a:noFill/>
+        </p:spPr>
+        <p:txBody>
+          <a:bodyPr wrap="square" rtlCol="0">
+            <a:spAutoFit/>
+          </a:bodyPr>
+          <a:lstStyle/>
+          <a:p>
+            <a:r>
+              <a:rPr lang="es-ES" dirty="0" err="1" smtClean="0"/>
+              <a:t>JSON.parse</a:t>
+            </a:r>
+            <a:endParaRPr lang="es-ES" dirty="0"/>
+          </a:p>
+        </p:txBody>
+      </p:sp>
+      <p:sp>
+        <p:nvSpPr>
+          <p:cNvPr id="7" name="6 Flecha abajo"/>
+          <p:cNvSpPr/>
+          <p:nvPr/>
+        </p:nvSpPr>
+        <p:spPr>
+          <a:xfrm rot="19109248">
+            <a:off x="3216227" y="3499065"/>
+            <a:ext cx="648072" cy="1152128"/>
+          </a:xfrm>
+          <a:prstGeom prst="downArrow">
+            <a:avLst/>
+          </a:prstGeom>
+        </p:spPr>
+        <p:style>
+          <a:lnRef idx="2">
+            <a:schemeClr val="accent1">
+              <a:shade val="50000"/>
+            </a:schemeClr>
+          </a:lnRef>
+          <a:fillRef idx="1">
+            <a:schemeClr val="accent1"/>
+          </a:fillRef>
+          <a:effectRef idx="0">
+            <a:schemeClr val="accent1"/>
+          </a:effectRef>
+          <a:fontRef idx="minor">
+            <a:schemeClr val="lt1"/>
+          </a:fontRef>
+        </p:style>
+        <p:txBody>
+          <a:bodyPr rtlCol="0" anchor="ctr"/>
+          <a:lstStyle/>
+          <a:p>
+            <a:pPr algn="ctr"/>
+            <a:endParaRPr lang="es-ES"/>
+          </a:p>
+        </p:txBody>
+      </p:sp>
+      <p:sp>
+        <p:nvSpPr>
+          <p:cNvPr id="8" name="7 CuadroTexto"/>
+          <p:cNvSpPr txBox="1"/>
+          <p:nvPr/>
+        </p:nvSpPr>
+        <p:spPr>
+          <a:xfrm>
+            <a:off x="2267744" y="4581128"/>
+            <a:ext cx="5040560" cy="369332"/>
+          </a:xfrm>
+          <a:prstGeom prst="rect">
+            <a:avLst/>
+          </a:prstGeom>
+          <a:noFill/>
+        </p:spPr>
+        <p:txBody>
+          <a:bodyPr wrap="square" rtlCol="0">
+            <a:spAutoFit/>
+          </a:bodyPr>
+          <a:lstStyle/>
+          <a:p>
+            <a:r>
+              <a:rPr lang="es-ES" dirty="0" smtClean="0"/>
+              <a:t>"{'</a:t>
+            </a:r>
+            <a:r>
+              <a:rPr lang="es-ES" dirty="0" err="1" smtClean="0"/>
+              <a:t>nombre':'profe','email':'dddd@gmail.com</a:t>
+            </a:r>
+            <a:r>
+              <a:rPr lang="es-ES" dirty="0" smtClean="0"/>
+              <a:t>'}"</a:t>
+            </a:r>
+            <a:endParaRPr lang="es-ES" dirty="0"/>
+          </a:p>
+        </p:txBody>
+      </p:sp>
+      <p:sp>
+        <p:nvSpPr>
+          <p:cNvPr id="9" name="8 CuadroTexto"/>
+          <p:cNvSpPr txBox="1"/>
+          <p:nvPr/>
+        </p:nvSpPr>
+        <p:spPr>
+          <a:xfrm>
+            <a:off x="3995936" y="3861048"/>
+            <a:ext cx="2232248" cy="369332"/>
+          </a:xfrm>
+          <a:prstGeom prst="rect">
+            <a:avLst/>
+          </a:prstGeom>
+          <a:noFill/>
+        </p:spPr>
+        <p:txBody>
+          <a:bodyPr wrap="square" rtlCol="0">
+            <a:spAutoFit/>
+          </a:bodyPr>
+          <a:lstStyle/>
+          <a:p>
+            <a:r>
+              <a:rPr lang="es-ES" smtClean="0"/>
+              <a:t>JSON.stringify</a:t>
+            </a:r>
+            <a:endParaRPr lang="es-ES" dirty="0"/>
           </a:p>
         </p:txBody>
       </p:sp>
